--- a/wspsref_newsletter.pptx
+++ b/wspsref_newsletter.pptx
@@ -6,9 +6,8 @@
   </p:sldMasterIdLst>
   <p:sldIdLst>
     <p:sldId id="256" r:id="rId2"/>
-    <p:sldId id="257" r:id="rId3"/>
-    <p:sldId id="258" r:id="rId4"/>
-    <p:sldId id="259" r:id="rId5"/>
+    <p:sldId id="258" r:id="rId3"/>
+    <p:sldId id="259" r:id="rId4"/>
   </p:sldIdLst>
   <p:sldSz cx="12192000" cy="6858000"/>
   <p:notesSz cx="6858000" cy="9144000"/>
@@ -3343,7 +3342,7 @@
         </p:nvSpPr>
         <p:spPr>
           <a:xfrm>
-            <a:off x="797011" y="1501347"/>
+            <a:off x="735227" y="154461"/>
             <a:ext cx="8879252" cy="2977978"/>
           </a:xfrm>
           <a:prstGeom prst="rect">
@@ -3395,7 +3394,7 @@
         </p:nvSpPr>
         <p:spPr>
           <a:xfrm>
-            <a:off x="877329" y="1470225"/>
+            <a:off x="815545" y="123339"/>
             <a:ext cx="8879251" cy="523220"/>
           </a:xfrm>
           <a:prstGeom prst="rect">
@@ -3441,7 +3440,7 @@
         </p:nvSpPr>
         <p:spPr>
           <a:xfrm>
-            <a:off x="1088084" y="2021229"/>
+            <a:off x="1026300" y="674343"/>
             <a:ext cx="8457740" cy="584775"/>
           </a:xfrm>
           <a:prstGeom prst="rect">
@@ -3492,42 +3491,12 @@
           </a:p>
         </p:txBody>
       </p:sp>
-    </p:spTree>
-    <p:extLst>
-      <p:ext uri="{BB962C8B-B14F-4D97-AF65-F5344CB8AC3E}">
-        <p14:creationId xmlns:p14="http://schemas.microsoft.com/office/powerpoint/2010/main" val="4123423618"/>
-      </p:ext>
-    </p:extLst>
-  </p:cSld>
-  <p:clrMapOvr>
-    <a:masterClrMapping/>
-  </p:clrMapOvr>
-</p:sld>
-</file>
-
-<file path=ppt/slides/slide2.xml><?xml version="1.0" encoding="utf-8"?>
-<p:sld xmlns:a="http://schemas.openxmlformats.org/drawingml/2006/main" xmlns:r="http://schemas.openxmlformats.org/officeDocument/2006/relationships" xmlns:p="http://schemas.openxmlformats.org/presentationml/2006/main">
-  <p:cSld>
-    <p:spTree>
-      <p:nvGrpSpPr>
-        <p:cNvPr id="1" name=""/>
-        <p:cNvGrpSpPr/>
-        <p:nvPr/>
-      </p:nvGrpSpPr>
-      <p:grpSpPr>
-        <a:xfrm>
-          <a:off x="0" y="0"/>
-          <a:ext cx="0" cy="0"/>
-          <a:chOff x="0" y="0"/>
-          <a:chExt cx="0" cy="0"/>
-        </a:xfrm>
-      </p:grpSpPr>
       <p:sp>
         <p:nvSpPr>
           <p:cNvPr id="6" name="矩形 5">
             <a:extLst>
               <a:ext uri="{FF2B5EF4-FFF2-40B4-BE49-F238E27FC236}">
-                <a16:creationId xmlns:a16="http://schemas.microsoft.com/office/drawing/2014/main" id="{140F4F3A-519A-43F9-9973-3855F8E59C10}"/>
+                <a16:creationId xmlns:a16="http://schemas.microsoft.com/office/drawing/2014/main" id="{FDF36F57-EB0C-4483-A4E9-69B11F0A5B7F}"/>
               </a:ext>
             </a:extLst>
           </p:cNvPr>
@@ -3536,7 +3505,7 @@
         </p:nvSpPr>
         <p:spPr>
           <a:xfrm>
-            <a:off x="797010" y="2055689"/>
+            <a:off x="735227" y="3127390"/>
             <a:ext cx="8881200" cy="2977200"/>
           </a:xfrm>
           <a:prstGeom prst="rect">
@@ -3579,7 +3548,7 @@
           <p:cNvPr id="7" name="文本框 6">
             <a:extLst>
               <a:ext uri="{FF2B5EF4-FFF2-40B4-BE49-F238E27FC236}">
-                <a16:creationId xmlns:a16="http://schemas.microsoft.com/office/drawing/2014/main" id="{86A52473-3467-45D0-8F40-1A08F2D94099}"/>
+                <a16:creationId xmlns:a16="http://schemas.microsoft.com/office/drawing/2014/main" id="{589A894B-6DA0-44EA-A2E2-754C40124F29}"/>
               </a:ext>
             </a:extLst>
           </p:cNvPr>
@@ -3588,7 +3557,7 @@
         </p:nvSpPr>
         <p:spPr>
           <a:xfrm>
-            <a:off x="877329" y="2024567"/>
+            <a:off x="815546" y="3096268"/>
             <a:ext cx="8457740" cy="523220"/>
           </a:xfrm>
           <a:prstGeom prst="rect">
@@ -3625,7 +3594,7 @@
           <p:cNvPr id="8" name="文本框 7">
             <a:extLst>
               <a:ext uri="{FF2B5EF4-FFF2-40B4-BE49-F238E27FC236}">
-                <a16:creationId xmlns:a16="http://schemas.microsoft.com/office/drawing/2014/main" id="{2BB404D5-6A2C-4CEF-8AAF-89DEBC93A888}"/>
+                <a16:creationId xmlns:a16="http://schemas.microsoft.com/office/drawing/2014/main" id="{180B68BD-5269-4EF4-B834-CF84598639F5}"/>
               </a:ext>
             </a:extLst>
           </p:cNvPr>
@@ -3634,7 +3603,7 @@
         </p:nvSpPr>
         <p:spPr>
           <a:xfrm>
-            <a:off x="1110412" y="2547787"/>
+            <a:off x="1048629" y="3619488"/>
             <a:ext cx="8457740" cy="1231106"/>
           </a:xfrm>
           <a:prstGeom prst="rect">
@@ -3734,7 +3703,7 @@
     </p:spTree>
     <p:extLst>
       <p:ext uri="{BB962C8B-B14F-4D97-AF65-F5344CB8AC3E}">
-        <p14:creationId xmlns:p14="http://schemas.microsoft.com/office/powerpoint/2010/main" val="2477299014"/>
+        <p14:creationId xmlns:p14="http://schemas.microsoft.com/office/powerpoint/2010/main" val="4123423618"/>
       </p:ext>
     </p:extLst>
   </p:cSld>
@@ -3744,7 +3713,7 @@
 </p:sld>
 </file>
 
-<file path=ppt/slides/slide3.xml><?xml version="1.0" encoding="utf-8"?>
+<file path=ppt/slides/slide2.xml><?xml version="1.0" encoding="utf-8"?>
 <p:sld xmlns:a="http://schemas.openxmlformats.org/drawingml/2006/main" xmlns:r="http://schemas.openxmlformats.org/officeDocument/2006/relationships" xmlns:p="http://schemas.openxmlformats.org/presentationml/2006/main">
   <p:cSld>
     <p:spTree>
@@ -3926,7 +3895,7 @@
 </p:sld>
 </file>
 
-<file path=ppt/slides/slide4.xml><?xml version="1.0" encoding="utf-8"?>
+<file path=ppt/slides/slide3.xml><?xml version="1.0" encoding="utf-8"?>
 <p:sld xmlns:a="http://schemas.openxmlformats.org/drawingml/2006/main" xmlns:r="http://schemas.openxmlformats.org/officeDocument/2006/relationships" xmlns:p="http://schemas.openxmlformats.org/presentationml/2006/main">
   <p:cSld>
     <p:spTree>

--- a/wspsref_newsletter.pptx
+++ b/wspsref_newsletter.pptx
@@ -3342,8 +3342,8 @@
         </p:nvSpPr>
         <p:spPr>
           <a:xfrm>
-            <a:off x="735227" y="154461"/>
-            <a:ext cx="8879252" cy="2977978"/>
+            <a:off x="733279" y="154461"/>
+            <a:ext cx="8879252" cy="2160000"/>
           </a:xfrm>
           <a:prstGeom prst="rect">
             <a:avLst/>
@@ -3394,7 +3394,7 @@
         </p:nvSpPr>
         <p:spPr>
           <a:xfrm>
-            <a:off x="815545" y="123339"/>
+            <a:off x="813598" y="123339"/>
             <a:ext cx="8879251" cy="523220"/>
           </a:xfrm>
           <a:prstGeom prst="rect">
@@ -3505,8 +3505,8 @@
         </p:nvSpPr>
         <p:spPr>
           <a:xfrm>
-            <a:off x="735227" y="3127390"/>
-            <a:ext cx="8881200" cy="2977200"/>
+            <a:off x="733279" y="2314461"/>
+            <a:ext cx="8881200" cy="2160000"/>
           </a:xfrm>
           <a:prstGeom prst="rect">
             <a:avLst/>
@@ -3557,7 +3557,7 @@
         </p:nvSpPr>
         <p:spPr>
           <a:xfrm>
-            <a:off x="815546" y="3096268"/>
+            <a:off x="813598" y="2283339"/>
             <a:ext cx="8457740" cy="523220"/>
           </a:xfrm>
           <a:prstGeom prst="rect">
@@ -3603,7 +3603,7 @@
         </p:nvSpPr>
         <p:spPr>
           <a:xfrm>
-            <a:off x="1048629" y="3619488"/>
+            <a:off x="1026300" y="2806559"/>
             <a:ext cx="8457740" cy="1231106"/>
           </a:xfrm>
           <a:prstGeom prst="rect">

--- a/wspsref_newsletter.pptx
+++ b/wspsref_newsletter.pptx
@@ -6,8 +6,9 @@
   </p:sldMasterIdLst>
   <p:sldIdLst>
     <p:sldId id="256" r:id="rId2"/>
-    <p:sldId id="258" r:id="rId3"/>
-    <p:sldId id="259" r:id="rId4"/>
+    <p:sldId id="260" r:id="rId3"/>
+    <p:sldId id="258" r:id="rId4"/>
+    <p:sldId id="259" r:id="rId5"/>
   </p:sldIdLst>
   <p:sldSz cx="12192000" cy="6858000"/>
   <p:notesSz cx="6858000" cy="9144000"/>
@@ -3700,6 +3701,104 @@
           </a:p>
         </p:txBody>
       </p:sp>
+      <p:sp>
+        <p:nvSpPr>
+          <p:cNvPr id="12" name="矩形 11">
+            <a:extLst>
+              <a:ext uri="{FF2B5EF4-FFF2-40B4-BE49-F238E27FC236}">
+                <a16:creationId xmlns:a16="http://schemas.microsoft.com/office/drawing/2014/main" id="{A585D6EB-1921-42F1-90C8-9E818DD11706}"/>
+              </a:ext>
+            </a:extLst>
+          </p:cNvPr>
+          <p:cNvSpPr/>
+          <p:nvPr/>
+        </p:nvSpPr>
+        <p:spPr>
+          <a:xfrm>
+            <a:off x="733279" y="4626861"/>
+            <a:ext cx="8881200" cy="571352"/>
+          </a:xfrm>
+          <a:prstGeom prst="rect">
+            <a:avLst/>
+          </a:prstGeom>
+          <a:solidFill>
+            <a:srgbClr val="964893"/>
+          </a:solidFill>
+          <a:ln>
+            <a:noFill/>
+          </a:ln>
+        </p:spPr>
+        <p:style>
+          <a:lnRef idx="2">
+            <a:schemeClr val="accent1">
+              <a:shade val="50000"/>
+            </a:schemeClr>
+          </a:lnRef>
+          <a:fillRef idx="1">
+            <a:schemeClr val="accent1"/>
+          </a:fillRef>
+          <a:effectRef idx="0">
+            <a:schemeClr val="accent1"/>
+          </a:effectRef>
+          <a:fontRef idx="minor">
+            <a:schemeClr val="lt1"/>
+          </a:fontRef>
+        </p:style>
+        <p:txBody>
+          <a:bodyPr rtlCol="0" anchor="ctr"/>
+          <a:lstStyle/>
+          <a:p>
+            <a:pPr algn="ctr"/>
+            <a:endParaRPr lang="zh-CN" altLang="en-US" dirty="0"/>
+          </a:p>
+        </p:txBody>
+      </p:sp>
+      <p:sp>
+        <p:nvSpPr>
+          <p:cNvPr id="13" name="文本框 12">
+            <a:extLst>
+              <a:ext uri="{FF2B5EF4-FFF2-40B4-BE49-F238E27FC236}">
+                <a16:creationId xmlns:a16="http://schemas.microsoft.com/office/drawing/2014/main" id="{371C998E-1841-4078-8E4E-DAB8FAB6D951}"/>
+              </a:ext>
+            </a:extLst>
+          </p:cNvPr>
+          <p:cNvSpPr txBox="1"/>
+          <p:nvPr/>
+        </p:nvSpPr>
+        <p:spPr>
+          <a:xfrm>
+            <a:off x="1026300" y="4774037"/>
+            <a:ext cx="8457740" cy="276999"/>
+          </a:xfrm>
+          <a:prstGeom prst="rect">
+            <a:avLst/>
+          </a:prstGeom>
+          <a:noFill/>
+        </p:spPr>
+        <p:txBody>
+          <a:bodyPr wrap="square" rtlCol="0">
+            <a:spAutoFit/>
+          </a:bodyPr>
+          <a:lstStyle/>
+          <a:p>
+            <a:r>
+              <a:rPr lang="en-US" altLang="zh-CN" sz="1200" dirty="0">
+                <a:solidFill>
+                  <a:schemeClr val="bg1"/>
+                </a:solidFill>
+                <a:latin typeface="Gotham Bold" pitchFamily="50" charset="0"/>
+              </a:rPr>
+              <a:t>PSREF Website</a:t>
+            </a:r>
+            <a:endParaRPr lang="zh-CN" altLang="en-US" sz="1200" dirty="0">
+              <a:solidFill>
+                <a:schemeClr val="bg1"/>
+              </a:solidFill>
+              <a:latin typeface="Gotham Bold" pitchFamily="50" charset="0"/>
+            </a:endParaRPr>
+          </a:p>
+        </p:txBody>
+      </p:sp>
     </p:spTree>
     <p:extLst>
       <p:ext uri="{BB962C8B-B14F-4D97-AF65-F5344CB8AC3E}">
@@ -3714,6 +3813,449 @@
 </file>
 
 <file path=ppt/slides/slide2.xml><?xml version="1.0" encoding="utf-8"?>
+<p:sld xmlns:a="http://schemas.openxmlformats.org/drawingml/2006/main" xmlns:r="http://schemas.openxmlformats.org/officeDocument/2006/relationships" xmlns:p="http://schemas.openxmlformats.org/presentationml/2006/main">
+  <p:cSld>
+    <p:spTree>
+      <p:nvGrpSpPr>
+        <p:cNvPr id="1" name=""/>
+        <p:cNvGrpSpPr/>
+        <p:nvPr/>
+      </p:nvGrpSpPr>
+      <p:grpSpPr>
+        <a:xfrm>
+          <a:off x="0" y="0"/>
+          <a:ext cx="0" cy="0"/>
+          <a:chOff x="0" y="0"/>
+          <a:chExt cx="0" cy="0"/>
+        </a:xfrm>
+      </p:grpSpPr>
+      <p:grpSp>
+        <p:nvGrpSpPr>
+          <p:cNvPr id="17" name="组合 16">
+            <a:extLst>
+              <a:ext uri="{FF2B5EF4-FFF2-40B4-BE49-F238E27FC236}">
+                <a16:creationId xmlns:a16="http://schemas.microsoft.com/office/drawing/2014/main" id="{90426853-6D80-41D8-9FE8-6F0C538C49B7}"/>
+              </a:ext>
+            </a:extLst>
+          </p:cNvPr>
+          <p:cNvGrpSpPr/>
+          <p:nvPr/>
+        </p:nvGrpSpPr>
+        <p:grpSpPr>
+          <a:xfrm>
+            <a:off x="531943" y="705233"/>
+            <a:ext cx="8881200" cy="571352"/>
+            <a:chOff x="531943" y="705233"/>
+            <a:chExt cx="8881200" cy="571352"/>
+          </a:xfrm>
+        </p:grpSpPr>
+        <p:sp>
+          <p:nvSpPr>
+            <p:cNvPr id="9" name="矩形 8">
+              <a:extLst>
+                <a:ext uri="{FF2B5EF4-FFF2-40B4-BE49-F238E27FC236}">
+                  <a16:creationId xmlns:a16="http://schemas.microsoft.com/office/drawing/2014/main" id="{251D44A6-00D3-4E6D-8225-F1D81F212BD6}"/>
+                </a:ext>
+              </a:extLst>
+            </p:cNvPr>
+            <p:cNvSpPr/>
+            <p:nvPr/>
+          </p:nvSpPr>
+          <p:spPr>
+            <a:xfrm>
+              <a:off x="531943" y="705233"/>
+              <a:ext cx="8881200" cy="571352"/>
+            </a:xfrm>
+            <a:prstGeom prst="rect">
+              <a:avLst/>
+            </a:prstGeom>
+            <a:solidFill>
+              <a:srgbClr val="964893"/>
+            </a:solidFill>
+            <a:ln>
+              <a:noFill/>
+            </a:ln>
+          </p:spPr>
+          <p:style>
+            <a:lnRef idx="2">
+              <a:schemeClr val="accent1">
+                <a:shade val="50000"/>
+              </a:schemeClr>
+            </a:lnRef>
+            <a:fillRef idx="1">
+              <a:schemeClr val="accent1"/>
+            </a:fillRef>
+            <a:effectRef idx="0">
+              <a:schemeClr val="accent1"/>
+            </a:effectRef>
+            <a:fontRef idx="minor">
+              <a:schemeClr val="lt1"/>
+            </a:fontRef>
+          </p:style>
+          <p:txBody>
+            <a:bodyPr rtlCol="0" anchor="ctr"/>
+            <a:lstStyle/>
+            <a:p>
+              <a:pPr algn="ctr"/>
+              <a:endParaRPr lang="zh-CN" altLang="en-US" dirty="0"/>
+            </a:p>
+          </p:txBody>
+        </p:sp>
+        <p:sp>
+          <p:nvSpPr>
+            <p:cNvPr id="10" name="文本框 9">
+              <a:extLst>
+                <a:ext uri="{FF2B5EF4-FFF2-40B4-BE49-F238E27FC236}">
+                  <a16:creationId xmlns:a16="http://schemas.microsoft.com/office/drawing/2014/main" id="{E8129F27-0C05-4C05-AF19-B16C5BF6AA6F}"/>
+                </a:ext>
+              </a:extLst>
+            </p:cNvPr>
+            <p:cNvSpPr txBox="1"/>
+            <p:nvPr/>
+          </p:nvSpPr>
+          <p:spPr>
+            <a:xfrm>
+              <a:off x="612262" y="833790"/>
+              <a:ext cx="8457740" cy="338554"/>
+            </a:xfrm>
+            <a:prstGeom prst="rect">
+              <a:avLst/>
+            </a:prstGeom>
+            <a:noFill/>
+          </p:spPr>
+          <p:txBody>
+            <a:bodyPr wrap="square" rtlCol="0">
+              <a:spAutoFit/>
+            </a:bodyPr>
+            <a:lstStyle/>
+            <a:p>
+              <a:r>
+                <a:rPr lang="en-US" altLang="zh-CN" sz="1600" dirty="0">
+                  <a:solidFill>
+                    <a:schemeClr val="bg1"/>
+                  </a:solidFill>
+                  <a:latin typeface="Gotham Bold" pitchFamily="50" charset="0"/>
+                </a:rPr>
+                <a:t>Quick Links</a:t>
+              </a:r>
+              <a:endParaRPr lang="zh-CN" altLang="en-US" sz="1600" dirty="0">
+                <a:solidFill>
+                  <a:schemeClr val="bg1"/>
+                </a:solidFill>
+                <a:latin typeface="Gotham Bold" pitchFamily="50" charset="0"/>
+              </a:endParaRPr>
+            </a:p>
+          </p:txBody>
+        </p:sp>
+      </p:grpSp>
+      <p:sp>
+        <p:nvSpPr>
+          <p:cNvPr id="19" name="矩形 18">
+            <a:extLst>
+              <a:ext uri="{FF2B5EF4-FFF2-40B4-BE49-F238E27FC236}">
+                <a16:creationId xmlns:a16="http://schemas.microsoft.com/office/drawing/2014/main" id="{9FD50ED2-7316-44A0-B806-CDED53FFBFFA}"/>
+              </a:ext>
+            </a:extLst>
+          </p:cNvPr>
+          <p:cNvSpPr/>
+          <p:nvPr/>
+        </p:nvSpPr>
+        <p:spPr>
+          <a:xfrm>
+            <a:off x="531943" y="1730682"/>
+            <a:ext cx="8881200" cy="360000"/>
+          </a:xfrm>
+          <a:prstGeom prst="rect">
+            <a:avLst/>
+          </a:prstGeom>
+          <a:solidFill>
+            <a:srgbClr val="964893"/>
+          </a:solidFill>
+          <a:ln>
+            <a:noFill/>
+          </a:ln>
+        </p:spPr>
+        <p:style>
+          <a:lnRef idx="2">
+            <a:schemeClr val="accent1">
+              <a:shade val="50000"/>
+            </a:schemeClr>
+          </a:lnRef>
+          <a:fillRef idx="1">
+            <a:schemeClr val="accent1"/>
+          </a:fillRef>
+          <a:effectRef idx="0">
+            <a:schemeClr val="accent1"/>
+          </a:effectRef>
+          <a:fontRef idx="minor">
+            <a:schemeClr val="lt1"/>
+          </a:fontRef>
+        </p:style>
+        <p:txBody>
+          <a:bodyPr rtlCol="0" anchor="ctr"/>
+          <a:lstStyle/>
+          <a:p>
+            <a:pPr algn="ctr"/>
+            <a:endParaRPr lang="zh-CN" altLang="en-US" dirty="0"/>
+          </a:p>
+        </p:txBody>
+      </p:sp>
+      <p:sp>
+        <p:nvSpPr>
+          <p:cNvPr id="20" name="文本框 19">
+            <a:extLst>
+              <a:ext uri="{FF2B5EF4-FFF2-40B4-BE49-F238E27FC236}">
+                <a16:creationId xmlns:a16="http://schemas.microsoft.com/office/drawing/2014/main" id="{5EDA507E-F191-40E7-9F89-551D7210F105}"/>
+              </a:ext>
+            </a:extLst>
+          </p:cNvPr>
+          <p:cNvSpPr txBox="1"/>
+          <p:nvPr/>
+        </p:nvSpPr>
+        <p:spPr>
+          <a:xfrm>
+            <a:off x="824964" y="1786541"/>
+            <a:ext cx="8457740" cy="276999"/>
+          </a:xfrm>
+          <a:prstGeom prst="rect">
+            <a:avLst/>
+          </a:prstGeom>
+          <a:noFill/>
+        </p:spPr>
+        <p:txBody>
+          <a:bodyPr wrap="square" rtlCol="0">
+            <a:spAutoFit/>
+          </a:bodyPr>
+          <a:lstStyle/>
+          <a:p>
+            <a:r>
+              <a:rPr lang="en-US" altLang="zh-CN" sz="1200" dirty="0">
+                <a:solidFill>
+                  <a:schemeClr val="bg1"/>
+                </a:solidFill>
+                <a:latin typeface="Gotham Bold" pitchFamily="50" charset="0"/>
+              </a:rPr>
+              <a:t>ThinkStation specification collection (PDF)</a:t>
+            </a:r>
+            <a:endParaRPr lang="zh-CN" altLang="en-US" sz="1200" dirty="0">
+              <a:solidFill>
+                <a:schemeClr val="bg1"/>
+              </a:solidFill>
+              <a:latin typeface="Gotham Bold" pitchFamily="50" charset="0"/>
+            </a:endParaRPr>
+          </a:p>
+        </p:txBody>
+      </p:sp>
+      <p:sp>
+        <p:nvSpPr>
+          <p:cNvPr id="22" name="矩形 21">
+            <a:extLst>
+              <a:ext uri="{FF2B5EF4-FFF2-40B4-BE49-F238E27FC236}">
+                <a16:creationId xmlns:a16="http://schemas.microsoft.com/office/drawing/2014/main" id="{DF97E122-E74D-47C5-8724-92D0B08E5851}"/>
+              </a:ext>
+            </a:extLst>
+          </p:cNvPr>
+          <p:cNvSpPr/>
+          <p:nvPr/>
+        </p:nvSpPr>
+        <p:spPr>
+          <a:xfrm>
+            <a:off x="531943" y="3143102"/>
+            <a:ext cx="8881200" cy="360000"/>
+          </a:xfrm>
+          <a:prstGeom prst="rect">
+            <a:avLst/>
+          </a:prstGeom>
+          <a:solidFill>
+            <a:srgbClr val="964893"/>
+          </a:solidFill>
+          <a:ln>
+            <a:noFill/>
+          </a:ln>
+        </p:spPr>
+        <p:style>
+          <a:lnRef idx="2">
+            <a:schemeClr val="accent1">
+              <a:shade val="50000"/>
+            </a:schemeClr>
+          </a:lnRef>
+          <a:fillRef idx="1">
+            <a:schemeClr val="accent1"/>
+          </a:fillRef>
+          <a:effectRef idx="0">
+            <a:schemeClr val="accent1"/>
+          </a:effectRef>
+          <a:fontRef idx="minor">
+            <a:schemeClr val="lt1"/>
+          </a:fontRef>
+        </p:style>
+        <p:txBody>
+          <a:bodyPr rtlCol="0" anchor="ctr"/>
+          <a:lstStyle/>
+          <a:p>
+            <a:pPr algn="ctr"/>
+            <a:endParaRPr lang="zh-CN" altLang="en-US" dirty="0"/>
+          </a:p>
+        </p:txBody>
+      </p:sp>
+      <p:sp>
+        <p:nvSpPr>
+          <p:cNvPr id="23" name="文本框 22">
+            <a:extLst>
+              <a:ext uri="{FF2B5EF4-FFF2-40B4-BE49-F238E27FC236}">
+                <a16:creationId xmlns:a16="http://schemas.microsoft.com/office/drawing/2014/main" id="{95BF3DD9-389E-4207-B005-F87BBB8DC1B7}"/>
+              </a:ext>
+            </a:extLst>
+          </p:cNvPr>
+          <p:cNvSpPr txBox="1"/>
+          <p:nvPr/>
+        </p:nvSpPr>
+        <p:spPr>
+          <a:xfrm>
+            <a:off x="824964" y="3184602"/>
+            <a:ext cx="8457740" cy="276999"/>
+          </a:xfrm>
+          <a:prstGeom prst="rect">
+            <a:avLst/>
+          </a:prstGeom>
+          <a:noFill/>
+        </p:spPr>
+        <p:txBody>
+          <a:bodyPr wrap="square" rtlCol="0">
+            <a:spAutoFit/>
+          </a:bodyPr>
+          <a:lstStyle/>
+          <a:p>
+            <a:r>
+              <a:rPr lang="en-US" altLang="zh-CN" sz="1200" dirty="0">
+                <a:solidFill>
+                  <a:schemeClr val="bg1"/>
+                </a:solidFill>
+                <a:latin typeface="Gotham Bold" pitchFamily="50" charset="0"/>
+              </a:rPr>
+              <a:t>ThinkPad specification collection (PDF)</a:t>
+            </a:r>
+            <a:endParaRPr lang="zh-CN" altLang="en-US" sz="1200" dirty="0">
+              <a:solidFill>
+                <a:schemeClr val="bg1"/>
+              </a:solidFill>
+              <a:latin typeface="Gotham Bold" pitchFamily="50" charset="0"/>
+            </a:endParaRPr>
+          </a:p>
+        </p:txBody>
+      </p:sp>
+      <p:sp>
+        <p:nvSpPr>
+          <p:cNvPr id="27" name="矩形 26">
+            <a:extLst>
+              <a:ext uri="{FF2B5EF4-FFF2-40B4-BE49-F238E27FC236}">
+                <a16:creationId xmlns:a16="http://schemas.microsoft.com/office/drawing/2014/main" id="{5904F156-F9A5-48C0-B8E4-A2D927134D6F}"/>
+              </a:ext>
+            </a:extLst>
+          </p:cNvPr>
+          <p:cNvSpPr/>
+          <p:nvPr/>
+        </p:nvSpPr>
+        <p:spPr>
+          <a:xfrm>
+            <a:off x="531943" y="3991702"/>
+            <a:ext cx="8881200" cy="360000"/>
+          </a:xfrm>
+          <a:prstGeom prst="rect">
+            <a:avLst/>
+          </a:prstGeom>
+          <a:solidFill>
+            <a:srgbClr val="964893"/>
+          </a:solidFill>
+          <a:ln>
+            <a:noFill/>
+          </a:ln>
+        </p:spPr>
+        <p:style>
+          <a:lnRef idx="2">
+            <a:schemeClr val="accent1">
+              <a:shade val="50000"/>
+            </a:schemeClr>
+          </a:lnRef>
+          <a:fillRef idx="1">
+            <a:schemeClr val="accent1"/>
+          </a:fillRef>
+          <a:effectRef idx="0">
+            <a:schemeClr val="accent1"/>
+          </a:effectRef>
+          <a:fontRef idx="minor">
+            <a:schemeClr val="lt1"/>
+          </a:fontRef>
+        </p:style>
+        <p:txBody>
+          <a:bodyPr rtlCol="0" anchor="ctr"/>
+          <a:lstStyle/>
+          <a:p>
+            <a:pPr algn="ctr"/>
+            <a:endParaRPr lang="zh-CN" altLang="en-US" dirty="0"/>
+          </a:p>
+        </p:txBody>
+      </p:sp>
+      <p:sp>
+        <p:nvSpPr>
+          <p:cNvPr id="28" name="文本框 27">
+            <a:extLst>
+              <a:ext uri="{FF2B5EF4-FFF2-40B4-BE49-F238E27FC236}">
+                <a16:creationId xmlns:a16="http://schemas.microsoft.com/office/drawing/2014/main" id="{4F4D50ED-811D-4A32-BA62-C38570BD115D}"/>
+              </a:ext>
+            </a:extLst>
+          </p:cNvPr>
+          <p:cNvSpPr txBox="1"/>
+          <p:nvPr/>
+        </p:nvSpPr>
+        <p:spPr>
+          <a:xfrm>
+            <a:off x="824964" y="4033202"/>
+            <a:ext cx="8457740" cy="276999"/>
+          </a:xfrm>
+          <a:prstGeom prst="rect">
+            <a:avLst/>
+          </a:prstGeom>
+          <a:noFill/>
+        </p:spPr>
+        <p:txBody>
+          <a:bodyPr wrap="square" rtlCol="0">
+            <a:spAutoFit/>
+          </a:bodyPr>
+          <a:lstStyle/>
+          <a:p>
+            <a:r>
+              <a:rPr lang="en-US" altLang="zh-CN" sz="1200" dirty="0">
+                <a:solidFill>
+                  <a:schemeClr val="bg1"/>
+                </a:solidFill>
+                <a:latin typeface="Gotham Bold" pitchFamily="50" charset="0"/>
+              </a:rPr>
+              <a:t>PSREF Website</a:t>
+            </a:r>
+            <a:endParaRPr lang="zh-CN" altLang="en-US" sz="1200" dirty="0">
+              <a:solidFill>
+                <a:schemeClr val="bg1"/>
+              </a:solidFill>
+              <a:latin typeface="Gotham Bold" pitchFamily="50" charset="0"/>
+            </a:endParaRPr>
+          </a:p>
+        </p:txBody>
+      </p:sp>
+    </p:spTree>
+    <p:extLst>
+      <p:ext uri="{BB962C8B-B14F-4D97-AF65-F5344CB8AC3E}">
+        <p14:creationId xmlns:p14="http://schemas.microsoft.com/office/powerpoint/2010/main" val="1035087451"/>
+      </p:ext>
+    </p:extLst>
+  </p:cSld>
+  <p:clrMapOvr>
+    <a:masterClrMapping/>
+  </p:clrMapOvr>
+</p:sld>
+</file>
+
+<file path=ppt/slides/slide3.xml><?xml version="1.0" encoding="utf-8"?>
 <p:sld xmlns:a="http://schemas.openxmlformats.org/drawingml/2006/main" xmlns:r="http://schemas.openxmlformats.org/officeDocument/2006/relationships" xmlns:p="http://schemas.openxmlformats.org/presentationml/2006/main">
   <p:cSld>
     <p:spTree>
@@ -3895,7 +4437,7 @@
 </p:sld>
 </file>
 
-<file path=ppt/slides/slide3.xml><?xml version="1.0" encoding="utf-8"?>
+<file path=ppt/slides/slide4.xml><?xml version="1.0" encoding="utf-8"?>
 <p:sld xmlns:a="http://schemas.openxmlformats.org/drawingml/2006/main" xmlns:r="http://schemas.openxmlformats.org/officeDocument/2006/relationships" xmlns:p="http://schemas.openxmlformats.org/presentationml/2006/main">
   <p:cSld>
     <p:spTree>

--- a/wspsref_newsletter.pptx
+++ b/wspsref_newsletter.pptx
@@ -7,8 +7,9 @@
   <p:sldIdLst>
     <p:sldId id="256" r:id="rId2"/>
     <p:sldId id="260" r:id="rId3"/>
-    <p:sldId id="258" r:id="rId4"/>
-    <p:sldId id="259" r:id="rId5"/>
+    <p:sldId id="261" r:id="rId4"/>
+    <p:sldId id="258" r:id="rId5"/>
+    <p:sldId id="259" r:id="rId6"/>
   </p:sldIdLst>
   <p:sldSz cx="12192000" cy="6858000"/>
   <p:notesSz cx="6858000" cy="9144000"/>
@@ -3703,58 +3704,6 @@
       </p:sp>
       <p:sp>
         <p:nvSpPr>
-          <p:cNvPr id="12" name="矩形 11">
-            <a:extLst>
-              <a:ext uri="{FF2B5EF4-FFF2-40B4-BE49-F238E27FC236}">
-                <a16:creationId xmlns:a16="http://schemas.microsoft.com/office/drawing/2014/main" id="{A585D6EB-1921-42F1-90C8-9E818DD11706}"/>
-              </a:ext>
-            </a:extLst>
-          </p:cNvPr>
-          <p:cNvSpPr/>
-          <p:nvPr/>
-        </p:nvSpPr>
-        <p:spPr>
-          <a:xfrm>
-            <a:off x="733279" y="4626861"/>
-            <a:ext cx="8881200" cy="571352"/>
-          </a:xfrm>
-          <a:prstGeom prst="rect">
-            <a:avLst/>
-          </a:prstGeom>
-          <a:solidFill>
-            <a:srgbClr val="964893"/>
-          </a:solidFill>
-          <a:ln>
-            <a:noFill/>
-          </a:ln>
-        </p:spPr>
-        <p:style>
-          <a:lnRef idx="2">
-            <a:schemeClr val="accent1">
-              <a:shade val="50000"/>
-            </a:schemeClr>
-          </a:lnRef>
-          <a:fillRef idx="1">
-            <a:schemeClr val="accent1"/>
-          </a:fillRef>
-          <a:effectRef idx="0">
-            <a:schemeClr val="accent1"/>
-          </a:effectRef>
-          <a:fontRef idx="minor">
-            <a:schemeClr val="lt1"/>
-          </a:fontRef>
-        </p:style>
-        <p:txBody>
-          <a:bodyPr rtlCol="0" anchor="ctr"/>
-          <a:lstStyle/>
-          <a:p>
-            <a:pPr algn="ctr"/>
-            <a:endParaRPr lang="zh-CN" altLang="en-US" dirty="0"/>
-          </a:p>
-        </p:txBody>
-      </p:sp>
-      <p:sp>
-        <p:nvSpPr>
           <p:cNvPr id="13" name="文本框 12">
             <a:extLst>
               <a:ext uri="{FF2B5EF4-FFF2-40B4-BE49-F238E27FC236}">
@@ -3848,6 +3797,9 @@
             <a:chOff x="531943" y="705233"/>
             <a:chExt cx="8881200" cy="571352"/>
           </a:xfrm>
+          <a:solidFill>
+            <a:srgbClr val="964893"/>
+          </a:solidFill>
         </p:grpSpPr>
         <p:sp>
           <p:nvSpPr>
@@ -3869,9 +3821,7 @@
             <a:prstGeom prst="rect">
               <a:avLst/>
             </a:prstGeom>
-            <a:solidFill>
-              <a:srgbClr val="964893"/>
-            </a:solidFill>
+            <a:grpFill/>
             <a:ln>
               <a:noFill/>
             </a:ln>
@@ -3921,7 +3871,7 @@
             <a:prstGeom prst="rect">
               <a:avLst/>
             </a:prstGeom>
-            <a:noFill/>
+            <a:grpFill/>
           </p:spPr>
           <p:txBody>
             <a:bodyPr wrap="square" rtlCol="0">
@@ -4277,6 +4227,297 @@
           <p:cNvPr id="4" name="矩形 3">
             <a:extLst>
               <a:ext uri="{FF2B5EF4-FFF2-40B4-BE49-F238E27FC236}">
+                <a16:creationId xmlns:a16="http://schemas.microsoft.com/office/drawing/2014/main" id="{104D923F-6FE4-46B3-BB4D-311AE417D901}"/>
+              </a:ext>
+            </a:extLst>
+          </p:cNvPr>
+          <p:cNvSpPr/>
+          <p:nvPr/>
+        </p:nvSpPr>
+        <p:spPr>
+          <a:xfrm>
+            <a:off x="1694575" y="686996"/>
+            <a:ext cx="7869569" cy="2358208"/>
+          </a:xfrm>
+          <a:prstGeom prst="rect">
+            <a:avLst/>
+          </a:prstGeom>
+          <a:solidFill>
+            <a:srgbClr val="3A3756"/>
+          </a:solidFill>
+          <a:ln>
+            <a:noFill/>
+          </a:ln>
+        </p:spPr>
+        <p:style>
+          <a:lnRef idx="2">
+            <a:schemeClr val="accent1">
+              <a:shade val="50000"/>
+            </a:schemeClr>
+          </a:lnRef>
+          <a:fillRef idx="1">
+            <a:schemeClr val="accent1"/>
+          </a:fillRef>
+          <a:effectRef idx="0">
+            <a:schemeClr val="accent1"/>
+          </a:effectRef>
+          <a:fontRef idx="minor">
+            <a:schemeClr val="lt1"/>
+          </a:fontRef>
+        </p:style>
+        <p:txBody>
+          <a:bodyPr rtlCol="0" anchor="ctr"/>
+          <a:lstStyle/>
+          <a:p>
+            <a:endParaRPr lang="zh-CN" altLang="en-US" sz="1800" dirty="0">
+              <a:solidFill>
+                <a:schemeClr val="bg1"/>
+              </a:solidFill>
+              <a:latin typeface="Gotham Bold" pitchFamily="50" charset="0"/>
+            </a:endParaRPr>
+          </a:p>
+        </p:txBody>
+      </p:sp>
+      <p:pic>
+        <p:nvPicPr>
+          <p:cNvPr id="6" name="图片 5" descr="QR 代码&#10;&#10;描述已自动生成">
+            <a:extLst>
+              <a:ext uri="{FF2B5EF4-FFF2-40B4-BE49-F238E27FC236}">
+                <a16:creationId xmlns:a16="http://schemas.microsoft.com/office/drawing/2014/main" id="{10104C7D-5895-46E5-969E-E7FEAC2F5385}"/>
+              </a:ext>
+            </a:extLst>
+          </p:cNvPr>
+          <p:cNvPicPr>
+            <a:picLocks noChangeAspect="1"/>
+          </p:cNvPicPr>
+          <p:nvPr/>
+        </p:nvPicPr>
+        <p:blipFill>
+          <a:blip r:embed="rId2">
+            <a:extLst>
+              <a:ext uri="{28A0092B-C50C-407E-A947-70E740481C1C}">
+                <a14:useLocalDpi xmlns:a14="http://schemas.microsoft.com/office/drawing/2010/main" val="0"/>
+              </a:ext>
+            </a:extLst>
+          </a:blip>
+          <a:stretch>
+            <a:fillRect/>
+          </a:stretch>
+        </p:blipFill>
+        <p:spPr>
+          <a:xfrm>
+            <a:off x="3822057" y="881732"/>
+            <a:ext cx="1152786" cy="1152786"/>
+          </a:xfrm>
+          <a:prstGeom prst="rect">
+            <a:avLst/>
+          </a:prstGeom>
+        </p:spPr>
+      </p:pic>
+      <p:pic>
+        <p:nvPicPr>
+          <p:cNvPr id="10" name="图片 9" descr="QR 代码&#10;&#10;描述已自动生成">
+            <a:extLst>
+              <a:ext uri="{FF2B5EF4-FFF2-40B4-BE49-F238E27FC236}">
+                <a16:creationId xmlns:a16="http://schemas.microsoft.com/office/drawing/2014/main" id="{0DE5E676-947A-445E-8A83-A6A064B21E4F}"/>
+              </a:ext>
+            </a:extLst>
+          </p:cNvPr>
+          <p:cNvPicPr>
+            <a:picLocks noChangeAspect="1"/>
+          </p:cNvPicPr>
+          <p:nvPr/>
+        </p:nvPicPr>
+        <p:blipFill>
+          <a:blip r:embed="rId3">
+            <a:extLst>
+              <a:ext uri="{28A0092B-C50C-407E-A947-70E740481C1C}">
+                <a14:useLocalDpi xmlns:a14="http://schemas.microsoft.com/office/drawing/2010/main" val="0"/>
+              </a:ext>
+            </a:extLst>
+          </a:blip>
+          <a:stretch>
+            <a:fillRect/>
+          </a:stretch>
+        </p:blipFill>
+        <p:spPr>
+          <a:xfrm>
+            <a:off x="6362960" y="881732"/>
+            <a:ext cx="1152787" cy="1152787"/>
+          </a:xfrm>
+          <a:prstGeom prst="rect">
+            <a:avLst/>
+          </a:prstGeom>
+        </p:spPr>
+      </p:pic>
+      <p:sp>
+        <p:nvSpPr>
+          <p:cNvPr id="14" name="文本框 13">
+            <a:extLst>
+              <a:ext uri="{FF2B5EF4-FFF2-40B4-BE49-F238E27FC236}">
+                <a16:creationId xmlns:a16="http://schemas.microsoft.com/office/drawing/2014/main" id="{AE7A7D40-41EC-465D-9ECD-F375E559E78F}"/>
+              </a:ext>
+            </a:extLst>
+          </p:cNvPr>
+          <p:cNvSpPr txBox="1"/>
+          <p:nvPr/>
+        </p:nvSpPr>
+        <p:spPr>
+          <a:xfrm>
+            <a:off x="4162201" y="2085776"/>
+            <a:ext cx="472498" cy="276999"/>
+          </a:xfrm>
+          <a:prstGeom prst="rect">
+            <a:avLst/>
+          </a:prstGeom>
+          <a:noFill/>
+        </p:spPr>
+        <p:txBody>
+          <a:bodyPr wrap="square" rtlCol="0">
+            <a:spAutoFit/>
+          </a:bodyPr>
+          <a:lstStyle/>
+          <a:p>
+            <a:r>
+              <a:rPr lang="en-US" altLang="zh-CN" sz="1200" dirty="0">
+                <a:solidFill>
+                  <a:schemeClr val="bg1"/>
+                </a:solidFill>
+                <a:latin typeface="Gotham Bold" pitchFamily="50" charset="0"/>
+              </a:rPr>
+              <a:t>iOS</a:t>
+            </a:r>
+            <a:endParaRPr lang="zh-CN" altLang="en-US" sz="1200" dirty="0">
+              <a:solidFill>
+                <a:schemeClr val="bg1"/>
+              </a:solidFill>
+              <a:latin typeface="Gotham Bold" pitchFamily="50" charset="0"/>
+            </a:endParaRPr>
+          </a:p>
+        </p:txBody>
+      </p:sp>
+      <p:sp>
+        <p:nvSpPr>
+          <p:cNvPr id="15" name="文本框 14">
+            <a:extLst>
+              <a:ext uri="{FF2B5EF4-FFF2-40B4-BE49-F238E27FC236}">
+                <a16:creationId xmlns:a16="http://schemas.microsoft.com/office/drawing/2014/main" id="{EA5C8D58-C52D-4616-B05F-C5C882647D34}"/>
+              </a:ext>
+            </a:extLst>
+          </p:cNvPr>
+          <p:cNvSpPr txBox="1"/>
+          <p:nvPr/>
+        </p:nvSpPr>
+        <p:spPr>
+          <a:xfrm>
+            <a:off x="6528245" y="2085777"/>
+            <a:ext cx="822217" cy="276999"/>
+          </a:xfrm>
+          <a:prstGeom prst="rect">
+            <a:avLst/>
+          </a:prstGeom>
+          <a:noFill/>
+        </p:spPr>
+        <p:txBody>
+          <a:bodyPr wrap="square" rtlCol="0">
+            <a:spAutoFit/>
+          </a:bodyPr>
+          <a:lstStyle/>
+          <a:p>
+            <a:r>
+              <a:rPr lang="en-US" altLang="zh-CN" sz="1200" dirty="0">
+                <a:solidFill>
+                  <a:schemeClr val="bg1"/>
+                </a:solidFill>
+                <a:latin typeface="Gotham Bold" pitchFamily="50" charset="0"/>
+              </a:rPr>
+              <a:t>Android</a:t>
+            </a:r>
+            <a:endParaRPr lang="zh-CN" altLang="en-US" sz="1200" dirty="0">
+              <a:solidFill>
+                <a:schemeClr val="bg1"/>
+              </a:solidFill>
+              <a:latin typeface="Gotham Bold" pitchFamily="50" charset="0"/>
+            </a:endParaRPr>
+          </a:p>
+        </p:txBody>
+      </p:sp>
+      <p:sp>
+        <p:nvSpPr>
+          <p:cNvPr id="18" name="文本框 17">
+            <a:extLst>
+              <a:ext uri="{FF2B5EF4-FFF2-40B4-BE49-F238E27FC236}">
+                <a16:creationId xmlns:a16="http://schemas.microsoft.com/office/drawing/2014/main" id="{EF078415-7A0F-4E29-8B78-0755817FE03B}"/>
+              </a:ext>
+            </a:extLst>
+          </p:cNvPr>
+          <p:cNvSpPr txBox="1"/>
+          <p:nvPr/>
+        </p:nvSpPr>
+        <p:spPr>
+          <a:xfrm>
+            <a:off x="4631769" y="2519324"/>
+            <a:ext cx="1995181" cy="369332"/>
+          </a:xfrm>
+          <a:prstGeom prst="rect">
+            <a:avLst/>
+          </a:prstGeom>
+          <a:noFill/>
+        </p:spPr>
+        <p:txBody>
+          <a:bodyPr wrap="square">
+            <a:spAutoFit/>
+          </a:bodyPr>
+          <a:lstStyle/>
+          <a:p>
+            <a:r>
+              <a:rPr lang="en-US" altLang="zh-CN" sz="1800" dirty="0">
+                <a:solidFill>
+                  <a:schemeClr val="bg1"/>
+                </a:solidFill>
+                <a:latin typeface="Gotham Bold" pitchFamily="50" charset="0"/>
+              </a:rPr>
+              <a:t>Get PSREF App</a:t>
+            </a:r>
+            <a:endParaRPr lang="zh-CN" altLang="en-US" dirty="0"/>
+          </a:p>
+        </p:txBody>
+      </p:sp>
+    </p:spTree>
+    <p:extLst>
+      <p:ext uri="{BB962C8B-B14F-4D97-AF65-F5344CB8AC3E}">
+        <p14:creationId xmlns:p14="http://schemas.microsoft.com/office/powerpoint/2010/main" val="64390597"/>
+      </p:ext>
+    </p:extLst>
+  </p:cSld>
+  <p:clrMapOvr>
+    <a:masterClrMapping/>
+  </p:clrMapOvr>
+</p:sld>
+</file>
+
+<file path=ppt/slides/slide4.xml><?xml version="1.0" encoding="utf-8"?>
+<p:sld xmlns:a="http://schemas.openxmlformats.org/drawingml/2006/main" xmlns:r="http://schemas.openxmlformats.org/officeDocument/2006/relationships" xmlns:p="http://schemas.openxmlformats.org/presentationml/2006/main">
+  <p:cSld>
+    <p:spTree>
+      <p:nvGrpSpPr>
+        <p:cNvPr id="1" name=""/>
+        <p:cNvGrpSpPr/>
+        <p:nvPr/>
+      </p:nvGrpSpPr>
+      <p:grpSpPr>
+        <a:xfrm>
+          <a:off x="0" y="0"/>
+          <a:ext cx="0" cy="0"/>
+          <a:chOff x="0" y="0"/>
+          <a:chExt cx="0" cy="0"/>
+        </a:xfrm>
+      </p:grpSpPr>
+      <p:sp>
+        <p:nvSpPr>
+          <p:cNvPr id="4" name="矩形 3">
+            <a:extLst>
+              <a:ext uri="{FF2B5EF4-FFF2-40B4-BE49-F238E27FC236}">
                 <a16:creationId xmlns:a16="http://schemas.microsoft.com/office/drawing/2014/main" id="{A9304DC9-70A6-48F9-B1D6-876350B4A206}"/>
               </a:ext>
             </a:extLst>
@@ -4437,7 +4678,7 @@
 </p:sld>
 </file>
 
-<file path=ppt/slides/slide4.xml><?xml version="1.0" encoding="utf-8"?>
+<file path=ppt/slides/slide5.xml><?xml version="1.0" encoding="utf-8"?>
 <p:sld xmlns:a="http://schemas.openxmlformats.org/drawingml/2006/main" xmlns:r="http://schemas.openxmlformats.org/officeDocument/2006/relationships" xmlns:p="http://schemas.openxmlformats.org/presentationml/2006/main">
   <p:cSld>
     <p:spTree>

--- a/wspsref_newsletter.pptx
+++ b/wspsref_newsletter.pptx
@@ -4237,7 +4237,7 @@
         <p:spPr>
           <a:xfrm>
             <a:off x="1694575" y="686996"/>
-            <a:ext cx="7869569" cy="2358208"/>
+            <a:ext cx="7869569" cy="2109327"/>
           </a:xfrm>
           <a:prstGeom prst="rect">
             <a:avLst/>
@@ -4307,7 +4307,7 @@
         <p:spPr>
           <a:xfrm>
             <a:off x="3822057" y="881732"/>
-            <a:ext cx="1152786" cy="1152786"/>
+            <a:ext cx="926112" cy="926112"/>
           </a:xfrm>
           <a:prstGeom prst="rect">
             <a:avLst/>
@@ -4342,8 +4342,8 @@
         </p:blipFill>
         <p:spPr>
           <a:xfrm>
-            <a:off x="6362960" y="881732"/>
-            <a:ext cx="1152787" cy="1152787"/>
+            <a:off x="6476297" y="881732"/>
+            <a:ext cx="926112" cy="926112"/>
           </a:xfrm>
           <a:prstGeom prst="rect">
             <a:avLst/>
@@ -4364,7 +4364,7 @@
         </p:nvSpPr>
         <p:spPr>
           <a:xfrm>
-            <a:off x="4162201" y="2085776"/>
+            <a:off x="4048864" y="1947276"/>
             <a:ext cx="472498" cy="276999"/>
           </a:xfrm>
           <a:prstGeom prst="rect">
@@ -4410,7 +4410,7 @@
         </p:nvSpPr>
         <p:spPr>
           <a:xfrm>
-            <a:off x="6528245" y="2085777"/>
+            <a:off x="6528245" y="1947276"/>
             <a:ext cx="822217" cy="276999"/>
           </a:xfrm>
           <a:prstGeom prst="rect">
@@ -4456,8 +4456,8 @@
         </p:nvSpPr>
         <p:spPr>
           <a:xfrm>
-            <a:off x="4631769" y="2519324"/>
-            <a:ext cx="1995181" cy="369332"/>
+            <a:off x="4898729" y="2376711"/>
+            <a:ext cx="1464231" cy="276999"/>
           </a:xfrm>
           <a:prstGeom prst="rect">
             <a:avLst/>
@@ -4471,7 +4471,7 @@
           <a:lstStyle/>
           <a:p>
             <a:r>
-              <a:rPr lang="en-US" altLang="zh-CN" sz="1800" dirty="0">
+              <a:rPr lang="en-US" altLang="zh-CN" sz="1200" dirty="0">
                 <a:solidFill>
                   <a:schemeClr val="bg1"/>
                 </a:solidFill>
@@ -4479,7 +4479,7 @@
               </a:rPr>
               <a:t>Get PSREF App</a:t>
             </a:r>
-            <a:endParaRPr lang="zh-CN" altLang="en-US" dirty="0"/>
+            <a:endParaRPr lang="zh-CN" altLang="en-US" sz="1200" dirty="0"/>
           </a:p>
         </p:txBody>
       </p:sp>

--- a/wspsref_newsletter.pptx
+++ b/wspsref_newsletter.pptx
@@ -4236,8 +4236,8 @@
         </p:nvSpPr>
         <p:spPr>
           <a:xfrm>
-            <a:off x="1694575" y="686996"/>
-            <a:ext cx="7869569" cy="2109327"/>
+            <a:off x="1694575" y="686997"/>
+            <a:ext cx="7869569" cy="1614376"/>
           </a:xfrm>
           <a:prstGeom prst="rect">
             <a:avLst/>
@@ -4364,7 +4364,7 @@
         </p:nvSpPr>
         <p:spPr>
           <a:xfrm>
-            <a:off x="4048864" y="1947276"/>
+            <a:off x="4048864" y="1796274"/>
             <a:ext cx="472498" cy="276999"/>
           </a:xfrm>
           <a:prstGeom prst="rect">
@@ -4410,7 +4410,7 @@
         </p:nvSpPr>
         <p:spPr>
           <a:xfrm>
-            <a:off x="6528245" y="1947276"/>
+            <a:off x="6528245" y="1796274"/>
             <a:ext cx="822217" cy="276999"/>
           </a:xfrm>
           <a:prstGeom prst="rect">
@@ -4456,7 +4456,7 @@
         </p:nvSpPr>
         <p:spPr>
           <a:xfrm>
-            <a:off x="4898729" y="2376711"/>
+            <a:off x="4898729" y="2024373"/>
             <a:ext cx="1464231" cy="276999"/>
           </a:xfrm>
           <a:prstGeom prst="rect">

--- a/wspsref_newsletter.pptx
+++ b/wspsref_newsletter.pptx
@@ -110,7 +110,18 @@
   </p:defaultTextStyle>
   <p:extLst>
     <p:ext uri="{EFAFB233-063F-42B5-8137-9DF3F51BA10A}">
-      <p15:sldGuideLst xmlns:p15="http://schemas.microsoft.com/office/powerpoint/2012/main"/>
+      <p15:sldGuideLst xmlns:p15="http://schemas.microsoft.com/office/powerpoint/2012/main">
+        <p15:guide id="1" orient="horz" pos="2160" userDrawn="1">
+          <p15:clr>
+            <a:srgbClr val="A4A3A4"/>
+          </p15:clr>
+        </p15:guide>
+        <p15:guide id="2" pos="3840" userDrawn="1">
+          <p15:clr>
+            <a:srgbClr val="A4A3A4"/>
+          </p15:clr>
+        </p15:guide>
+      </p15:sldGuideLst>
     </p:ext>
   </p:extLst>
 </p:presentation>
@@ -263,7 +274,7 @@
           <a:p>
             <a:fld id="{C9A43F4C-FF5E-49BB-8B0E-1F9E80EBBD5D}" type="datetimeFigureOut">
               <a:rPr lang="zh-CN" altLang="en-US" smtClean="0"/>
-              <a:t>2021/12/14</a:t>
+              <a:t>2021/12/15</a:t>
             </a:fld>
             <a:endParaRPr lang="zh-CN" altLang="en-US"/>
           </a:p>
@@ -461,7 +472,7 @@
           <a:p>
             <a:fld id="{C9A43F4C-FF5E-49BB-8B0E-1F9E80EBBD5D}" type="datetimeFigureOut">
               <a:rPr lang="zh-CN" altLang="en-US" smtClean="0"/>
-              <a:t>2021/12/14</a:t>
+              <a:t>2021/12/15</a:t>
             </a:fld>
             <a:endParaRPr lang="zh-CN" altLang="en-US"/>
           </a:p>
@@ -669,7 +680,7 @@
           <a:p>
             <a:fld id="{C9A43F4C-FF5E-49BB-8B0E-1F9E80EBBD5D}" type="datetimeFigureOut">
               <a:rPr lang="zh-CN" altLang="en-US" smtClean="0"/>
-              <a:t>2021/12/14</a:t>
+              <a:t>2021/12/15</a:t>
             </a:fld>
             <a:endParaRPr lang="zh-CN" altLang="en-US"/>
           </a:p>
@@ -867,7 +878,7 @@
           <a:p>
             <a:fld id="{C9A43F4C-FF5E-49BB-8B0E-1F9E80EBBD5D}" type="datetimeFigureOut">
               <a:rPr lang="zh-CN" altLang="en-US" smtClean="0"/>
-              <a:t>2021/12/14</a:t>
+              <a:t>2021/12/15</a:t>
             </a:fld>
             <a:endParaRPr lang="zh-CN" altLang="en-US"/>
           </a:p>
@@ -1142,7 +1153,7 @@
           <a:p>
             <a:fld id="{C9A43F4C-FF5E-49BB-8B0E-1F9E80EBBD5D}" type="datetimeFigureOut">
               <a:rPr lang="zh-CN" altLang="en-US" smtClean="0"/>
-              <a:t>2021/12/14</a:t>
+              <a:t>2021/12/15</a:t>
             </a:fld>
             <a:endParaRPr lang="zh-CN" altLang="en-US"/>
           </a:p>
@@ -1407,7 +1418,7 @@
           <a:p>
             <a:fld id="{C9A43F4C-FF5E-49BB-8B0E-1F9E80EBBD5D}" type="datetimeFigureOut">
               <a:rPr lang="zh-CN" altLang="en-US" smtClean="0"/>
-              <a:t>2021/12/14</a:t>
+              <a:t>2021/12/15</a:t>
             </a:fld>
             <a:endParaRPr lang="zh-CN" altLang="en-US"/>
           </a:p>
@@ -1819,7 +1830,7 @@
           <a:p>
             <a:fld id="{C9A43F4C-FF5E-49BB-8B0E-1F9E80EBBD5D}" type="datetimeFigureOut">
               <a:rPr lang="zh-CN" altLang="en-US" smtClean="0"/>
-              <a:t>2021/12/14</a:t>
+              <a:t>2021/12/15</a:t>
             </a:fld>
             <a:endParaRPr lang="zh-CN" altLang="en-US"/>
           </a:p>
@@ -1960,7 +1971,7 @@
           <a:p>
             <a:fld id="{C9A43F4C-FF5E-49BB-8B0E-1F9E80EBBD5D}" type="datetimeFigureOut">
               <a:rPr lang="zh-CN" altLang="en-US" smtClean="0"/>
-              <a:t>2021/12/14</a:t>
+              <a:t>2021/12/15</a:t>
             </a:fld>
             <a:endParaRPr lang="zh-CN" altLang="en-US"/>
           </a:p>
@@ -2073,7 +2084,7 @@
           <a:p>
             <a:fld id="{C9A43F4C-FF5E-49BB-8B0E-1F9E80EBBD5D}" type="datetimeFigureOut">
               <a:rPr lang="zh-CN" altLang="en-US" smtClean="0"/>
-              <a:t>2021/12/14</a:t>
+              <a:t>2021/12/15</a:t>
             </a:fld>
             <a:endParaRPr lang="zh-CN" altLang="en-US"/>
           </a:p>
@@ -2384,7 +2395,7 @@
           <a:p>
             <a:fld id="{C9A43F4C-FF5E-49BB-8B0E-1F9E80EBBD5D}" type="datetimeFigureOut">
               <a:rPr lang="zh-CN" altLang="en-US" smtClean="0"/>
-              <a:t>2021/12/14</a:t>
+              <a:t>2021/12/15</a:t>
             </a:fld>
             <a:endParaRPr lang="zh-CN" altLang="en-US"/>
           </a:p>
@@ -2672,7 +2683,7 @@
           <a:p>
             <a:fld id="{C9A43F4C-FF5E-49BB-8B0E-1F9E80EBBD5D}" type="datetimeFigureOut">
               <a:rPr lang="zh-CN" altLang="en-US" smtClean="0"/>
-              <a:t>2021/12/14</a:t>
+              <a:t>2021/12/15</a:t>
             </a:fld>
             <a:endParaRPr lang="zh-CN" altLang="en-US"/>
           </a:p>
@@ -2913,7 +2924,7 @@
           <a:p>
             <a:fld id="{C9A43F4C-FF5E-49BB-8B0E-1F9E80EBBD5D}" type="datetimeFigureOut">
               <a:rPr lang="zh-CN" altLang="en-US" smtClean="0"/>
-              <a:t>2021/12/14</a:t>
+              <a:t>2021/12/15</a:t>
             </a:fld>
             <a:endParaRPr lang="zh-CN" altLang="en-US"/>
           </a:p>
@@ -3332,10 +3343,10 @@
       </p:grpSpPr>
       <p:sp>
         <p:nvSpPr>
-          <p:cNvPr id="4" name="矩形 3">
-            <a:extLst>
-              <a:ext uri="{FF2B5EF4-FFF2-40B4-BE49-F238E27FC236}">
-                <a16:creationId xmlns:a16="http://schemas.microsoft.com/office/drawing/2014/main" id="{D08E6F42-CC04-4539-A80A-7B309BD76E82}"/>
+          <p:cNvPr id="11" name="矩形 10">
+            <a:extLst>
+              <a:ext uri="{FF2B5EF4-FFF2-40B4-BE49-F238E27FC236}">
+                <a16:creationId xmlns:a16="http://schemas.microsoft.com/office/drawing/2014/main" id="{F27E9616-B57C-49EC-8A1E-2315DFE4B27F}"/>
               </a:ext>
             </a:extLst>
           </p:cNvPr>
@@ -3344,8 +3355,8 @@
         </p:nvSpPr>
         <p:spPr>
           <a:xfrm>
-            <a:off x="733279" y="154461"/>
-            <a:ext cx="8879252" cy="2160000"/>
+            <a:off x="241291" y="467918"/>
+            <a:ext cx="8640000" cy="1800000"/>
           </a:xfrm>
           <a:prstGeom prst="rect">
             <a:avLst/>
@@ -3384,10 +3395,10 @@
       </p:sp>
       <p:sp>
         <p:nvSpPr>
-          <p:cNvPr id="5" name="文本框 4">
-            <a:extLst>
-              <a:ext uri="{FF2B5EF4-FFF2-40B4-BE49-F238E27FC236}">
-                <a16:creationId xmlns:a16="http://schemas.microsoft.com/office/drawing/2014/main" id="{6BCF06A5-E42F-4F08-B18F-2ADA5AFD69F3}"/>
+          <p:cNvPr id="12" name="文本框 11">
+            <a:extLst>
+              <a:ext uri="{FF2B5EF4-FFF2-40B4-BE49-F238E27FC236}">
+                <a16:creationId xmlns:a16="http://schemas.microsoft.com/office/drawing/2014/main" id="{B1DDD450-8FF6-4B8A-9D18-88A9DB06D0A8}"/>
               </a:ext>
             </a:extLst>
           </p:cNvPr>
@@ -3396,8 +3407,8 @@
         </p:nvSpPr>
         <p:spPr>
           <a:xfrm>
-            <a:off x="813598" y="123339"/>
-            <a:ext cx="8879251" cy="523220"/>
+            <a:off x="323558" y="436796"/>
+            <a:ext cx="8879251" cy="400110"/>
           </a:xfrm>
           <a:prstGeom prst="rect">
             <a:avLst/>
@@ -3411,7 +3422,7 @@
           <a:lstStyle/>
           <a:p>
             <a:r>
-              <a:rPr lang="en-US" altLang="zh-CN" sz="2800" dirty="0">
+              <a:rPr lang="en-US" altLang="zh-CN" sz="2000" dirty="0">
                 <a:solidFill>
                   <a:schemeClr val="bg1"/>
                 </a:solidFill>
@@ -3419,7 +3430,7 @@
               </a:rPr>
               <a:t>ThinkStation Desktop Workstations</a:t>
             </a:r>
-            <a:endParaRPr lang="zh-CN" altLang="en-US" sz="2800" dirty="0">
+            <a:endParaRPr lang="zh-CN" altLang="en-US" sz="2000" dirty="0">
               <a:solidFill>
                 <a:schemeClr val="bg1"/>
               </a:solidFill>
@@ -3430,10 +3441,10 @@
       </p:sp>
       <p:sp>
         <p:nvSpPr>
-          <p:cNvPr id="15" name="文本框 14">
-            <a:extLst>
-              <a:ext uri="{FF2B5EF4-FFF2-40B4-BE49-F238E27FC236}">
-                <a16:creationId xmlns:a16="http://schemas.microsoft.com/office/drawing/2014/main" id="{7888EC2A-83A8-4145-8B7F-C2334CD5C0BC}"/>
+          <p:cNvPr id="14" name="文本框 13">
+            <a:extLst>
+              <a:ext uri="{FF2B5EF4-FFF2-40B4-BE49-F238E27FC236}">
+                <a16:creationId xmlns:a16="http://schemas.microsoft.com/office/drawing/2014/main" id="{5AF586D3-FD3F-46A7-A2BD-796C2E55588F}"/>
               </a:ext>
             </a:extLst>
           </p:cNvPr>
@@ -3442,8 +3453,8 @@
         </p:nvSpPr>
         <p:spPr>
           <a:xfrm>
-            <a:off x="1026300" y="674343"/>
-            <a:ext cx="8457740" cy="584775"/>
+            <a:off x="536260" y="777734"/>
+            <a:ext cx="8457740" cy="507831"/>
           </a:xfrm>
           <a:prstGeom prst="rect">
             <a:avLst/>
@@ -3457,7 +3468,7 @@
           <a:lstStyle/>
           <a:p>
             <a:r>
-              <a:rPr lang="en-US" altLang="zh-CN" sz="1400" dirty="0">
+              <a:rPr lang="en-US" altLang="zh-CN" sz="1200" dirty="0">
                 <a:solidFill>
                   <a:schemeClr val="bg1"/>
                 </a:solidFill>
@@ -3467,7 +3478,7 @@
             </a:r>
           </a:p>
           <a:p>
-            <a:endParaRPr lang="en-US" altLang="zh-CN" sz="400" dirty="0">
+            <a:endParaRPr lang="en-US" altLang="zh-CN" sz="300" dirty="0">
               <a:solidFill>
                 <a:schemeClr val="bg1"/>
               </a:solidFill>
@@ -3476,7 +3487,7 @@
           </a:p>
           <a:p>
             <a:r>
-              <a:rPr lang="en-US" altLang="zh-CN" sz="1400" dirty="0">
+              <a:rPr lang="en-US" altLang="zh-CN" sz="1200" dirty="0">
                 <a:solidFill>
                   <a:schemeClr val="bg1"/>
                 </a:solidFill>
@@ -3484,7 +3495,7 @@
               </a:rPr>
               <a:t>Add NVIDIA RTX A2000 on ThinkStation P340 Tower / P350 SFF</a:t>
             </a:r>
-            <a:endParaRPr lang="zh-CN" altLang="en-US" sz="1400" dirty="0">
+            <a:endParaRPr lang="zh-CN" altLang="en-US" sz="1200" dirty="0">
               <a:solidFill>
                 <a:schemeClr val="bg1"/>
               </a:solidFill>
@@ -3495,10 +3506,10 @@
       </p:sp>
       <p:sp>
         <p:nvSpPr>
-          <p:cNvPr id="6" name="矩形 5">
-            <a:extLst>
-              <a:ext uri="{FF2B5EF4-FFF2-40B4-BE49-F238E27FC236}">
-                <a16:creationId xmlns:a16="http://schemas.microsoft.com/office/drawing/2014/main" id="{FDF36F57-EB0C-4483-A4E9-69B11F0A5B7F}"/>
+          <p:cNvPr id="16" name="矩形 15">
+            <a:extLst>
+              <a:ext uri="{FF2B5EF4-FFF2-40B4-BE49-F238E27FC236}">
+                <a16:creationId xmlns:a16="http://schemas.microsoft.com/office/drawing/2014/main" id="{4D0F0717-8B30-4F25-8B05-5C49C80E6C4C}"/>
               </a:ext>
             </a:extLst>
           </p:cNvPr>
@@ -3507,8 +3518,8 @@
         </p:nvSpPr>
         <p:spPr>
           <a:xfrm>
-            <a:off x="733279" y="2314461"/>
-            <a:ext cx="8881200" cy="2160000"/>
+            <a:off x="241291" y="2267918"/>
+            <a:ext cx="8640000" cy="1800000"/>
           </a:xfrm>
           <a:prstGeom prst="rect">
             <a:avLst/>
@@ -3547,10 +3558,10 @@
       </p:sp>
       <p:sp>
         <p:nvSpPr>
-          <p:cNvPr id="7" name="文本框 6">
-            <a:extLst>
-              <a:ext uri="{FF2B5EF4-FFF2-40B4-BE49-F238E27FC236}">
-                <a16:creationId xmlns:a16="http://schemas.microsoft.com/office/drawing/2014/main" id="{589A894B-6DA0-44EA-A2E2-754C40124F29}"/>
+          <p:cNvPr id="17" name="文本框 16">
+            <a:extLst>
+              <a:ext uri="{FF2B5EF4-FFF2-40B4-BE49-F238E27FC236}">
+                <a16:creationId xmlns:a16="http://schemas.microsoft.com/office/drawing/2014/main" id="{C3C70276-0625-43CF-B22C-0823CC625F9E}"/>
               </a:ext>
             </a:extLst>
           </p:cNvPr>
@@ -3559,8 +3570,8 @@
         </p:nvSpPr>
         <p:spPr>
           <a:xfrm>
-            <a:off x="813598" y="2283339"/>
-            <a:ext cx="8457740" cy="523220"/>
+            <a:off x="321610" y="2236796"/>
+            <a:ext cx="8457740" cy="400110"/>
           </a:xfrm>
           <a:prstGeom prst="rect">
             <a:avLst/>
@@ -3574,7 +3585,7 @@
           <a:lstStyle/>
           <a:p>
             <a:r>
-              <a:rPr lang="en-US" altLang="zh-CN" sz="2800" dirty="0">
+              <a:rPr lang="en-US" altLang="zh-CN" sz="2000" dirty="0">
                 <a:solidFill>
                   <a:schemeClr val="bg1"/>
                 </a:solidFill>
@@ -3582,7 +3593,7 @@
               </a:rPr>
               <a:t>ThinkPad Mobile Workstations</a:t>
             </a:r>
-            <a:endParaRPr lang="zh-CN" altLang="en-US" sz="2800" dirty="0">
+            <a:endParaRPr lang="zh-CN" altLang="en-US" sz="2000" dirty="0">
               <a:solidFill>
                 <a:schemeClr val="bg1"/>
               </a:solidFill>
@@ -3593,10 +3604,10 @@
       </p:sp>
       <p:sp>
         <p:nvSpPr>
-          <p:cNvPr id="8" name="文本框 7">
-            <a:extLst>
-              <a:ext uri="{FF2B5EF4-FFF2-40B4-BE49-F238E27FC236}">
-                <a16:creationId xmlns:a16="http://schemas.microsoft.com/office/drawing/2014/main" id="{180B68BD-5269-4EF4-B834-CF84598639F5}"/>
+          <p:cNvPr id="18" name="文本框 17">
+            <a:extLst>
+              <a:ext uri="{FF2B5EF4-FFF2-40B4-BE49-F238E27FC236}">
+                <a16:creationId xmlns:a16="http://schemas.microsoft.com/office/drawing/2014/main" id="{8EE44D38-FBE6-4A2E-A945-410CF0F2FB50}"/>
               </a:ext>
             </a:extLst>
           </p:cNvPr>
@@ -3605,8 +3616,8 @@
         </p:nvSpPr>
         <p:spPr>
           <a:xfrm>
-            <a:off x="1026300" y="2806559"/>
-            <a:ext cx="8457740" cy="1231106"/>
+            <a:off x="534312" y="2580846"/>
+            <a:ext cx="8457740" cy="938719"/>
           </a:xfrm>
           <a:prstGeom prst="rect">
             <a:avLst/>
@@ -3620,7 +3631,7 @@
           <a:lstStyle/>
           <a:p>
             <a:r>
-              <a:rPr lang="en-US" altLang="zh-CN" sz="1400" dirty="0">
+              <a:rPr lang="en-US" altLang="zh-CN" sz="1200" dirty="0">
                 <a:solidFill>
                   <a:schemeClr val="bg1"/>
                 </a:solidFill>
@@ -3629,7 +3640,7 @@
               <a:t>Add Windows 11 on ThinkPad P14s Gen 2 (Intel) / P15s Gen 2 / P15v Gen 2 / P17</a:t>
             </a:r>
             <a:r>
-              <a:rPr lang="zh-CN" altLang="en-US" sz="1400" dirty="0">
+              <a:rPr lang="zh-CN" altLang="en-US" sz="1200" dirty="0">
                 <a:solidFill>
                   <a:schemeClr val="bg1"/>
                 </a:solidFill>
@@ -3638,7 +3649,7 @@
               <a:t> </a:t>
             </a:r>
             <a:r>
-              <a:rPr lang="en-US" altLang="zh-CN" sz="1400" dirty="0">
+              <a:rPr lang="en-US" altLang="zh-CN" sz="1200" dirty="0">
                 <a:solidFill>
                   <a:schemeClr val="bg1"/>
                 </a:solidFill>
@@ -3647,7 +3658,7 @@
               <a:t>Gen</a:t>
             </a:r>
             <a:r>
-              <a:rPr lang="zh-CN" altLang="en-US" sz="1400" dirty="0">
+              <a:rPr lang="zh-CN" altLang="en-US" sz="1200" dirty="0">
                 <a:solidFill>
                   <a:schemeClr val="bg1"/>
                 </a:solidFill>
@@ -3656,7 +3667,7 @@
               <a:t> </a:t>
             </a:r>
             <a:r>
-              <a:rPr lang="en-US" altLang="zh-CN" sz="1400" dirty="0">
+              <a:rPr lang="en-US" altLang="zh-CN" sz="1200" dirty="0">
                 <a:solidFill>
                   <a:schemeClr val="bg1"/>
                 </a:solidFill>
@@ -3666,7 +3677,7 @@
             </a:r>
           </a:p>
           <a:p>
-            <a:endParaRPr lang="en-US" altLang="zh-CN" sz="400" dirty="0">
+            <a:endParaRPr lang="en-US" altLang="zh-CN" sz="300" dirty="0">
               <a:solidFill>
                 <a:schemeClr val="bg1"/>
               </a:solidFill>
@@ -3675,7 +3686,7 @@
           </a:p>
           <a:p>
             <a:r>
-              <a:rPr lang="en-US" altLang="zh-CN" sz="1400" dirty="0">
+              <a:rPr lang="en-US" altLang="zh-CN" sz="1200" dirty="0">
                 <a:solidFill>
                   <a:schemeClr val="bg1"/>
                 </a:solidFill>
@@ -3704,10 +3715,66 @@
       </p:sp>
       <p:sp>
         <p:nvSpPr>
-          <p:cNvPr id="13" name="文本框 12">
-            <a:extLst>
-              <a:ext uri="{FF2B5EF4-FFF2-40B4-BE49-F238E27FC236}">
-                <a16:creationId xmlns:a16="http://schemas.microsoft.com/office/drawing/2014/main" id="{371C998E-1841-4078-8E4E-DAB8FAB6D951}"/>
+          <p:cNvPr id="19" name="矩形 18">
+            <a:extLst>
+              <a:ext uri="{FF2B5EF4-FFF2-40B4-BE49-F238E27FC236}">
+                <a16:creationId xmlns:a16="http://schemas.microsoft.com/office/drawing/2014/main" id="{91A1714A-A8FB-4459-9344-9B8CAAB1C881}"/>
+              </a:ext>
+            </a:extLst>
+          </p:cNvPr>
+          <p:cNvSpPr/>
+          <p:nvPr/>
+        </p:nvSpPr>
+        <p:spPr>
+          <a:xfrm>
+            <a:off x="241291" y="0"/>
+            <a:ext cx="8640000" cy="467918"/>
+          </a:xfrm>
+          <a:prstGeom prst="rect">
+            <a:avLst/>
+          </a:prstGeom>
+          <a:solidFill>
+            <a:srgbClr val="184756"/>
+          </a:solidFill>
+          <a:ln>
+            <a:noFill/>
+          </a:ln>
+        </p:spPr>
+        <p:style>
+          <a:lnRef idx="2">
+            <a:schemeClr val="accent1">
+              <a:shade val="50000"/>
+            </a:schemeClr>
+          </a:lnRef>
+          <a:fillRef idx="1">
+            <a:schemeClr val="accent1"/>
+          </a:fillRef>
+          <a:effectRef idx="0">
+            <a:schemeClr val="accent1"/>
+          </a:effectRef>
+          <a:fontRef idx="minor">
+            <a:schemeClr val="lt1"/>
+          </a:fontRef>
+        </p:style>
+        <p:txBody>
+          <a:bodyPr rtlCol="0" anchor="ctr"/>
+          <a:lstStyle/>
+          <a:p>
+            <a:endParaRPr lang="zh-CN" altLang="en-US" sz="1800" dirty="0">
+              <a:solidFill>
+                <a:schemeClr val="bg1"/>
+              </a:solidFill>
+              <a:latin typeface="Gotham Bold" pitchFamily="50" charset="0"/>
+            </a:endParaRPr>
+          </a:p>
+        </p:txBody>
+      </p:sp>
+      <p:sp>
+        <p:nvSpPr>
+          <p:cNvPr id="20" name="文本框 19">
+            <a:extLst>
+              <a:ext uri="{FF2B5EF4-FFF2-40B4-BE49-F238E27FC236}">
+                <a16:creationId xmlns:a16="http://schemas.microsoft.com/office/drawing/2014/main" id="{8CC1597C-D93B-446B-B901-1D007A1D4082}"/>
               </a:ext>
             </a:extLst>
           </p:cNvPr>
@@ -3716,8 +3783,8 @@
         </p:nvSpPr>
         <p:spPr>
           <a:xfrm>
-            <a:off x="1026300" y="4774037"/>
-            <a:ext cx="8457740" cy="276999"/>
+            <a:off x="323558" y="80071"/>
+            <a:ext cx="6464533" cy="307777"/>
           </a:xfrm>
           <a:prstGeom prst="rect">
             <a:avLst/>
@@ -3731,19 +3798,207 @@
           <a:lstStyle/>
           <a:p>
             <a:r>
-              <a:rPr lang="en-US" altLang="zh-CN" sz="1200" dirty="0">
+              <a:rPr lang="en-US" altLang="zh-CN" sz="1400" dirty="0">
                 <a:solidFill>
                   <a:schemeClr val="bg1"/>
                 </a:solidFill>
                 <a:latin typeface="Gotham Bold" pitchFamily="50" charset="0"/>
               </a:rPr>
-              <a:t>PSREF Website</a:t>
-            </a:r>
-            <a:endParaRPr lang="zh-CN" altLang="en-US" sz="1200" dirty="0">
+              <a:t>Window 587, updated as of December 15, 2021</a:t>
+            </a:r>
+            <a:endParaRPr lang="zh-CN" altLang="en-US" sz="1400" dirty="0">
               <a:solidFill>
                 <a:schemeClr val="bg1"/>
               </a:solidFill>
               <a:latin typeface="Gotham Bold" pitchFamily="50" charset="0"/>
+            </a:endParaRPr>
+          </a:p>
+        </p:txBody>
+      </p:sp>
+      <p:sp>
+        <p:nvSpPr>
+          <p:cNvPr id="21" name="矩形 20">
+            <a:extLst>
+              <a:ext uri="{FF2B5EF4-FFF2-40B4-BE49-F238E27FC236}">
+                <a16:creationId xmlns:a16="http://schemas.microsoft.com/office/drawing/2014/main" id="{2F5D8949-3207-465B-89F7-A70857AA404A}"/>
+              </a:ext>
+            </a:extLst>
+          </p:cNvPr>
+          <p:cNvSpPr/>
+          <p:nvPr/>
+        </p:nvSpPr>
+        <p:spPr>
+          <a:xfrm>
+            <a:off x="241291" y="4067918"/>
+            <a:ext cx="8640000" cy="1800000"/>
+          </a:xfrm>
+          <a:prstGeom prst="rect">
+            <a:avLst/>
+          </a:prstGeom>
+          <a:solidFill>
+            <a:srgbClr val="3EB29F"/>
+          </a:solidFill>
+          <a:ln>
+            <a:noFill/>
+          </a:ln>
+        </p:spPr>
+        <p:style>
+          <a:lnRef idx="2">
+            <a:schemeClr val="accent1">
+              <a:shade val="50000"/>
+            </a:schemeClr>
+          </a:lnRef>
+          <a:fillRef idx="1">
+            <a:schemeClr val="accent1"/>
+          </a:fillRef>
+          <a:effectRef idx="0">
+            <a:schemeClr val="accent1"/>
+          </a:effectRef>
+          <a:fontRef idx="minor">
+            <a:schemeClr val="lt1"/>
+          </a:fontRef>
+        </p:style>
+        <p:txBody>
+          <a:bodyPr rtlCol="0" anchor="ctr"/>
+          <a:lstStyle/>
+          <a:p>
+            <a:pPr algn="ctr"/>
+            <a:endParaRPr lang="zh-CN" altLang="en-US" dirty="0"/>
+          </a:p>
+        </p:txBody>
+      </p:sp>
+      <p:sp>
+        <p:nvSpPr>
+          <p:cNvPr id="22" name="文本框 21">
+            <a:extLst>
+              <a:ext uri="{FF2B5EF4-FFF2-40B4-BE49-F238E27FC236}">
+                <a16:creationId xmlns:a16="http://schemas.microsoft.com/office/drawing/2014/main" id="{E2F9FAE3-B6AD-4591-86A6-7B1EF215A4AC}"/>
+              </a:ext>
+            </a:extLst>
+          </p:cNvPr>
+          <p:cNvSpPr txBox="1"/>
+          <p:nvPr/>
+        </p:nvSpPr>
+        <p:spPr>
+          <a:xfrm>
+            <a:off x="323558" y="4099040"/>
+            <a:ext cx="8457740" cy="400110"/>
+          </a:xfrm>
+          <a:prstGeom prst="rect">
+            <a:avLst/>
+          </a:prstGeom>
+          <a:noFill/>
+        </p:spPr>
+        <p:txBody>
+          <a:bodyPr wrap="square" rtlCol="0">
+            <a:spAutoFit/>
+          </a:bodyPr>
+          <a:lstStyle/>
+          <a:p>
+            <a:r>
+              <a:rPr lang="en-US" altLang="zh-CN" sz="2000" dirty="0">
+                <a:solidFill>
+                  <a:schemeClr val="bg1"/>
+                </a:solidFill>
+                <a:latin typeface="Gotham Bold" pitchFamily="50" charset="0"/>
+              </a:rPr>
+              <a:t>Planed Updates in Next Release</a:t>
+            </a:r>
+            <a:endParaRPr lang="zh-CN" altLang="en-US" sz="2000" dirty="0">
+              <a:solidFill>
+                <a:schemeClr val="bg1"/>
+              </a:solidFill>
+              <a:latin typeface="Gotham Bold" pitchFamily="50" charset="0"/>
+            </a:endParaRPr>
+          </a:p>
+        </p:txBody>
+      </p:sp>
+      <p:sp>
+        <p:nvSpPr>
+          <p:cNvPr id="13" name="文本框 12">
+            <a:extLst>
+              <a:ext uri="{FF2B5EF4-FFF2-40B4-BE49-F238E27FC236}">
+                <a16:creationId xmlns:a16="http://schemas.microsoft.com/office/drawing/2014/main" id="{D2D3DC52-F1EE-4897-94C7-B18015F04F17}"/>
+              </a:ext>
+            </a:extLst>
+          </p:cNvPr>
+          <p:cNvSpPr txBox="1"/>
+          <p:nvPr/>
+        </p:nvSpPr>
+        <p:spPr>
+          <a:xfrm>
+            <a:off x="534312" y="4535522"/>
+            <a:ext cx="7941230" cy="1200329"/>
+          </a:xfrm>
+          <a:prstGeom prst="rect">
+            <a:avLst/>
+          </a:prstGeom>
+          <a:noFill/>
+        </p:spPr>
+        <p:txBody>
+          <a:bodyPr wrap="square" rtlCol="0">
+            <a:spAutoFit/>
+          </a:bodyPr>
+          <a:lstStyle/>
+          <a:p>
+            <a:r>
+              <a:rPr lang="en-US" altLang="zh-CN" sz="1200" dirty="0">
+                <a:solidFill>
+                  <a:schemeClr val="bg1"/>
+                </a:solidFill>
+                <a:latin typeface="Gotham Medium" pitchFamily="50" charset="0"/>
+              </a:rPr>
+              <a:t>Add Windows 11 on ThinkStation P350 Tiny</a:t>
+            </a:r>
+          </a:p>
+          <a:p>
+            <a:r>
+              <a:rPr lang="en-US" altLang="zh-CN" sz="1200" dirty="0">
+                <a:solidFill>
+                  <a:schemeClr val="bg1"/>
+                </a:solidFill>
+                <a:latin typeface="Gotham Medium" pitchFamily="50" charset="0"/>
+              </a:rPr>
+              <a:t>Add Linux (detailed information is TBD) on ThinkStation P348</a:t>
+            </a:r>
+          </a:p>
+          <a:p>
+            <a:r>
+              <a:rPr lang="en-US" altLang="zh-CN" sz="1200" dirty="0">
+                <a:solidFill>
+                  <a:schemeClr val="bg1"/>
+                </a:solidFill>
+                <a:latin typeface="Gotham Medium" pitchFamily="50" charset="0"/>
+              </a:rPr>
+              <a:t>Add NVIDIA T1000 4GB on ThinkStation P350 Tiny</a:t>
+            </a:r>
+          </a:p>
+          <a:p>
+            <a:r>
+              <a:rPr lang="en-US" altLang="zh-CN" sz="1200" dirty="0">
+                <a:solidFill>
+                  <a:schemeClr val="bg1"/>
+                </a:solidFill>
+                <a:latin typeface="Gotham Medium" pitchFamily="50" charset="0"/>
+              </a:rPr>
+              <a:t>Add NVIDIA RTX A2000 on ThinkStation P520c / P520 / P720 / P920</a:t>
+            </a:r>
+          </a:p>
+          <a:p>
+            <a:r>
+              <a:rPr lang="en-US" altLang="zh-CN" sz="1200" i="1" dirty="0">
+                <a:solidFill>
+                  <a:schemeClr val="bg1"/>
+                </a:solidFill>
+                <a:latin typeface="Gotham Medium" pitchFamily="50" charset="0"/>
+              </a:rPr>
+              <a:t>I noticed that some existing processors for ThinkStation P920 are “re-released”, I will work on this matter to determine if PSREF should be updated </a:t>
+            </a:r>
+            <a:endParaRPr lang="zh-CN" altLang="en-US" sz="1400" i="1" dirty="0">
+              <a:solidFill>
+                <a:schemeClr val="bg1"/>
+              </a:solidFill>
+              <a:latin typeface="Gotham Medium" pitchFamily="50" charset="0"/>
             </a:endParaRPr>
           </a:p>
         </p:txBody>

--- a/wspsref_newsletter.pptx
+++ b/wspsref_newsletter.pptx
@@ -4120,7 +4120,7 @@
           </p:nvSpPr>
           <p:spPr>
             <a:xfrm>
-              <a:off x="612262" y="833790"/>
+              <a:off x="612262" y="821632"/>
               <a:ext cx="8457740" cy="338554"/>
             </a:xfrm>
             <a:prstGeom prst="rect">
@@ -4219,7 +4219,7 @@
         </p:nvSpPr>
         <p:spPr>
           <a:xfrm>
-            <a:off x="824964" y="1786541"/>
+            <a:off x="824964" y="1772183"/>
             <a:ext cx="8457740" cy="276999"/>
           </a:xfrm>
           <a:prstGeom prst="rect">
@@ -4317,7 +4317,7 @@
         </p:nvSpPr>
         <p:spPr>
           <a:xfrm>
-            <a:off x="824964" y="3184602"/>
+            <a:off x="824964" y="3184603"/>
             <a:ext cx="8457740" cy="276999"/>
           </a:xfrm>
           <a:prstGeom prst="rect">
@@ -4415,7 +4415,7 @@
         </p:nvSpPr>
         <p:spPr>
           <a:xfrm>
-            <a:off x="824964" y="4033202"/>
+            <a:off x="824964" y="4033203"/>
             <a:ext cx="8457740" cy="276999"/>
           </a:xfrm>
           <a:prstGeom prst="rect">

--- a/wspsref_newsletter.pptx
+++ b/wspsref_newsletter.pptx
@@ -274,7 +274,7 @@
           <a:p>
             <a:fld id="{C9A43F4C-FF5E-49BB-8B0E-1F9E80EBBD5D}" type="datetimeFigureOut">
               <a:rPr lang="zh-CN" altLang="en-US" smtClean="0"/>
-              <a:t>2021/12/15</a:t>
+              <a:t>2022/1/5</a:t>
             </a:fld>
             <a:endParaRPr lang="zh-CN" altLang="en-US"/>
           </a:p>
@@ -472,7 +472,7 @@
           <a:p>
             <a:fld id="{C9A43F4C-FF5E-49BB-8B0E-1F9E80EBBD5D}" type="datetimeFigureOut">
               <a:rPr lang="zh-CN" altLang="en-US" smtClean="0"/>
-              <a:t>2021/12/15</a:t>
+              <a:t>2022/1/5</a:t>
             </a:fld>
             <a:endParaRPr lang="zh-CN" altLang="en-US"/>
           </a:p>
@@ -680,7 +680,7 @@
           <a:p>
             <a:fld id="{C9A43F4C-FF5E-49BB-8B0E-1F9E80EBBD5D}" type="datetimeFigureOut">
               <a:rPr lang="zh-CN" altLang="en-US" smtClean="0"/>
-              <a:t>2021/12/15</a:t>
+              <a:t>2022/1/5</a:t>
             </a:fld>
             <a:endParaRPr lang="zh-CN" altLang="en-US"/>
           </a:p>
@@ -878,7 +878,7 @@
           <a:p>
             <a:fld id="{C9A43F4C-FF5E-49BB-8B0E-1F9E80EBBD5D}" type="datetimeFigureOut">
               <a:rPr lang="zh-CN" altLang="en-US" smtClean="0"/>
-              <a:t>2021/12/15</a:t>
+              <a:t>2022/1/5</a:t>
             </a:fld>
             <a:endParaRPr lang="zh-CN" altLang="en-US"/>
           </a:p>
@@ -1153,7 +1153,7 @@
           <a:p>
             <a:fld id="{C9A43F4C-FF5E-49BB-8B0E-1F9E80EBBD5D}" type="datetimeFigureOut">
               <a:rPr lang="zh-CN" altLang="en-US" smtClean="0"/>
-              <a:t>2021/12/15</a:t>
+              <a:t>2022/1/5</a:t>
             </a:fld>
             <a:endParaRPr lang="zh-CN" altLang="en-US"/>
           </a:p>
@@ -1418,7 +1418,7 @@
           <a:p>
             <a:fld id="{C9A43F4C-FF5E-49BB-8B0E-1F9E80EBBD5D}" type="datetimeFigureOut">
               <a:rPr lang="zh-CN" altLang="en-US" smtClean="0"/>
-              <a:t>2021/12/15</a:t>
+              <a:t>2022/1/5</a:t>
             </a:fld>
             <a:endParaRPr lang="zh-CN" altLang="en-US"/>
           </a:p>
@@ -1830,7 +1830,7 @@
           <a:p>
             <a:fld id="{C9A43F4C-FF5E-49BB-8B0E-1F9E80EBBD5D}" type="datetimeFigureOut">
               <a:rPr lang="zh-CN" altLang="en-US" smtClean="0"/>
-              <a:t>2021/12/15</a:t>
+              <a:t>2022/1/5</a:t>
             </a:fld>
             <a:endParaRPr lang="zh-CN" altLang="en-US"/>
           </a:p>
@@ -1971,7 +1971,7 @@
           <a:p>
             <a:fld id="{C9A43F4C-FF5E-49BB-8B0E-1F9E80EBBD5D}" type="datetimeFigureOut">
               <a:rPr lang="zh-CN" altLang="en-US" smtClean="0"/>
-              <a:t>2021/12/15</a:t>
+              <a:t>2022/1/5</a:t>
             </a:fld>
             <a:endParaRPr lang="zh-CN" altLang="en-US"/>
           </a:p>
@@ -2084,7 +2084,7 @@
           <a:p>
             <a:fld id="{C9A43F4C-FF5E-49BB-8B0E-1F9E80EBBD5D}" type="datetimeFigureOut">
               <a:rPr lang="zh-CN" altLang="en-US" smtClean="0"/>
-              <a:t>2021/12/15</a:t>
+              <a:t>2022/1/5</a:t>
             </a:fld>
             <a:endParaRPr lang="zh-CN" altLang="en-US"/>
           </a:p>
@@ -2395,7 +2395,7 @@
           <a:p>
             <a:fld id="{C9A43F4C-FF5E-49BB-8B0E-1F9E80EBBD5D}" type="datetimeFigureOut">
               <a:rPr lang="zh-CN" altLang="en-US" smtClean="0"/>
-              <a:t>2021/12/15</a:t>
+              <a:t>2022/1/5</a:t>
             </a:fld>
             <a:endParaRPr lang="zh-CN" altLang="en-US"/>
           </a:p>
@@ -2683,7 +2683,7 @@
           <a:p>
             <a:fld id="{C9A43F4C-FF5E-49BB-8B0E-1F9E80EBBD5D}" type="datetimeFigureOut">
               <a:rPr lang="zh-CN" altLang="en-US" smtClean="0"/>
-              <a:t>2021/12/15</a:t>
+              <a:t>2022/1/5</a:t>
             </a:fld>
             <a:endParaRPr lang="zh-CN" altLang="en-US"/>
           </a:p>
@@ -2924,7 +2924,7 @@
           <a:p>
             <a:fld id="{C9A43F4C-FF5E-49BB-8B0E-1F9E80EBBD5D}" type="datetimeFigureOut">
               <a:rPr lang="zh-CN" altLang="en-US" smtClean="0"/>
-              <a:t>2021/12/15</a:t>
+              <a:t>2022/1/5</a:t>
             </a:fld>
             <a:endParaRPr lang="zh-CN" altLang="en-US"/>
           </a:p>
@@ -3454,7 +3454,7 @@
         <p:spPr>
           <a:xfrm>
             <a:off x="536260" y="777734"/>
-            <a:ext cx="8457740" cy="507831"/>
+            <a:ext cx="8457740" cy="646331"/>
           </a:xfrm>
           <a:prstGeom prst="rect">
             <a:avLst/>
@@ -3474,16 +3474,8 @@
                 </a:solidFill>
                 <a:latin typeface="Gotham Medium" pitchFamily="50" charset="0"/>
               </a:rPr>
-              <a:t>Add NVIDIA Quadro P2000 on ThinkStation P340 Tower</a:t>
-            </a:r>
-          </a:p>
-          <a:p>
-            <a:endParaRPr lang="en-US" altLang="zh-CN" sz="300" dirty="0">
-              <a:solidFill>
-                <a:schemeClr val="bg1"/>
-              </a:solidFill>
-              <a:latin typeface="Gotham Medium" pitchFamily="50" charset="0"/>
-            </a:endParaRPr>
+              <a:t>Add Windows 11 on ThinkStation P350 Tiny</a:t>
+            </a:r>
           </a:p>
           <a:p>
             <a:r>
@@ -3493,14 +3485,19 @@
                 </a:solidFill>
                 <a:latin typeface="Gotham Medium" pitchFamily="50" charset="0"/>
               </a:rPr>
-              <a:t>Add NVIDIA RTX A2000 on ThinkStation P340 Tower / P350 SFF</a:t>
-            </a:r>
-            <a:endParaRPr lang="zh-CN" altLang="en-US" sz="1200" dirty="0">
-              <a:solidFill>
-                <a:schemeClr val="bg1"/>
-              </a:solidFill>
-              <a:latin typeface="Gotham Medium" pitchFamily="50" charset="0"/>
-            </a:endParaRPr>
+              <a:t>Add NVIDIA T1000 4GB on ThinkStation P350 Tiny</a:t>
+            </a:r>
+          </a:p>
+          <a:p>
+            <a:r>
+              <a:rPr lang="en-US" altLang="zh-CN" sz="1200" dirty="0">
+                <a:solidFill>
+                  <a:schemeClr val="bg1"/>
+                </a:solidFill>
+                <a:latin typeface="Gotham Medium" pitchFamily="50" charset="0"/>
+              </a:rPr>
+              <a:t>Add NVIDIA RTX A2000 on ThinkStation P520c / P520 / P720 / P920</a:t>
+            </a:r>
           </a:p>
         </p:txBody>
       </p:sp>
@@ -3617,7 +3614,7 @@
         <p:spPr>
           <a:xfrm>
             <a:off x="534312" y="2580846"/>
-            <a:ext cx="8457740" cy="938719"/>
+            <a:ext cx="8457740" cy="523220"/>
           </a:xfrm>
           <a:prstGeom prst="rect">
             <a:avLst/>
@@ -3631,77 +3628,14 @@
           <a:lstStyle/>
           <a:p>
             <a:r>
-              <a:rPr lang="en-US" altLang="zh-CN" sz="1200" dirty="0">
+              <a:rPr lang="en-US" altLang="zh-CN" sz="1400" dirty="0">
                 <a:solidFill>
                   <a:schemeClr val="bg1"/>
                 </a:solidFill>
                 <a:latin typeface="Gotham Medium" pitchFamily="50" charset="0"/>
               </a:rPr>
-              <a:t>Add Windows 11 on ThinkPad P14s Gen 2 (Intel) / P15s Gen 2 / P15v Gen 2 / P17</a:t>
-            </a:r>
-            <a:r>
-              <a:rPr lang="zh-CN" altLang="en-US" sz="1200" dirty="0">
-                <a:solidFill>
-                  <a:schemeClr val="bg1"/>
-                </a:solidFill>
-                <a:latin typeface="Gotham Medium" pitchFamily="50" charset="0"/>
-              </a:rPr>
-              <a:t> </a:t>
-            </a:r>
-            <a:r>
-              <a:rPr lang="en-US" altLang="zh-CN" sz="1200" dirty="0">
-                <a:solidFill>
-                  <a:schemeClr val="bg1"/>
-                </a:solidFill>
-                <a:latin typeface="Gotham Medium" pitchFamily="50" charset="0"/>
-              </a:rPr>
-              <a:t>Gen</a:t>
-            </a:r>
-            <a:r>
-              <a:rPr lang="zh-CN" altLang="en-US" sz="1200" dirty="0">
-                <a:solidFill>
-                  <a:schemeClr val="bg1"/>
-                </a:solidFill>
-                <a:latin typeface="Gotham Medium" pitchFamily="50" charset="0"/>
-              </a:rPr>
-              <a:t> </a:t>
-            </a:r>
-            <a:r>
-              <a:rPr lang="en-US" altLang="zh-CN" sz="1200" dirty="0">
-                <a:solidFill>
-                  <a:schemeClr val="bg1"/>
-                </a:solidFill>
-                <a:latin typeface="Gotham Medium" pitchFamily="50" charset="0"/>
-              </a:rPr>
-              <a:t>2 / T15g Gen 2</a:t>
-            </a:r>
-          </a:p>
-          <a:p>
-            <a:endParaRPr lang="en-US" altLang="zh-CN" sz="300" dirty="0">
-              <a:solidFill>
-                <a:schemeClr val="bg1"/>
-              </a:solidFill>
-              <a:latin typeface="Gotham Medium" pitchFamily="50" charset="0"/>
-            </a:endParaRPr>
-          </a:p>
-          <a:p>
-            <a:r>
-              <a:rPr lang="en-US" altLang="zh-CN" sz="1200" dirty="0">
-                <a:solidFill>
-                  <a:schemeClr val="bg1"/>
-                </a:solidFill>
-                <a:latin typeface="Gotham Medium" pitchFamily="50" charset="0"/>
-              </a:rPr>
-              <a:t>Add Non- Onboard Ethernet information on ThinkPad P14s Gen 2 (Intel) / P15s Gen 2</a:t>
-            </a:r>
-          </a:p>
-          <a:p>
-            <a:endParaRPr lang="en-US" altLang="zh-CN" sz="1400" dirty="0">
-              <a:solidFill>
-                <a:schemeClr val="bg1"/>
-              </a:solidFill>
-              <a:latin typeface="Gotham Medium" pitchFamily="50" charset="0"/>
-            </a:endParaRPr>
+              <a:t>No major update in this release</a:t>
+            </a:r>
           </a:p>
           <a:p>
             <a:endParaRPr lang="zh-CN" altLang="en-US" sz="1400" dirty="0">
@@ -3804,7 +3738,7 @@
                 </a:solidFill>
                 <a:latin typeface="Gotham Bold" pitchFamily="50" charset="0"/>
               </a:rPr>
-              <a:t>Window 587, updated as of December 15, 2021</a:t>
+              <a:t>Window 588, updated as of January 5, 2022</a:t>
             </a:r>
             <a:endParaRPr lang="zh-CN" altLang="en-US" sz="1400" dirty="0">
               <a:solidFill>
@@ -3928,7 +3862,7 @@
         <p:spPr>
           <a:xfrm>
             <a:off x="534312" y="4535522"/>
-            <a:ext cx="7941230" cy="1200329"/>
+            <a:ext cx="7941230" cy="461665"/>
           </a:xfrm>
           <a:prstGeom prst="rect">
             <a:avLst/>
@@ -3948,58 +3882,8 @@
                 </a:solidFill>
                 <a:latin typeface="Gotham Medium" pitchFamily="50" charset="0"/>
               </a:rPr>
-              <a:t>Add Windows 11 on ThinkStation P350 Tiny</a:t>
-            </a:r>
-          </a:p>
-          <a:p>
-            <a:r>
-              <a:rPr lang="en-US" altLang="zh-CN" sz="1200" dirty="0">
-                <a:solidFill>
-                  <a:schemeClr val="bg1"/>
-                </a:solidFill>
-                <a:latin typeface="Gotham Medium" pitchFamily="50" charset="0"/>
-              </a:rPr>
-              <a:t>Add Linux (detailed information is TBD) on ThinkStation P348</a:t>
-            </a:r>
-          </a:p>
-          <a:p>
-            <a:r>
-              <a:rPr lang="en-US" altLang="zh-CN" sz="1200" dirty="0">
-                <a:solidFill>
-                  <a:schemeClr val="bg1"/>
-                </a:solidFill>
-                <a:latin typeface="Gotham Medium" pitchFamily="50" charset="0"/>
-              </a:rPr>
-              <a:t>Add NVIDIA T1000 4GB on ThinkStation P350 Tiny</a:t>
-            </a:r>
-          </a:p>
-          <a:p>
-            <a:r>
-              <a:rPr lang="en-US" altLang="zh-CN" sz="1200" dirty="0">
-                <a:solidFill>
-                  <a:schemeClr val="bg1"/>
-                </a:solidFill>
-                <a:latin typeface="Gotham Medium" pitchFamily="50" charset="0"/>
-              </a:rPr>
-              <a:t>Add NVIDIA RTX A2000 on ThinkStation P520c / P520 / P720 / P920</a:t>
-            </a:r>
-          </a:p>
-          <a:p>
-            <a:r>
-              <a:rPr lang="en-US" altLang="zh-CN" sz="1200" i="1" dirty="0">
-                <a:solidFill>
-                  <a:schemeClr val="bg1"/>
-                </a:solidFill>
-                <a:latin typeface="Gotham Medium" pitchFamily="50" charset="0"/>
-              </a:rPr>
-              <a:t>I noticed that some existing processors for ThinkStation P920 are “re-released”, I will work on this matter to determine if PSREF should be updated </a:t>
-            </a:r>
-            <a:endParaRPr lang="zh-CN" altLang="en-US" sz="1400" i="1" dirty="0">
-              <a:solidFill>
-                <a:schemeClr val="bg1"/>
-              </a:solidFill>
-              <a:latin typeface="Gotham Medium" pitchFamily="50" charset="0"/>
-            </a:endParaRPr>
+              <a:t>No major update in next release. I will work on new products including ThinkStation P360 Tiny / ThinkStation P360 Tower / ThinkStation P16s Gen 1 (Intel) / ThinkPad P14s Gen 3</a:t>
+            </a:r>
           </a:p>
         </p:txBody>
       </p:sp>

--- a/wspsref_newsletter.pptx
+++ b/wspsref_newsletter.pptx
@@ -2,7 +2,7 @@
 <file path=ppt/presentation.xml><?xml version="1.0" encoding="utf-8"?>
 <p:presentation xmlns:a="http://schemas.openxmlformats.org/drawingml/2006/main" xmlns:r="http://schemas.openxmlformats.org/officeDocument/2006/relationships" xmlns:p="http://schemas.openxmlformats.org/presentationml/2006/main" saveSubsetFonts="1">
   <p:sldMasterIdLst>
-    <p:sldMasterId id="2147483648" r:id="rId1"/>
+    <p:sldMasterId id="2147483660" r:id="rId1"/>
   </p:sldMasterIdLst>
   <p:sldIdLst>
     <p:sldId id="256" r:id="rId2"/>
@@ -11,13 +11,13 @@
     <p:sldId id="258" r:id="rId5"/>
     <p:sldId id="259" r:id="rId6"/>
   </p:sldIdLst>
-  <p:sldSz cx="12192000" cy="6858000"/>
+  <p:sldSz cx="12192000" cy="18288000"/>
   <p:notesSz cx="6858000" cy="9144000"/>
   <p:defaultTextStyle>
     <a:defPPr>
-      <a:defRPr lang="zh-CN"/>
+      <a:defRPr lang="en-US"/>
     </a:defPPr>
-    <a:lvl1pPr marL="0" algn="l" defTabSz="914400" rtl="0" eaLnBrk="1" latinLnBrk="0" hangingPunct="1">
+    <a:lvl1pPr marL="0" algn="l" defTabSz="457200" rtl="0" eaLnBrk="1" latinLnBrk="0" hangingPunct="1">
       <a:defRPr sz="1800" kern="1200">
         <a:solidFill>
           <a:schemeClr val="tx1"/>
@@ -27,7 +27,7 @@
         <a:cs typeface="+mn-cs"/>
       </a:defRPr>
     </a:lvl1pPr>
-    <a:lvl2pPr marL="457200" algn="l" defTabSz="914400" rtl="0" eaLnBrk="1" latinLnBrk="0" hangingPunct="1">
+    <a:lvl2pPr marL="457200" algn="l" defTabSz="457200" rtl="0" eaLnBrk="1" latinLnBrk="0" hangingPunct="1">
       <a:defRPr sz="1800" kern="1200">
         <a:solidFill>
           <a:schemeClr val="tx1"/>
@@ -37,7 +37,7 @@
         <a:cs typeface="+mn-cs"/>
       </a:defRPr>
     </a:lvl2pPr>
-    <a:lvl3pPr marL="914400" algn="l" defTabSz="914400" rtl="0" eaLnBrk="1" latinLnBrk="0" hangingPunct="1">
+    <a:lvl3pPr marL="914400" algn="l" defTabSz="457200" rtl="0" eaLnBrk="1" latinLnBrk="0" hangingPunct="1">
       <a:defRPr sz="1800" kern="1200">
         <a:solidFill>
           <a:schemeClr val="tx1"/>
@@ -47,7 +47,7 @@
         <a:cs typeface="+mn-cs"/>
       </a:defRPr>
     </a:lvl3pPr>
-    <a:lvl4pPr marL="1371600" algn="l" defTabSz="914400" rtl="0" eaLnBrk="1" latinLnBrk="0" hangingPunct="1">
+    <a:lvl4pPr marL="1371600" algn="l" defTabSz="457200" rtl="0" eaLnBrk="1" latinLnBrk="0" hangingPunct="1">
       <a:defRPr sz="1800" kern="1200">
         <a:solidFill>
           <a:schemeClr val="tx1"/>
@@ -57,7 +57,7 @@
         <a:cs typeface="+mn-cs"/>
       </a:defRPr>
     </a:lvl4pPr>
-    <a:lvl5pPr marL="1828800" algn="l" defTabSz="914400" rtl="0" eaLnBrk="1" latinLnBrk="0" hangingPunct="1">
+    <a:lvl5pPr marL="1828800" algn="l" defTabSz="457200" rtl="0" eaLnBrk="1" latinLnBrk="0" hangingPunct="1">
       <a:defRPr sz="1800" kern="1200">
         <a:solidFill>
           <a:schemeClr val="tx1"/>
@@ -67,7 +67,7 @@
         <a:cs typeface="+mn-cs"/>
       </a:defRPr>
     </a:lvl5pPr>
-    <a:lvl6pPr marL="2286000" algn="l" defTabSz="914400" rtl="0" eaLnBrk="1" latinLnBrk="0" hangingPunct="1">
+    <a:lvl6pPr marL="2286000" algn="l" defTabSz="457200" rtl="0" eaLnBrk="1" latinLnBrk="0" hangingPunct="1">
       <a:defRPr sz="1800" kern="1200">
         <a:solidFill>
           <a:schemeClr val="tx1"/>
@@ -77,7 +77,7 @@
         <a:cs typeface="+mn-cs"/>
       </a:defRPr>
     </a:lvl6pPr>
-    <a:lvl7pPr marL="2743200" algn="l" defTabSz="914400" rtl="0" eaLnBrk="1" latinLnBrk="0" hangingPunct="1">
+    <a:lvl7pPr marL="2743200" algn="l" defTabSz="457200" rtl="0" eaLnBrk="1" latinLnBrk="0" hangingPunct="1">
       <a:defRPr sz="1800" kern="1200">
         <a:solidFill>
           <a:schemeClr val="tx1"/>
@@ -87,7 +87,7 @@
         <a:cs typeface="+mn-cs"/>
       </a:defRPr>
     </a:lvl7pPr>
-    <a:lvl8pPr marL="3200400" algn="l" defTabSz="914400" rtl="0" eaLnBrk="1" latinLnBrk="0" hangingPunct="1">
+    <a:lvl8pPr marL="3200400" algn="l" defTabSz="457200" rtl="0" eaLnBrk="1" latinLnBrk="0" hangingPunct="1">
       <a:defRPr sz="1800" kern="1200">
         <a:solidFill>
           <a:schemeClr val="tx1"/>
@@ -97,7 +97,7 @@
         <a:cs typeface="+mn-cs"/>
       </a:defRPr>
     </a:lvl8pPr>
-    <a:lvl9pPr marL="3657600" algn="l" defTabSz="914400" rtl="0" eaLnBrk="1" latinLnBrk="0" hangingPunct="1">
+    <a:lvl9pPr marL="3657600" algn="l" defTabSz="457200" rtl="0" eaLnBrk="1" latinLnBrk="0" hangingPunct="1">
       <a:defRPr sz="1800" kern="1200">
         <a:solidFill>
           <a:schemeClr val="tx1"/>
@@ -111,7 +111,7 @@
   <p:extLst>
     <p:ext uri="{EFAFB233-063F-42B5-8137-9DF3F51BA10A}">
       <p15:sldGuideLst xmlns:p15="http://schemas.microsoft.com/office/powerpoint/2012/main">
-        <p15:guide id="1" orient="horz" pos="2160" userDrawn="1">
+        <p15:guide id="1" orient="horz" pos="5760" userDrawn="1">
           <p15:clr>
             <a:srgbClr val="A4A3A4"/>
           </p15:clr>
@@ -146,13 +146,7 @@
       </p:grpSpPr>
       <p:sp>
         <p:nvSpPr>
-          <p:cNvPr id="2" name="标题 1">
-            <a:extLst>
-              <a:ext uri="{FF2B5EF4-FFF2-40B4-BE49-F238E27FC236}">
-                <a16:creationId xmlns:a16="http://schemas.microsoft.com/office/drawing/2014/main" id="{21DCF7DC-06B0-49BC-BF00-F198EAC9A662}"/>
-              </a:ext>
-            </a:extLst>
-          </p:cNvPr>
+          <p:cNvPr id="2" name="Title 1"/>
           <p:cNvSpPr>
             <a:spLocks noGrp="1"/>
           </p:cNvSpPr>
@@ -162,15 +156,15 @@
         </p:nvSpPr>
         <p:spPr>
           <a:xfrm>
-            <a:off x="1524000" y="1122363"/>
-            <a:ext cx="9144000" cy="2387600"/>
+            <a:off x="914400" y="2992968"/>
+            <a:ext cx="10363200" cy="6366933"/>
           </a:xfrm>
         </p:spPr>
         <p:txBody>
           <a:bodyPr anchor="b"/>
           <a:lstStyle>
             <a:lvl1pPr algn="ctr">
-              <a:defRPr sz="6000"/>
+              <a:defRPr sz="8000"/>
             </a:lvl1pPr>
           </a:lstStyle>
           <a:p>
@@ -178,18 +172,13 @@
               <a:rPr lang="zh-CN" altLang="en-US"/>
               <a:t>单击此处编辑母版标题样式</a:t>
             </a:r>
-          </a:p>
-        </p:txBody>
-      </p:sp>
-      <p:sp>
-        <p:nvSpPr>
-          <p:cNvPr id="3" name="副标题 2">
-            <a:extLst>
-              <a:ext uri="{FF2B5EF4-FFF2-40B4-BE49-F238E27FC236}">
-                <a16:creationId xmlns:a16="http://schemas.microsoft.com/office/drawing/2014/main" id="{6CC3432A-38D2-463D-B2C5-DAA892BE78D3}"/>
-              </a:ext>
-            </a:extLst>
-          </p:cNvPr>
+            <a:endParaRPr lang="en-US" dirty="0"/>
+          </a:p>
+        </p:txBody>
+      </p:sp>
+      <p:sp>
+        <p:nvSpPr>
+          <p:cNvPr id="3" name="Subtitle 2"/>
           <p:cNvSpPr>
             <a:spLocks noGrp="1"/>
           </p:cNvSpPr>
@@ -199,8 +188,8 @@
         </p:nvSpPr>
         <p:spPr>
           <a:xfrm>
-            <a:off x="1524000" y="3602038"/>
-            <a:ext cx="9144000" cy="1655762"/>
+            <a:off x="1524000" y="9605435"/>
+            <a:ext cx="9144000" cy="4415365"/>
           </a:xfrm>
         </p:spPr>
         <p:txBody>
@@ -208,39 +197,39 @@
           <a:lstStyle>
             <a:lvl1pPr marL="0" indent="0" algn="ctr">
               <a:buNone/>
+              <a:defRPr sz="3200"/>
+            </a:lvl1pPr>
+            <a:lvl2pPr marL="609585" indent="0" algn="ctr">
+              <a:buNone/>
+              <a:defRPr sz="2667"/>
+            </a:lvl2pPr>
+            <a:lvl3pPr marL="1219170" indent="0" algn="ctr">
+              <a:buNone/>
               <a:defRPr sz="2400"/>
-            </a:lvl1pPr>
-            <a:lvl2pPr marL="457200" indent="0" algn="ctr">
-              <a:buNone/>
-              <a:defRPr sz="2000"/>
-            </a:lvl2pPr>
-            <a:lvl3pPr marL="914400" indent="0" algn="ctr">
-              <a:buNone/>
-              <a:defRPr sz="1800"/>
             </a:lvl3pPr>
-            <a:lvl4pPr marL="1371600" indent="0" algn="ctr">
-              <a:buNone/>
-              <a:defRPr sz="1600"/>
+            <a:lvl4pPr marL="1828754" indent="0" algn="ctr">
+              <a:buNone/>
+              <a:defRPr sz="2133"/>
             </a:lvl4pPr>
-            <a:lvl5pPr marL="1828800" indent="0" algn="ctr">
-              <a:buNone/>
-              <a:defRPr sz="1600"/>
+            <a:lvl5pPr marL="2438339" indent="0" algn="ctr">
+              <a:buNone/>
+              <a:defRPr sz="2133"/>
             </a:lvl5pPr>
-            <a:lvl6pPr marL="2286000" indent="0" algn="ctr">
-              <a:buNone/>
-              <a:defRPr sz="1600"/>
+            <a:lvl6pPr marL="3047924" indent="0" algn="ctr">
+              <a:buNone/>
+              <a:defRPr sz="2133"/>
             </a:lvl6pPr>
-            <a:lvl7pPr marL="2743200" indent="0" algn="ctr">
-              <a:buNone/>
-              <a:defRPr sz="1600"/>
+            <a:lvl7pPr marL="3657509" indent="0" algn="ctr">
+              <a:buNone/>
+              <a:defRPr sz="2133"/>
             </a:lvl7pPr>
-            <a:lvl8pPr marL="3200400" indent="0" algn="ctr">
-              <a:buNone/>
-              <a:defRPr sz="1600"/>
+            <a:lvl8pPr marL="4267093" indent="0" algn="ctr">
+              <a:buNone/>
+              <a:defRPr sz="2133"/>
             </a:lvl8pPr>
-            <a:lvl9pPr marL="3657600" indent="0" algn="ctr">
-              <a:buNone/>
-              <a:defRPr sz="1600"/>
+            <a:lvl9pPr marL="4876678" indent="0" algn="ctr">
+              <a:buNone/>
+              <a:defRPr sz="2133"/>
             </a:lvl9pPr>
           </a:lstStyle>
           <a:p>
@@ -248,18 +237,13 @@
               <a:rPr lang="zh-CN" altLang="en-US"/>
               <a:t>单击此处编辑母版副标题样式</a:t>
             </a:r>
-          </a:p>
-        </p:txBody>
-      </p:sp>
-      <p:sp>
-        <p:nvSpPr>
-          <p:cNvPr id="4" name="日期占位符 3">
-            <a:extLst>
-              <a:ext uri="{FF2B5EF4-FFF2-40B4-BE49-F238E27FC236}">
-                <a16:creationId xmlns:a16="http://schemas.microsoft.com/office/drawing/2014/main" id="{FDD5652E-4BDB-4CA5-A035-4BE6EDBDC857}"/>
-              </a:ext>
-            </a:extLst>
-          </p:cNvPr>
+            <a:endParaRPr lang="en-US" dirty="0"/>
+          </a:p>
+        </p:txBody>
+      </p:sp>
+      <p:sp>
+        <p:nvSpPr>
+          <p:cNvPr id="4" name="Date Placeholder 3"/>
           <p:cNvSpPr>
             <a:spLocks noGrp="1"/>
           </p:cNvSpPr>
@@ -274,7 +258,7 @@
           <a:p>
             <a:fld id="{C9A43F4C-FF5E-49BB-8B0E-1F9E80EBBD5D}" type="datetimeFigureOut">
               <a:rPr lang="zh-CN" altLang="en-US" smtClean="0"/>
-              <a:t>2022/1/5</a:t>
+              <a:t>2022/2/16</a:t>
             </a:fld>
             <a:endParaRPr lang="zh-CN" altLang="en-US"/>
           </a:p>
@@ -282,13 +266,7 @@
       </p:sp>
       <p:sp>
         <p:nvSpPr>
-          <p:cNvPr id="5" name="页脚占位符 4">
-            <a:extLst>
-              <a:ext uri="{FF2B5EF4-FFF2-40B4-BE49-F238E27FC236}">
-                <a16:creationId xmlns:a16="http://schemas.microsoft.com/office/drawing/2014/main" id="{5B94A253-652E-4F94-93FF-A6BFF1002B2C}"/>
-              </a:ext>
-            </a:extLst>
-          </p:cNvPr>
+          <p:cNvPr id="5" name="Footer Placeholder 4"/>
           <p:cNvSpPr>
             <a:spLocks noGrp="1"/>
           </p:cNvSpPr>
@@ -307,13 +285,7 @@
       </p:sp>
       <p:sp>
         <p:nvSpPr>
-          <p:cNvPr id="6" name="灯片编号占位符 5">
-            <a:extLst>
-              <a:ext uri="{FF2B5EF4-FFF2-40B4-BE49-F238E27FC236}">
-                <a16:creationId xmlns:a16="http://schemas.microsoft.com/office/drawing/2014/main" id="{1BB18577-3678-4BF7-A89D-F060B64C3896}"/>
-              </a:ext>
-            </a:extLst>
-          </p:cNvPr>
+          <p:cNvPr id="6" name="Slide Number Placeholder 5"/>
           <p:cNvSpPr>
             <a:spLocks noGrp="1"/>
           </p:cNvSpPr>
@@ -337,7 +309,7 @@
     </p:spTree>
     <p:extLst>
       <p:ext uri="{BB962C8B-B14F-4D97-AF65-F5344CB8AC3E}">
-        <p14:creationId xmlns:p14="http://schemas.microsoft.com/office/powerpoint/2010/main" val="3497793051"/>
+        <p14:creationId xmlns:p14="http://schemas.microsoft.com/office/powerpoint/2010/main" val="920461455"/>
       </p:ext>
     </p:extLst>
   </p:cSld>
@@ -366,13 +338,7 @@
       </p:grpSpPr>
       <p:sp>
         <p:nvSpPr>
-          <p:cNvPr id="2" name="标题 1">
-            <a:extLst>
-              <a:ext uri="{FF2B5EF4-FFF2-40B4-BE49-F238E27FC236}">
-                <a16:creationId xmlns:a16="http://schemas.microsoft.com/office/drawing/2014/main" id="{4F9A923C-5082-470F-9E61-74043F5643CA}"/>
-              </a:ext>
-            </a:extLst>
-          </p:cNvPr>
+          <p:cNvPr id="2" name="Title 1"/>
           <p:cNvSpPr>
             <a:spLocks noGrp="1"/>
           </p:cNvSpPr>
@@ -389,18 +355,13 @@
               <a:rPr lang="zh-CN" altLang="en-US"/>
               <a:t>单击此处编辑母版标题样式</a:t>
             </a:r>
-          </a:p>
-        </p:txBody>
-      </p:sp>
-      <p:sp>
-        <p:nvSpPr>
-          <p:cNvPr id="3" name="竖排文字占位符 2">
-            <a:extLst>
-              <a:ext uri="{FF2B5EF4-FFF2-40B4-BE49-F238E27FC236}">
-                <a16:creationId xmlns:a16="http://schemas.microsoft.com/office/drawing/2014/main" id="{78119FAD-5CCF-48E5-BAE5-DFFD572EA7F7}"/>
-              </a:ext>
-            </a:extLst>
-          </p:cNvPr>
+            <a:endParaRPr lang="en-US" dirty="0"/>
+          </a:p>
+        </p:txBody>
+      </p:sp>
+      <p:sp>
+        <p:nvSpPr>
+          <p:cNvPr id="3" name="Vertical Text Placeholder 2"/>
           <p:cNvSpPr>
             <a:spLocks noGrp="1"/>
           </p:cNvSpPr>
@@ -446,18 +407,13 @@
               <a:rPr lang="zh-CN" altLang="en-US"/>
               <a:t>五级</a:t>
             </a:r>
-          </a:p>
-        </p:txBody>
-      </p:sp>
-      <p:sp>
-        <p:nvSpPr>
-          <p:cNvPr id="4" name="日期占位符 3">
-            <a:extLst>
-              <a:ext uri="{FF2B5EF4-FFF2-40B4-BE49-F238E27FC236}">
-                <a16:creationId xmlns:a16="http://schemas.microsoft.com/office/drawing/2014/main" id="{A07EC5B8-6928-4AFF-AE24-AF65114879EE}"/>
-              </a:ext>
-            </a:extLst>
-          </p:cNvPr>
+            <a:endParaRPr lang="en-US" dirty="0"/>
+          </a:p>
+        </p:txBody>
+      </p:sp>
+      <p:sp>
+        <p:nvSpPr>
+          <p:cNvPr id="4" name="Date Placeholder 3"/>
           <p:cNvSpPr>
             <a:spLocks noGrp="1"/>
           </p:cNvSpPr>
@@ -472,7 +428,7 @@
           <a:p>
             <a:fld id="{C9A43F4C-FF5E-49BB-8B0E-1F9E80EBBD5D}" type="datetimeFigureOut">
               <a:rPr lang="zh-CN" altLang="en-US" smtClean="0"/>
-              <a:t>2022/1/5</a:t>
+              <a:t>2022/2/16</a:t>
             </a:fld>
             <a:endParaRPr lang="zh-CN" altLang="en-US"/>
           </a:p>
@@ -480,13 +436,7 @@
       </p:sp>
       <p:sp>
         <p:nvSpPr>
-          <p:cNvPr id="5" name="页脚占位符 4">
-            <a:extLst>
-              <a:ext uri="{FF2B5EF4-FFF2-40B4-BE49-F238E27FC236}">
-                <a16:creationId xmlns:a16="http://schemas.microsoft.com/office/drawing/2014/main" id="{1665FB0F-8DC5-4C9E-BDED-553DC03AFE72}"/>
-              </a:ext>
-            </a:extLst>
-          </p:cNvPr>
+          <p:cNvPr id="5" name="Footer Placeholder 4"/>
           <p:cNvSpPr>
             <a:spLocks noGrp="1"/>
           </p:cNvSpPr>
@@ -505,13 +455,7 @@
       </p:sp>
       <p:sp>
         <p:nvSpPr>
-          <p:cNvPr id="6" name="灯片编号占位符 5">
-            <a:extLst>
-              <a:ext uri="{FF2B5EF4-FFF2-40B4-BE49-F238E27FC236}">
-                <a16:creationId xmlns:a16="http://schemas.microsoft.com/office/drawing/2014/main" id="{27327DE6-1F24-4A37-8326-AA52664BF701}"/>
-              </a:ext>
-            </a:extLst>
-          </p:cNvPr>
+          <p:cNvPr id="6" name="Slide Number Placeholder 5"/>
           <p:cNvSpPr>
             <a:spLocks noGrp="1"/>
           </p:cNvSpPr>
@@ -535,7 +479,7 @@
     </p:spTree>
     <p:extLst>
       <p:ext uri="{BB962C8B-B14F-4D97-AF65-F5344CB8AC3E}">
-        <p14:creationId xmlns:p14="http://schemas.microsoft.com/office/powerpoint/2010/main" val="1109242602"/>
+        <p14:creationId xmlns:p14="http://schemas.microsoft.com/office/powerpoint/2010/main" val="3102860565"/>
       </p:ext>
     </p:extLst>
   </p:cSld>
@@ -564,13 +508,7 @@
       </p:grpSpPr>
       <p:sp>
         <p:nvSpPr>
-          <p:cNvPr id="2" name="竖排标题 1">
-            <a:extLst>
-              <a:ext uri="{FF2B5EF4-FFF2-40B4-BE49-F238E27FC236}">
-                <a16:creationId xmlns:a16="http://schemas.microsoft.com/office/drawing/2014/main" id="{6D6FE194-0E17-4BAE-AC74-BFF1A4A8B1B6}"/>
-              </a:ext>
-            </a:extLst>
-          </p:cNvPr>
+          <p:cNvPr id="2" name="Vertical Title 1"/>
           <p:cNvSpPr>
             <a:spLocks noGrp="1"/>
           </p:cNvSpPr>
@@ -580,8 +518,8 @@
         </p:nvSpPr>
         <p:spPr>
           <a:xfrm>
-            <a:off x="8724900" y="365125"/>
-            <a:ext cx="2628900" cy="5811838"/>
+            <a:off x="8724901" y="973667"/>
+            <a:ext cx="2628900" cy="15498235"/>
           </a:xfrm>
         </p:spPr>
         <p:txBody>
@@ -592,18 +530,13 @@
               <a:rPr lang="zh-CN" altLang="en-US"/>
               <a:t>单击此处编辑母版标题样式</a:t>
             </a:r>
-          </a:p>
-        </p:txBody>
-      </p:sp>
-      <p:sp>
-        <p:nvSpPr>
-          <p:cNvPr id="3" name="竖排文字占位符 2">
-            <a:extLst>
-              <a:ext uri="{FF2B5EF4-FFF2-40B4-BE49-F238E27FC236}">
-                <a16:creationId xmlns:a16="http://schemas.microsoft.com/office/drawing/2014/main" id="{7DF2A0A9-8F4A-41B3-83D0-9B38DB0A9706}"/>
-              </a:ext>
-            </a:extLst>
-          </p:cNvPr>
+            <a:endParaRPr lang="en-US" dirty="0"/>
+          </a:p>
+        </p:txBody>
+      </p:sp>
+      <p:sp>
+        <p:nvSpPr>
+          <p:cNvPr id="3" name="Vertical Text Placeholder 2"/>
           <p:cNvSpPr>
             <a:spLocks noGrp="1"/>
           </p:cNvSpPr>
@@ -613,8 +546,8 @@
         </p:nvSpPr>
         <p:spPr>
           <a:xfrm>
-            <a:off x="838200" y="365125"/>
-            <a:ext cx="7734300" cy="5811838"/>
+            <a:off x="838201" y="973667"/>
+            <a:ext cx="7734300" cy="15498235"/>
           </a:xfrm>
         </p:spPr>
         <p:txBody>
@@ -654,18 +587,13 @@
               <a:rPr lang="zh-CN" altLang="en-US"/>
               <a:t>五级</a:t>
             </a:r>
-          </a:p>
-        </p:txBody>
-      </p:sp>
-      <p:sp>
-        <p:nvSpPr>
-          <p:cNvPr id="4" name="日期占位符 3">
-            <a:extLst>
-              <a:ext uri="{FF2B5EF4-FFF2-40B4-BE49-F238E27FC236}">
-                <a16:creationId xmlns:a16="http://schemas.microsoft.com/office/drawing/2014/main" id="{FB5EC724-C796-4845-B1CC-FA0CD2379598}"/>
-              </a:ext>
-            </a:extLst>
-          </p:cNvPr>
+            <a:endParaRPr lang="en-US" dirty="0"/>
+          </a:p>
+        </p:txBody>
+      </p:sp>
+      <p:sp>
+        <p:nvSpPr>
+          <p:cNvPr id="4" name="Date Placeholder 3"/>
           <p:cNvSpPr>
             <a:spLocks noGrp="1"/>
           </p:cNvSpPr>
@@ -680,7 +608,7 @@
           <a:p>
             <a:fld id="{C9A43F4C-FF5E-49BB-8B0E-1F9E80EBBD5D}" type="datetimeFigureOut">
               <a:rPr lang="zh-CN" altLang="en-US" smtClean="0"/>
-              <a:t>2022/1/5</a:t>
+              <a:t>2022/2/16</a:t>
             </a:fld>
             <a:endParaRPr lang="zh-CN" altLang="en-US"/>
           </a:p>
@@ -688,13 +616,7 @@
       </p:sp>
       <p:sp>
         <p:nvSpPr>
-          <p:cNvPr id="5" name="页脚占位符 4">
-            <a:extLst>
-              <a:ext uri="{FF2B5EF4-FFF2-40B4-BE49-F238E27FC236}">
-                <a16:creationId xmlns:a16="http://schemas.microsoft.com/office/drawing/2014/main" id="{A7B7E138-439E-46D5-A929-87E3E8A4FCFD}"/>
-              </a:ext>
-            </a:extLst>
-          </p:cNvPr>
+          <p:cNvPr id="5" name="Footer Placeholder 4"/>
           <p:cNvSpPr>
             <a:spLocks noGrp="1"/>
           </p:cNvSpPr>
@@ -713,13 +635,7 @@
       </p:sp>
       <p:sp>
         <p:nvSpPr>
-          <p:cNvPr id="6" name="灯片编号占位符 5">
-            <a:extLst>
-              <a:ext uri="{FF2B5EF4-FFF2-40B4-BE49-F238E27FC236}">
-                <a16:creationId xmlns:a16="http://schemas.microsoft.com/office/drawing/2014/main" id="{8DC5A947-9ACA-4E53-B364-6E6E20E3AD60}"/>
-              </a:ext>
-            </a:extLst>
-          </p:cNvPr>
+          <p:cNvPr id="6" name="Slide Number Placeholder 5"/>
           <p:cNvSpPr>
             <a:spLocks noGrp="1"/>
           </p:cNvSpPr>
@@ -743,7 +659,7 @@
     </p:spTree>
     <p:extLst>
       <p:ext uri="{BB962C8B-B14F-4D97-AF65-F5344CB8AC3E}">
-        <p14:creationId xmlns:p14="http://schemas.microsoft.com/office/powerpoint/2010/main" val="570832401"/>
+        <p14:creationId xmlns:p14="http://schemas.microsoft.com/office/powerpoint/2010/main" val="886685937"/>
       </p:ext>
     </p:extLst>
   </p:cSld>
@@ -772,13 +688,7 @@
       </p:grpSpPr>
       <p:sp>
         <p:nvSpPr>
-          <p:cNvPr id="2" name="标题 1">
-            <a:extLst>
-              <a:ext uri="{FF2B5EF4-FFF2-40B4-BE49-F238E27FC236}">
-                <a16:creationId xmlns:a16="http://schemas.microsoft.com/office/drawing/2014/main" id="{E7EC996E-2DEC-4A7B-877D-BF42759094B4}"/>
-              </a:ext>
-            </a:extLst>
-          </p:cNvPr>
+          <p:cNvPr id="2" name="Title 1"/>
           <p:cNvSpPr>
             <a:spLocks noGrp="1"/>
           </p:cNvSpPr>
@@ -795,18 +705,13 @@
               <a:rPr lang="zh-CN" altLang="en-US"/>
               <a:t>单击此处编辑母版标题样式</a:t>
             </a:r>
-          </a:p>
-        </p:txBody>
-      </p:sp>
-      <p:sp>
-        <p:nvSpPr>
-          <p:cNvPr id="3" name="内容占位符 2">
-            <a:extLst>
-              <a:ext uri="{FF2B5EF4-FFF2-40B4-BE49-F238E27FC236}">
-                <a16:creationId xmlns:a16="http://schemas.microsoft.com/office/drawing/2014/main" id="{B854BAF3-359D-4C56-A543-FC632E03CAD9}"/>
-              </a:ext>
-            </a:extLst>
-          </p:cNvPr>
+            <a:endParaRPr lang="en-US" dirty="0"/>
+          </a:p>
+        </p:txBody>
+      </p:sp>
+      <p:sp>
+        <p:nvSpPr>
+          <p:cNvPr id="3" name="Content Placeholder 2"/>
           <p:cNvSpPr>
             <a:spLocks noGrp="1"/>
           </p:cNvSpPr>
@@ -852,18 +757,13 @@
               <a:rPr lang="zh-CN" altLang="en-US"/>
               <a:t>五级</a:t>
             </a:r>
-          </a:p>
-        </p:txBody>
-      </p:sp>
-      <p:sp>
-        <p:nvSpPr>
-          <p:cNvPr id="4" name="日期占位符 3">
-            <a:extLst>
-              <a:ext uri="{FF2B5EF4-FFF2-40B4-BE49-F238E27FC236}">
-                <a16:creationId xmlns:a16="http://schemas.microsoft.com/office/drawing/2014/main" id="{FA4EE26B-44BA-4332-9DB8-E3ADE45BCF12}"/>
-              </a:ext>
-            </a:extLst>
-          </p:cNvPr>
+            <a:endParaRPr lang="en-US" dirty="0"/>
+          </a:p>
+        </p:txBody>
+      </p:sp>
+      <p:sp>
+        <p:nvSpPr>
+          <p:cNvPr id="4" name="Date Placeholder 3"/>
           <p:cNvSpPr>
             <a:spLocks noGrp="1"/>
           </p:cNvSpPr>
@@ -878,7 +778,7 @@
           <a:p>
             <a:fld id="{C9A43F4C-FF5E-49BB-8B0E-1F9E80EBBD5D}" type="datetimeFigureOut">
               <a:rPr lang="zh-CN" altLang="en-US" smtClean="0"/>
-              <a:t>2022/1/5</a:t>
+              <a:t>2022/2/16</a:t>
             </a:fld>
             <a:endParaRPr lang="zh-CN" altLang="en-US"/>
           </a:p>
@@ -886,13 +786,7 @@
       </p:sp>
       <p:sp>
         <p:nvSpPr>
-          <p:cNvPr id="5" name="页脚占位符 4">
-            <a:extLst>
-              <a:ext uri="{FF2B5EF4-FFF2-40B4-BE49-F238E27FC236}">
-                <a16:creationId xmlns:a16="http://schemas.microsoft.com/office/drawing/2014/main" id="{EC396E0D-86B3-405F-96E6-56CBB6E988EE}"/>
-              </a:ext>
-            </a:extLst>
-          </p:cNvPr>
+          <p:cNvPr id="5" name="Footer Placeholder 4"/>
           <p:cNvSpPr>
             <a:spLocks noGrp="1"/>
           </p:cNvSpPr>
@@ -911,13 +805,7 @@
       </p:sp>
       <p:sp>
         <p:nvSpPr>
-          <p:cNvPr id="6" name="灯片编号占位符 5">
-            <a:extLst>
-              <a:ext uri="{FF2B5EF4-FFF2-40B4-BE49-F238E27FC236}">
-                <a16:creationId xmlns:a16="http://schemas.microsoft.com/office/drawing/2014/main" id="{79D4CD90-49E5-4546-9672-07EB4C3BE2E4}"/>
-              </a:ext>
-            </a:extLst>
-          </p:cNvPr>
+          <p:cNvPr id="6" name="Slide Number Placeholder 5"/>
           <p:cNvSpPr>
             <a:spLocks noGrp="1"/>
           </p:cNvSpPr>
@@ -941,7 +829,7 @@
     </p:spTree>
     <p:extLst>
       <p:ext uri="{BB962C8B-B14F-4D97-AF65-F5344CB8AC3E}">
-        <p14:creationId xmlns:p14="http://schemas.microsoft.com/office/powerpoint/2010/main" val="2046374478"/>
+        <p14:creationId xmlns:p14="http://schemas.microsoft.com/office/powerpoint/2010/main" val="802736471"/>
       </p:ext>
     </p:extLst>
   </p:cSld>
@@ -970,13 +858,7 @@
       </p:grpSpPr>
       <p:sp>
         <p:nvSpPr>
-          <p:cNvPr id="2" name="标题 1">
-            <a:extLst>
-              <a:ext uri="{FF2B5EF4-FFF2-40B4-BE49-F238E27FC236}">
-                <a16:creationId xmlns:a16="http://schemas.microsoft.com/office/drawing/2014/main" id="{7934DC64-74DE-45B9-A6FE-BE415624DC22}"/>
-              </a:ext>
-            </a:extLst>
-          </p:cNvPr>
+          <p:cNvPr id="2" name="Title 1"/>
           <p:cNvSpPr>
             <a:spLocks noGrp="1"/>
           </p:cNvSpPr>
@@ -986,15 +868,15 @@
         </p:nvSpPr>
         <p:spPr>
           <a:xfrm>
-            <a:off x="831850" y="1709738"/>
-            <a:ext cx="10515600" cy="2852737"/>
+            <a:off x="831851" y="4559305"/>
+            <a:ext cx="10515600" cy="7607299"/>
           </a:xfrm>
         </p:spPr>
         <p:txBody>
           <a:bodyPr anchor="b"/>
           <a:lstStyle>
             <a:lvl1pPr>
-              <a:defRPr sz="6000"/>
+              <a:defRPr sz="8000"/>
             </a:lvl1pPr>
           </a:lstStyle>
           <a:p>
@@ -1002,18 +884,13 @@
               <a:rPr lang="zh-CN" altLang="en-US"/>
               <a:t>单击此处编辑母版标题样式</a:t>
             </a:r>
-          </a:p>
-        </p:txBody>
-      </p:sp>
-      <p:sp>
-        <p:nvSpPr>
-          <p:cNvPr id="3" name="文本占位符 2">
-            <a:extLst>
-              <a:ext uri="{FF2B5EF4-FFF2-40B4-BE49-F238E27FC236}">
-                <a16:creationId xmlns:a16="http://schemas.microsoft.com/office/drawing/2014/main" id="{C45E3A8F-F795-4446-B644-40F1C6080414}"/>
-              </a:ext>
-            </a:extLst>
-          </p:cNvPr>
+            <a:endParaRPr lang="en-US" dirty="0"/>
+          </a:p>
+        </p:txBody>
+      </p:sp>
+      <p:sp>
+        <p:nvSpPr>
+          <p:cNvPr id="3" name="Text Placeholder 2"/>
           <p:cNvSpPr>
             <a:spLocks noGrp="1"/>
           </p:cNvSpPr>
@@ -1023,14 +900,32 @@
         </p:nvSpPr>
         <p:spPr>
           <a:xfrm>
-            <a:off x="831850" y="4589463"/>
-            <a:ext cx="10515600" cy="1500187"/>
+            <a:off x="831851" y="12238572"/>
+            <a:ext cx="10515600" cy="4000499"/>
           </a:xfrm>
         </p:spPr>
         <p:txBody>
           <a:bodyPr/>
           <a:lstStyle>
             <a:lvl1pPr marL="0" indent="0">
+              <a:buNone/>
+              <a:defRPr sz="3200">
+                <a:solidFill>
+                  <a:schemeClr val="tx1"/>
+                </a:solidFill>
+              </a:defRPr>
+            </a:lvl1pPr>
+            <a:lvl2pPr marL="609585" indent="0">
+              <a:buNone/>
+              <a:defRPr sz="2667">
+                <a:solidFill>
+                  <a:schemeClr val="tx1">
+                    <a:tint val="75000"/>
+                  </a:schemeClr>
+                </a:solidFill>
+              </a:defRPr>
+            </a:lvl2pPr>
+            <a:lvl3pPr marL="1219170" indent="0">
               <a:buNone/>
               <a:defRPr sz="2400">
                 <a:solidFill>
@@ -1039,30 +934,10 @@
                   </a:schemeClr>
                 </a:solidFill>
               </a:defRPr>
-            </a:lvl1pPr>
-            <a:lvl2pPr marL="457200" indent="0">
-              <a:buNone/>
-              <a:defRPr sz="2000">
-                <a:solidFill>
-                  <a:schemeClr val="tx1">
-                    <a:tint val="75000"/>
-                  </a:schemeClr>
-                </a:solidFill>
-              </a:defRPr>
-            </a:lvl2pPr>
-            <a:lvl3pPr marL="914400" indent="0">
-              <a:buNone/>
-              <a:defRPr sz="1800">
-                <a:solidFill>
-                  <a:schemeClr val="tx1">
-                    <a:tint val="75000"/>
-                  </a:schemeClr>
-                </a:solidFill>
-              </a:defRPr>
             </a:lvl3pPr>
-            <a:lvl4pPr marL="1371600" indent="0">
-              <a:buNone/>
-              <a:defRPr sz="1600">
+            <a:lvl4pPr marL="1828754" indent="0">
+              <a:buNone/>
+              <a:defRPr sz="2133">
                 <a:solidFill>
                   <a:schemeClr val="tx1">
                     <a:tint val="75000"/>
@@ -1070,9 +945,9 @@
                 </a:solidFill>
               </a:defRPr>
             </a:lvl4pPr>
-            <a:lvl5pPr marL="1828800" indent="0">
-              <a:buNone/>
-              <a:defRPr sz="1600">
+            <a:lvl5pPr marL="2438339" indent="0">
+              <a:buNone/>
+              <a:defRPr sz="2133">
                 <a:solidFill>
                   <a:schemeClr val="tx1">
                     <a:tint val="75000"/>
@@ -1080,9 +955,9 @@
                 </a:solidFill>
               </a:defRPr>
             </a:lvl5pPr>
-            <a:lvl6pPr marL="2286000" indent="0">
-              <a:buNone/>
-              <a:defRPr sz="1600">
+            <a:lvl6pPr marL="3047924" indent="0">
+              <a:buNone/>
+              <a:defRPr sz="2133">
                 <a:solidFill>
                   <a:schemeClr val="tx1">
                     <a:tint val="75000"/>
@@ -1090,9 +965,9 @@
                 </a:solidFill>
               </a:defRPr>
             </a:lvl6pPr>
-            <a:lvl7pPr marL="2743200" indent="0">
-              <a:buNone/>
-              <a:defRPr sz="1600">
+            <a:lvl7pPr marL="3657509" indent="0">
+              <a:buNone/>
+              <a:defRPr sz="2133">
                 <a:solidFill>
                   <a:schemeClr val="tx1">
                     <a:tint val="75000"/>
@@ -1100,9 +975,9 @@
                 </a:solidFill>
               </a:defRPr>
             </a:lvl7pPr>
-            <a:lvl8pPr marL="3200400" indent="0">
-              <a:buNone/>
-              <a:defRPr sz="1600">
+            <a:lvl8pPr marL="4267093" indent="0">
+              <a:buNone/>
+              <a:defRPr sz="2133">
                 <a:solidFill>
                   <a:schemeClr val="tx1">
                     <a:tint val="75000"/>
@@ -1110,9 +985,9 @@
                 </a:solidFill>
               </a:defRPr>
             </a:lvl8pPr>
-            <a:lvl9pPr marL="3657600" indent="0">
-              <a:buNone/>
-              <a:defRPr sz="1600">
+            <a:lvl9pPr marL="4876678" indent="0">
+              <a:buNone/>
+              <a:defRPr sz="2133">
                 <a:solidFill>
                   <a:schemeClr val="tx1">
                     <a:tint val="75000"/>
@@ -1132,13 +1007,7 @@
       </p:sp>
       <p:sp>
         <p:nvSpPr>
-          <p:cNvPr id="4" name="日期占位符 3">
-            <a:extLst>
-              <a:ext uri="{FF2B5EF4-FFF2-40B4-BE49-F238E27FC236}">
-                <a16:creationId xmlns:a16="http://schemas.microsoft.com/office/drawing/2014/main" id="{B4128FFC-E5D4-4890-8255-D9D735529017}"/>
-              </a:ext>
-            </a:extLst>
-          </p:cNvPr>
+          <p:cNvPr id="4" name="Date Placeholder 3"/>
           <p:cNvSpPr>
             <a:spLocks noGrp="1"/>
           </p:cNvSpPr>
@@ -1153,7 +1022,7 @@
           <a:p>
             <a:fld id="{C9A43F4C-FF5E-49BB-8B0E-1F9E80EBBD5D}" type="datetimeFigureOut">
               <a:rPr lang="zh-CN" altLang="en-US" smtClean="0"/>
-              <a:t>2022/1/5</a:t>
+              <a:t>2022/2/16</a:t>
             </a:fld>
             <a:endParaRPr lang="zh-CN" altLang="en-US"/>
           </a:p>
@@ -1161,13 +1030,7 @@
       </p:sp>
       <p:sp>
         <p:nvSpPr>
-          <p:cNvPr id="5" name="页脚占位符 4">
-            <a:extLst>
-              <a:ext uri="{FF2B5EF4-FFF2-40B4-BE49-F238E27FC236}">
-                <a16:creationId xmlns:a16="http://schemas.microsoft.com/office/drawing/2014/main" id="{37481EE6-F5A4-4FF9-89FE-4BF1051721E5}"/>
-              </a:ext>
-            </a:extLst>
-          </p:cNvPr>
+          <p:cNvPr id="5" name="Footer Placeholder 4"/>
           <p:cNvSpPr>
             <a:spLocks noGrp="1"/>
           </p:cNvSpPr>
@@ -1186,13 +1049,7 @@
       </p:sp>
       <p:sp>
         <p:nvSpPr>
-          <p:cNvPr id="6" name="灯片编号占位符 5">
-            <a:extLst>
-              <a:ext uri="{FF2B5EF4-FFF2-40B4-BE49-F238E27FC236}">
-                <a16:creationId xmlns:a16="http://schemas.microsoft.com/office/drawing/2014/main" id="{07CEEBE4-6DF4-4859-BA25-51AFBABA2FFC}"/>
-              </a:ext>
-            </a:extLst>
-          </p:cNvPr>
+          <p:cNvPr id="6" name="Slide Number Placeholder 5"/>
           <p:cNvSpPr>
             <a:spLocks noGrp="1"/>
           </p:cNvSpPr>
@@ -1216,7 +1073,7 @@
     </p:spTree>
     <p:extLst>
       <p:ext uri="{BB962C8B-B14F-4D97-AF65-F5344CB8AC3E}">
-        <p14:creationId xmlns:p14="http://schemas.microsoft.com/office/powerpoint/2010/main" val="520087475"/>
+        <p14:creationId xmlns:p14="http://schemas.microsoft.com/office/powerpoint/2010/main" val="1894278060"/>
       </p:ext>
     </p:extLst>
   </p:cSld>
@@ -1245,13 +1102,7 @@
       </p:grpSpPr>
       <p:sp>
         <p:nvSpPr>
-          <p:cNvPr id="2" name="标题 1">
-            <a:extLst>
-              <a:ext uri="{FF2B5EF4-FFF2-40B4-BE49-F238E27FC236}">
-                <a16:creationId xmlns:a16="http://schemas.microsoft.com/office/drawing/2014/main" id="{D3D05D1E-173A-4C36-81D2-3515724CC6A7}"/>
-              </a:ext>
-            </a:extLst>
-          </p:cNvPr>
+          <p:cNvPr id="2" name="Title 1"/>
           <p:cNvSpPr>
             <a:spLocks noGrp="1"/>
           </p:cNvSpPr>
@@ -1268,18 +1119,13 @@
               <a:rPr lang="zh-CN" altLang="en-US"/>
               <a:t>单击此处编辑母版标题样式</a:t>
             </a:r>
-          </a:p>
-        </p:txBody>
-      </p:sp>
-      <p:sp>
-        <p:nvSpPr>
-          <p:cNvPr id="3" name="内容占位符 2">
-            <a:extLst>
-              <a:ext uri="{FF2B5EF4-FFF2-40B4-BE49-F238E27FC236}">
-                <a16:creationId xmlns:a16="http://schemas.microsoft.com/office/drawing/2014/main" id="{E4B21F6C-1F28-450E-A1AD-8A8678A690D9}"/>
-              </a:ext>
-            </a:extLst>
-          </p:cNvPr>
+            <a:endParaRPr lang="en-US" dirty="0"/>
+          </a:p>
+        </p:txBody>
+      </p:sp>
+      <p:sp>
+        <p:nvSpPr>
+          <p:cNvPr id="3" name="Content Placeholder 2"/>
           <p:cNvSpPr>
             <a:spLocks noGrp="1"/>
           </p:cNvSpPr>
@@ -1289,8 +1135,8 @@
         </p:nvSpPr>
         <p:spPr>
           <a:xfrm>
-            <a:off x="838200" y="1825625"/>
-            <a:ext cx="5181600" cy="4351338"/>
+            <a:off x="838200" y="4868333"/>
+            <a:ext cx="5181600" cy="11603568"/>
           </a:xfrm>
         </p:spPr>
         <p:txBody>
@@ -1330,18 +1176,13 @@
               <a:rPr lang="zh-CN" altLang="en-US"/>
               <a:t>五级</a:t>
             </a:r>
-          </a:p>
-        </p:txBody>
-      </p:sp>
-      <p:sp>
-        <p:nvSpPr>
-          <p:cNvPr id="4" name="内容占位符 3">
-            <a:extLst>
-              <a:ext uri="{FF2B5EF4-FFF2-40B4-BE49-F238E27FC236}">
-                <a16:creationId xmlns:a16="http://schemas.microsoft.com/office/drawing/2014/main" id="{C886AE1D-40D7-4E47-993D-E3C2E85AA3AF}"/>
-              </a:ext>
-            </a:extLst>
-          </p:cNvPr>
+            <a:endParaRPr lang="en-US" dirty="0"/>
+          </a:p>
+        </p:txBody>
+      </p:sp>
+      <p:sp>
+        <p:nvSpPr>
+          <p:cNvPr id="4" name="Content Placeholder 3"/>
           <p:cNvSpPr>
             <a:spLocks noGrp="1"/>
           </p:cNvSpPr>
@@ -1351,8 +1192,8 @@
         </p:nvSpPr>
         <p:spPr>
           <a:xfrm>
-            <a:off x="6172200" y="1825625"/>
-            <a:ext cx="5181600" cy="4351338"/>
+            <a:off x="6172200" y="4868333"/>
+            <a:ext cx="5181600" cy="11603568"/>
           </a:xfrm>
         </p:spPr>
         <p:txBody>
@@ -1392,18 +1233,13 @@
               <a:rPr lang="zh-CN" altLang="en-US"/>
               <a:t>五级</a:t>
             </a:r>
-          </a:p>
-        </p:txBody>
-      </p:sp>
-      <p:sp>
-        <p:nvSpPr>
-          <p:cNvPr id="5" name="日期占位符 4">
-            <a:extLst>
-              <a:ext uri="{FF2B5EF4-FFF2-40B4-BE49-F238E27FC236}">
-                <a16:creationId xmlns:a16="http://schemas.microsoft.com/office/drawing/2014/main" id="{2DECF043-5AA6-4D49-A7DE-743E250F7E7B}"/>
-              </a:ext>
-            </a:extLst>
-          </p:cNvPr>
+            <a:endParaRPr lang="en-US" dirty="0"/>
+          </a:p>
+        </p:txBody>
+      </p:sp>
+      <p:sp>
+        <p:nvSpPr>
+          <p:cNvPr id="5" name="Date Placeholder 4"/>
           <p:cNvSpPr>
             <a:spLocks noGrp="1"/>
           </p:cNvSpPr>
@@ -1418,7 +1254,7 @@
           <a:p>
             <a:fld id="{C9A43F4C-FF5E-49BB-8B0E-1F9E80EBBD5D}" type="datetimeFigureOut">
               <a:rPr lang="zh-CN" altLang="en-US" smtClean="0"/>
-              <a:t>2022/1/5</a:t>
+              <a:t>2022/2/16</a:t>
             </a:fld>
             <a:endParaRPr lang="zh-CN" altLang="en-US"/>
           </a:p>
@@ -1426,13 +1262,7 @@
       </p:sp>
       <p:sp>
         <p:nvSpPr>
-          <p:cNvPr id="6" name="页脚占位符 5">
-            <a:extLst>
-              <a:ext uri="{FF2B5EF4-FFF2-40B4-BE49-F238E27FC236}">
-                <a16:creationId xmlns:a16="http://schemas.microsoft.com/office/drawing/2014/main" id="{F8F0BF7A-1381-472C-B69D-ED9AAEC85416}"/>
-              </a:ext>
-            </a:extLst>
-          </p:cNvPr>
+          <p:cNvPr id="6" name="Footer Placeholder 5"/>
           <p:cNvSpPr>
             <a:spLocks noGrp="1"/>
           </p:cNvSpPr>
@@ -1451,13 +1281,7 @@
       </p:sp>
       <p:sp>
         <p:nvSpPr>
-          <p:cNvPr id="7" name="灯片编号占位符 6">
-            <a:extLst>
-              <a:ext uri="{FF2B5EF4-FFF2-40B4-BE49-F238E27FC236}">
-                <a16:creationId xmlns:a16="http://schemas.microsoft.com/office/drawing/2014/main" id="{016115CE-54DC-46DE-8363-485CE2001694}"/>
-              </a:ext>
-            </a:extLst>
-          </p:cNvPr>
+          <p:cNvPr id="7" name="Slide Number Placeholder 6"/>
           <p:cNvSpPr>
             <a:spLocks noGrp="1"/>
           </p:cNvSpPr>
@@ -1481,7 +1305,7 @@
     </p:spTree>
     <p:extLst>
       <p:ext uri="{BB962C8B-B14F-4D97-AF65-F5344CB8AC3E}">
-        <p14:creationId xmlns:p14="http://schemas.microsoft.com/office/powerpoint/2010/main" val="3331954805"/>
+        <p14:creationId xmlns:p14="http://schemas.microsoft.com/office/powerpoint/2010/main" val="3152158648"/>
       </p:ext>
     </p:extLst>
   </p:cSld>
@@ -1510,13 +1334,7 @@
       </p:grpSpPr>
       <p:sp>
         <p:nvSpPr>
-          <p:cNvPr id="2" name="标题 1">
-            <a:extLst>
-              <a:ext uri="{FF2B5EF4-FFF2-40B4-BE49-F238E27FC236}">
-                <a16:creationId xmlns:a16="http://schemas.microsoft.com/office/drawing/2014/main" id="{3180D376-9867-4DC0-AB03-18250823F6E2}"/>
-              </a:ext>
-            </a:extLst>
-          </p:cNvPr>
+          <p:cNvPr id="2" name="Title 1"/>
           <p:cNvSpPr>
             <a:spLocks noGrp="1"/>
           </p:cNvSpPr>
@@ -1526,8 +1344,8 @@
         </p:nvSpPr>
         <p:spPr>
           <a:xfrm>
-            <a:off x="839788" y="365125"/>
-            <a:ext cx="10515600" cy="1325563"/>
+            <a:off x="839788" y="973671"/>
+            <a:ext cx="10515600" cy="3534835"/>
           </a:xfrm>
         </p:spPr>
         <p:txBody>
@@ -1538,18 +1356,13 @@
               <a:rPr lang="zh-CN" altLang="en-US"/>
               <a:t>单击此处编辑母版标题样式</a:t>
             </a:r>
-          </a:p>
-        </p:txBody>
-      </p:sp>
-      <p:sp>
-        <p:nvSpPr>
-          <p:cNvPr id="3" name="文本占位符 2">
-            <a:extLst>
-              <a:ext uri="{FF2B5EF4-FFF2-40B4-BE49-F238E27FC236}">
-                <a16:creationId xmlns:a16="http://schemas.microsoft.com/office/drawing/2014/main" id="{0D946026-EFB0-42D4-8405-B69DFA60F0DF}"/>
-              </a:ext>
-            </a:extLst>
-          </p:cNvPr>
+            <a:endParaRPr lang="en-US" dirty="0"/>
+          </a:p>
+        </p:txBody>
+      </p:sp>
+      <p:sp>
+        <p:nvSpPr>
+          <p:cNvPr id="3" name="Text Placeholder 2"/>
           <p:cNvSpPr>
             <a:spLocks noGrp="1"/>
           </p:cNvSpPr>
@@ -1559,8 +1372,8 @@
         </p:nvSpPr>
         <p:spPr>
           <a:xfrm>
-            <a:off x="839788" y="1681163"/>
-            <a:ext cx="5157787" cy="823912"/>
+            <a:off x="839789" y="4483101"/>
+            <a:ext cx="5157787" cy="2197099"/>
           </a:xfrm>
         </p:spPr>
         <p:txBody>
@@ -1568,39 +1381,39 @@
           <a:lstStyle>
             <a:lvl1pPr marL="0" indent="0">
               <a:buNone/>
+              <a:defRPr sz="3200" b="1"/>
+            </a:lvl1pPr>
+            <a:lvl2pPr marL="609585" indent="0">
+              <a:buNone/>
+              <a:defRPr sz="2667" b="1"/>
+            </a:lvl2pPr>
+            <a:lvl3pPr marL="1219170" indent="0">
+              <a:buNone/>
               <a:defRPr sz="2400" b="1"/>
-            </a:lvl1pPr>
-            <a:lvl2pPr marL="457200" indent="0">
-              <a:buNone/>
-              <a:defRPr sz="2000" b="1"/>
-            </a:lvl2pPr>
-            <a:lvl3pPr marL="914400" indent="0">
-              <a:buNone/>
-              <a:defRPr sz="1800" b="1"/>
             </a:lvl3pPr>
-            <a:lvl4pPr marL="1371600" indent="0">
-              <a:buNone/>
-              <a:defRPr sz="1600" b="1"/>
+            <a:lvl4pPr marL="1828754" indent="0">
+              <a:buNone/>
+              <a:defRPr sz="2133" b="1"/>
             </a:lvl4pPr>
-            <a:lvl5pPr marL="1828800" indent="0">
-              <a:buNone/>
-              <a:defRPr sz="1600" b="1"/>
+            <a:lvl5pPr marL="2438339" indent="0">
+              <a:buNone/>
+              <a:defRPr sz="2133" b="1"/>
             </a:lvl5pPr>
-            <a:lvl6pPr marL="2286000" indent="0">
-              <a:buNone/>
-              <a:defRPr sz="1600" b="1"/>
+            <a:lvl6pPr marL="3047924" indent="0">
+              <a:buNone/>
+              <a:defRPr sz="2133" b="1"/>
             </a:lvl6pPr>
-            <a:lvl7pPr marL="2743200" indent="0">
-              <a:buNone/>
-              <a:defRPr sz="1600" b="1"/>
+            <a:lvl7pPr marL="3657509" indent="0">
+              <a:buNone/>
+              <a:defRPr sz="2133" b="1"/>
             </a:lvl7pPr>
-            <a:lvl8pPr marL="3200400" indent="0">
-              <a:buNone/>
-              <a:defRPr sz="1600" b="1"/>
+            <a:lvl8pPr marL="4267093" indent="0">
+              <a:buNone/>
+              <a:defRPr sz="2133" b="1"/>
             </a:lvl8pPr>
-            <a:lvl9pPr marL="3657600" indent="0">
-              <a:buNone/>
-              <a:defRPr sz="1600" b="1"/>
+            <a:lvl9pPr marL="4876678" indent="0">
+              <a:buNone/>
+              <a:defRPr sz="2133" b="1"/>
             </a:lvl9pPr>
           </a:lstStyle>
           <a:p>
@@ -1614,13 +1427,7 @@
       </p:sp>
       <p:sp>
         <p:nvSpPr>
-          <p:cNvPr id="4" name="内容占位符 3">
-            <a:extLst>
-              <a:ext uri="{FF2B5EF4-FFF2-40B4-BE49-F238E27FC236}">
-                <a16:creationId xmlns:a16="http://schemas.microsoft.com/office/drawing/2014/main" id="{FFD7CC2C-02DC-4836-A564-18A7C1B64060}"/>
-              </a:ext>
-            </a:extLst>
-          </p:cNvPr>
+          <p:cNvPr id="4" name="Content Placeholder 3"/>
           <p:cNvSpPr>
             <a:spLocks noGrp="1"/>
           </p:cNvSpPr>
@@ -1630,8 +1437,8 @@
         </p:nvSpPr>
         <p:spPr>
           <a:xfrm>
-            <a:off x="839788" y="2505075"/>
-            <a:ext cx="5157787" cy="3684588"/>
+            <a:off x="839789" y="6680200"/>
+            <a:ext cx="5157787" cy="9825568"/>
           </a:xfrm>
         </p:spPr>
         <p:txBody>
@@ -1671,18 +1478,13 @@
               <a:rPr lang="zh-CN" altLang="en-US"/>
               <a:t>五级</a:t>
             </a:r>
-          </a:p>
-        </p:txBody>
-      </p:sp>
-      <p:sp>
-        <p:nvSpPr>
-          <p:cNvPr id="5" name="文本占位符 4">
-            <a:extLst>
-              <a:ext uri="{FF2B5EF4-FFF2-40B4-BE49-F238E27FC236}">
-                <a16:creationId xmlns:a16="http://schemas.microsoft.com/office/drawing/2014/main" id="{F2595B18-81DB-4686-87DF-DB8E1D433CE2}"/>
-              </a:ext>
-            </a:extLst>
-          </p:cNvPr>
+            <a:endParaRPr lang="en-US" dirty="0"/>
+          </a:p>
+        </p:txBody>
+      </p:sp>
+      <p:sp>
+        <p:nvSpPr>
+          <p:cNvPr id="5" name="Text Placeholder 4"/>
           <p:cNvSpPr>
             <a:spLocks noGrp="1"/>
           </p:cNvSpPr>
@@ -1692,8 +1494,8 @@
         </p:nvSpPr>
         <p:spPr>
           <a:xfrm>
-            <a:off x="6172200" y="1681163"/>
-            <a:ext cx="5183188" cy="823912"/>
+            <a:off x="6172201" y="4483101"/>
+            <a:ext cx="5183188" cy="2197099"/>
           </a:xfrm>
         </p:spPr>
         <p:txBody>
@@ -1701,39 +1503,39 @@
           <a:lstStyle>
             <a:lvl1pPr marL="0" indent="0">
               <a:buNone/>
+              <a:defRPr sz="3200" b="1"/>
+            </a:lvl1pPr>
+            <a:lvl2pPr marL="609585" indent="0">
+              <a:buNone/>
+              <a:defRPr sz="2667" b="1"/>
+            </a:lvl2pPr>
+            <a:lvl3pPr marL="1219170" indent="0">
+              <a:buNone/>
               <a:defRPr sz="2400" b="1"/>
-            </a:lvl1pPr>
-            <a:lvl2pPr marL="457200" indent="0">
-              <a:buNone/>
-              <a:defRPr sz="2000" b="1"/>
-            </a:lvl2pPr>
-            <a:lvl3pPr marL="914400" indent="0">
-              <a:buNone/>
-              <a:defRPr sz="1800" b="1"/>
             </a:lvl3pPr>
-            <a:lvl4pPr marL="1371600" indent="0">
-              <a:buNone/>
-              <a:defRPr sz="1600" b="1"/>
+            <a:lvl4pPr marL="1828754" indent="0">
+              <a:buNone/>
+              <a:defRPr sz="2133" b="1"/>
             </a:lvl4pPr>
-            <a:lvl5pPr marL="1828800" indent="0">
-              <a:buNone/>
-              <a:defRPr sz="1600" b="1"/>
+            <a:lvl5pPr marL="2438339" indent="0">
+              <a:buNone/>
+              <a:defRPr sz="2133" b="1"/>
             </a:lvl5pPr>
-            <a:lvl6pPr marL="2286000" indent="0">
-              <a:buNone/>
-              <a:defRPr sz="1600" b="1"/>
+            <a:lvl6pPr marL="3047924" indent="0">
+              <a:buNone/>
+              <a:defRPr sz="2133" b="1"/>
             </a:lvl6pPr>
-            <a:lvl7pPr marL="2743200" indent="0">
-              <a:buNone/>
-              <a:defRPr sz="1600" b="1"/>
+            <a:lvl7pPr marL="3657509" indent="0">
+              <a:buNone/>
+              <a:defRPr sz="2133" b="1"/>
             </a:lvl7pPr>
-            <a:lvl8pPr marL="3200400" indent="0">
-              <a:buNone/>
-              <a:defRPr sz="1600" b="1"/>
+            <a:lvl8pPr marL="4267093" indent="0">
+              <a:buNone/>
+              <a:defRPr sz="2133" b="1"/>
             </a:lvl8pPr>
-            <a:lvl9pPr marL="3657600" indent="0">
-              <a:buNone/>
-              <a:defRPr sz="1600" b="1"/>
+            <a:lvl9pPr marL="4876678" indent="0">
+              <a:buNone/>
+              <a:defRPr sz="2133" b="1"/>
             </a:lvl9pPr>
           </a:lstStyle>
           <a:p>
@@ -1747,13 +1549,7 @@
       </p:sp>
       <p:sp>
         <p:nvSpPr>
-          <p:cNvPr id="6" name="内容占位符 5">
-            <a:extLst>
-              <a:ext uri="{FF2B5EF4-FFF2-40B4-BE49-F238E27FC236}">
-                <a16:creationId xmlns:a16="http://schemas.microsoft.com/office/drawing/2014/main" id="{EEA4EB82-F0BD-405C-9248-93138041ED92}"/>
-              </a:ext>
-            </a:extLst>
-          </p:cNvPr>
+          <p:cNvPr id="6" name="Content Placeholder 5"/>
           <p:cNvSpPr>
             <a:spLocks noGrp="1"/>
           </p:cNvSpPr>
@@ -1763,8 +1559,8 @@
         </p:nvSpPr>
         <p:spPr>
           <a:xfrm>
-            <a:off x="6172200" y="2505075"/>
-            <a:ext cx="5183188" cy="3684588"/>
+            <a:off x="6172201" y="6680200"/>
+            <a:ext cx="5183188" cy="9825568"/>
           </a:xfrm>
         </p:spPr>
         <p:txBody>
@@ -1804,18 +1600,13 @@
               <a:rPr lang="zh-CN" altLang="en-US"/>
               <a:t>五级</a:t>
             </a:r>
-          </a:p>
-        </p:txBody>
-      </p:sp>
-      <p:sp>
-        <p:nvSpPr>
-          <p:cNvPr id="7" name="日期占位符 6">
-            <a:extLst>
-              <a:ext uri="{FF2B5EF4-FFF2-40B4-BE49-F238E27FC236}">
-                <a16:creationId xmlns:a16="http://schemas.microsoft.com/office/drawing/2014/main" id="{A9D1B893-1F8D-4815-A547-5271ACDA3A86}"/>
-              </a:ext>
-            </a:extLst>
-          </p:cNvPr>
+            <a:endParaRPr lang="en-US" dirty="0"/>
+          </a:p>
+        </p:txBody>
+      </p:sp>
+      <p:sp>
+        <p:nvSpPr>
+          <p:cNvPr id="7" name="Date Placeholder 6"/>
           <p:cNvSpPr>
             <a:spLocks noGrp="1"/>
           </p:cNvSpPr>
@@ -1830,7 +1621,7 @@
           <a:p>
             <a:fld id="{C9A43F4C-FF5E-49BB-8B0E-1F9E80EBBD5D}" type="datetimeFigureOut">
               <a:rPr lang="zh-CN" altLang="en-US" smtClean="0"/>
-              <a:t>2022/1/5</a:t>
+              <a:t>2022/2/16</a:t>
             </a:fld>
             <a:endParaRPr lang="zh-CN" altLang="en-US"/>
           </a:p>
@@ -1838,13 +1629,7 @@
       </p:sp>
       <p:sp>
         <p:nvSpPr>
-          <p:cNvPr id="8" name="页脚占位符 7">
-            <a:extLst>
-              <a:ext uri="{FF2B5EF4-FFF2-40B4-BE49-F238E27FC236}">
-                <a16:creationId xmlns:a16="http://schemas.microsoft.com/office/drawing/2014/main" id="{6783FDDE-5CE0-455C-BDC7-162C86D7A78D}"/>
-              </a:ext>
-            </a:extLst>
-          </p:cNvPr>
+          <p:cNvPr id="8" name="Footer Placeholder 7"/>
           <p:cNvSpPr>
             <a:spLocks noGrp="1"/>
           </p:cNvSpPr>
@@ -1863,13 +1648,7 @@
       </p:sp>
       <p:sp>
         <p:nvSpPr>
-          <p:cNvPr id="9" name="灯片编号占位符 8">
-            <a:extLst>
-              <a:ext uri="{FF2B5EF4-FFF2-40B4-BE49-F238E27FC236}">
-                <a16:creationId xmlns:a16="http://schemas.microsoft.com/office/drawing/2014/main" id="{878CA31B-8D30-40B1-BA15-8B72D924EF38}"/>
-              </a:ext>
-            </a:extLst>
-          </p:cNvPr>
+          <p:cNvPr id="9" name="Slide Number Placeholder 8"/>
           <p:cNvSpPr>
             <a:spLocks noGrp="1"/>
           </p:cNvSpPr>
@@ -1893,7 +1672,7 @@
     </p:spTree>
     <p:extLst>
       <p:ext uri="{BB962C8B-B14F-4D97-AF65-F5344CB8AC3E}">
-        <p14:creationId xmlns:p14="http://schemas.microsoft.com/office/powerpoint/2010/main" val="2000278840"/>
+        <p14:creationId xmlns:p14="http://schemas.microsoft.com/office/powerpoint/2010/main" val="4139846200"/>
       </p:ext>
     </p:extLst>
   </p:cSld>
@@ -1922,13 +1701,7 @@
       </p:grpSpPr>
       <p:sp>
         <p:nvSpPr>
-          <p:cNvPr id="2" name="标题 1">
-            <a:extLst>
-              <a:ext uri="{FF2B5EF4-FFF2-40B4-BE49-F238E27FC236}">
-                <a16:creationId xmlns:a16="http://schemas.microsoft.com/office/drawing/2014/main" id="{CE3852D1-C7DD-4782-BC51-BB83CB124A33}"/>
-              </a:ext>
-            </a:extLst>
-          </p:cNvPr>
+          <p:cNvPr id="2" name="Title 1"/>
           <p:cNvSpPr>
             <a:spLocks noGrp="1"/>
           </p:cNvSpPr>
@@ -1945,18 +1718,13 @@
               <a:rPr lang="zh-CN" altLang="en-US"/>
               <a:t>单击此处编辑母版标题样式</a:t>
             </a:r>
-          </a:p>
-        </p:txBody>
-      </p:sp>
-      <p:sp>
-        <p:nvSpPr>
-          <p:cNvPr id="3" name="日期占位符 2">
-            <a:extLst>
-              <a:ext uri="{FF2B5EF4-FFF2-40B4-BE49-F238E27FC236}">
-                <a16:creationId xmlns:a16="http://schemas.microsoft.com/office/drawing/2014/main" id="{9CF91BEE-DA7D-43ED-9E09-4BF779CAD755}"/>
-              </a:ext>
-            </a:extLst>
-          </p:cNvPr>
+            <a:endParaRPr lang="en-US" dirty="0"/>
+          </a:p>
+        </p:txBody>
+      </p:sp>
+      <p:sp>
+        <p:nvSpPr>
+          <p:cNvPr id="3" name="Date Placeholder 2"/>
           <p:cNvSpPr>
             <a:spLocks noGrp="1"/>
           </p:cNvSpPr>
@@ -1971,7 +1739,7 @@
           <a:p>
             <a:fld id="{C9A43F4C-FF5E-49BB-8B0E-1F9E80EBBD5D}" type="datetimeFigureOut">
               <a:rPr lang="zh-CN" altLang="en-US" smtClean="0"/>
-              <a:t>2022/1/5</a:t>
+              <a:t>2022/2/16</a:t>
             </a:fld>
             <a:endParaRPr lang="zh-CN" altLang="en-US"/>
           </a:p>
@@ -1979,13 +1747,7 @@
       </p:sp>
       <p:sp>
         <p:nvSpPr>
-          <p:cNvPr id="4" name="页脚占位符 3">
-            <a:extLst>
-              <a:ext uri="{FF2B5EF4-FFF2-40B4-BE49-F238E27FC236}">
-                <a16:creationId xmlns:a16="http://schemas.microsoft.com/office/drawing/2014/main" id="{23F3F9DC-7B32-429A-B8EA-E01611891E63}"/>
-              </a:ext>
-            </a:extLst>
-          </p:cNvPr>
+          <p:cNvPr id="4" name="Footer Placeholder 3"/>
           <p:cNvSpPr>
             <a:spLocks noGrp="1"/>
           </p:cNvSpPr>
@@ -2004,13 +1766,7 @@
       </p:sp>
       <p:sp>
         <p:nvSpPr>
-          <p:cNvPr id="5" name="灯片编号占位符 4">
-            <a:extLst>
-              <a:ext uri="{FF2B5EF4-FFF2-40B4-BE49-F238E27FC236}">
-                <a16:creationId xmlns:a16="http://schemas.microsoft.com/office/drawing/2014/main" id="{8006781E-18FB-46AD-89FF-61D78E510F09}"/>
-              </a:ext>
-            </a:extLst>
-          </p:cNvPr>
+          <p:cNvPr id="5" name="Slide Number Placeholder 4"/>
           <p:cNvSpPr>
             <a:spLocks noGrp="1"/>
           </p:cNvSpPr>
@@ -2034,7 +1790,7 @@
     </p:spTree>
     <p:extLst>
       <p:ext uri="{BB962C8B-B14F-4D97-AF65-F5344CB8AC3E}">
-        <p14:creationId xmlns:p14="http://schemas.microsoft.com/office/powerpoint/2010/main" val="508258378"/>
+        <p14:creationId xmlns:p14="http://schemas.microsoft.com/office/powerpoint/2010/main" val="831843083"/>
       </p:ext>
     </p:extLst>
   </p:cSld>
@@ -2063,13 +1819,7 @@
       </p:grpSpPr>
       <p:sp>
         <p:nvSpPr>
-          <p:cNvPr id="2" name="日期占位符 1">
-            <a:extLst>
-              <a:ext uri="{FF2B5EF4-FFF2-40B4-BE49-F238E27FC236}">
-                <a16:creationId xmlns:a16="http://schemas.microsoft.com/office/drawing/2014/main" id="{BB3F6439-C26B-4D1C-A0B8-4BC31C4EAECF}"/>
-              </a:ext>
-            </a:extLst>
-          </p:cNvPr>
+          <p:cNvPr id="2" name="Date Placeholder 1"/>
           <p:cNvSpPr>
             <a:spLocks noGrp="1"/>
           </p:cNvSpPr>
@@ -2084,7 +1834,7 @@
           <a:p>
             <a:fld id="{C9A43F4C-FF5E-49BB-8B0E-1F9E80EBBD5D}" type="datetimeFigureOut">
               <a:rPr lang="zh-CN" altLang="en-US" smtClean="0"/>
-              <a:t>2022/1/5</a:t>
+              <a:t>2022/2/16</a:t>
             </a:fld>
             <a:endParaRPr lang="zh-CN" altLang="en-US"/>
           </a:p>
@@ -2092,13 +1842,7 @@
       </p:sp>
       <p:sp>
         <p:nvSpPr>
-          <p:cNvPr id="3" name="页脚占位符 2">
-            <a:extLst>
-              <a:ext uri="{FF2B5EF4-FFF2-40B4-BE49-F238E27FC236}">
-                <a16:creationId xmlns:a16="http://schemas.microsoft.com/office/drawing/2014/main" id="{BD6D962E-C779-4C49-93A3-BAA7448AAC7B}"/>
-              </a:ext>
-            </a:extLst>
-          </p:cNvPr>
+          <p:cNvPr id="3" name="Footer Placeholder 2"/>
           <p:cNvSpPr>
             <a:spLocks noGrp="1"/>
           </p:cNvSpPr>
@@ -2117,13 +1861,7 @@
       </p:sp>
       <p:sp>
         <p:nvSpPr>
-          <p:cNvPr id="4" name="灯片编号占位符 3">
-            <a:extLst>
-              <a:ext uri="{FF2B5EF4-FFF2-40B4-BE49-F238E27FC236}">
-                <a16:creationId xmlns:a16="http://schemas.microsoft.com/office/drawing/2014/main" id="{154C3FE1-F58E-4F82-AB6D-97F68498F1E8}"/>
-              </a:ext>
-            </a:extLst>
-          </p:cNvPr>
+          <p:cNvPr id="4" name="Slide Number Placeholder 3"/>
           <p:cNvSpPr>
             <a:spLocks noGrp="1"/>
           </p:cNvSpPr>
@@ -2147,7 +1885,7 @@
     </p:spTree>
     <p:extLst>
       <p:ext uri="{BB962C8B-B14F-4D97-AF65-F5344CB8AC3E}">
-        <p14:creationId xmlns:p14="http://schemas.microsoft.com/office/powerpoint/2010/main" val="2517574505"/>
+        <p14:creationId xmlns:p14="http://schemas.microsoft.com/office/powerpoint/2010/main" val="1897843102"/>
       </p:ext>
     </p:extLst>
   </p:cSld>
@@ -2176,13 +1914,7 @@
       </p:grpSpPr>
       <p:sp>
         <p:nvSpPr>
-          <p:cNvPr id="2" name="标题 1">
-            <a:extLst>
-              <a:ext uri="{FF2B5EF4-FFF2-40B4-BE49-F238E27FC236}">
-                <a16:creationId xmlns:a16="http://schemas.microsoft.com/office/drawing/2014/main" id="{8637E6FC-6CCE-4A84-A50F-F6EC9E3DFE17}"/>
-              </a:ext>
-            </a:extLst>
-          </p:cNvPr>
+          <p:cNvPr id="2" name="Title 1"/>
           <p:cNvSpPr>
             <a:spLocks noGrp="1"/>
           </p:cNvSpPr>
@@ -2192,15 +1924,15 @@
         </p:nvSpPr>
         <p:spPr>
           <a:xfrm>
-            <a:off x="839788" y="457200"/>
-            <a:ext cx="3932237" cy="1600200"/>
+            <a:off x="839788" y="1219200"/>
+            <a:ext cx="3932237" cy="4267200"/>
           </a:xfrm>
         </p:spPr>
         <p:txBody>
           <a:bodyPr anchor="b"/>
           <a:lstStyle>
             <a:lvl1pPr>
-              <a:defRPr sz="3200"/>
+              <a:defRPr sz="4267"/>
             </a:lvl1pPr>
           </a:lstStyle>
           <a:p>
@@ -2208,18 +1940,13 @@
               <a:rPr lang="zh-CN" altLang="en-US"/>
               <a:t>单击此处编辑母版标题样式</a:t>
             </a:r>
-          </a:p>
-        </p:txBody>
-      </p:sp>
-      <p:sp>
-        <p:nvSpPr>
-          <p:cNvPr id="3" name="内容占位符 2">
-            <a:extLst>
-              <a:ext uri="{FF2B5EF4-FFF2-40B4-BE49-F238E27FC236}">
-                <a16:creationId xmlns:a16="http://schemas.microsoft.com/office/drawing/2014/main" id="{288F89C2-FF4A-4F74-88F4-D6358097B969}"/>
-              </a:ext>
-            </a:extLst>
-          </p:cNvPr>
+            <a:endParaRPr lang="en-US" dirty="0"/>
+          </a:p>
+        </p:txBody>
+      </p:sp>
+      <p:sp>
+        <p:nvSpPr>
+          <p:cNvPr id="3" name="Content Placeholder 2"/>
           <p:cNvSpPr>
             <a:spLocks noGrp="1"/>
           </p:cNvSpPr>
@@ -2229,39 +1956,39 @@
         </p:nvSpPr>
         <p:spPr>
           <a:xfrm>
-            <a:off x="5183188" y="987425"/>
-            <a:ext cx="6172200" cy="4873625"/>
+            <a:off x="5183188" y="2633138"/>
+            <a:ext cx="6172200" cy="12996333"/>
           </a:xfrm>
         </p:spPr>
         <p:txBody>
           <a:bodyPr/>
           <a:lstStyle>
             <a:lvl1pPr>
-              <a:defRPr sz="3200"/>
+              <a:defRPr sz="4267"/>
             </a:lvl1pPr>
             <a:lvl2pPr>
-              <a:defRPr sz="2800"/>
+              <a:defRPr sz="3733"/>
             </a:lvl2pPr>
             <a:lvl3pPr>
-              <a:defRPr sz="2400"/>
+              <a:defRPr sz="3200"/>
             </a:lvl3pPr>
             <a:lvl4pPr>
-              <a:defRPr sz="2000"/>
+              <a:defRPr sz="2667"/>
             </a:lvl4pPr>
             <a:lvl5pPr>
-              <a:defRPr sz="2000"/>
+              <a:defRPr sz="2667"/>
             </a:lvl5pPr>
             <a:lvl6pPr>
-              <a:defRPr sz="2000"/>
+              <a:defRPr sz="2667"/>
             </a:lvl6pPr>
             <a:lvl7pPr>
-              <a:defRPr sz="2000"/>
+              <a:defRPr sz="2667"/>
             </a:lvl7pPr>
             <a:lvl8pPr>
-              <a:defRPr sz="2000"/>
+              <a:defRPr sz="2667"/>
             </a:lvl8pPr>
             <a:lvl9pPr>
-              <a:defRPr sz="2000"/>
+              <a:defRPr sz="2667"/>
             </a:lvl9pPr>
           </a:lstStyle>
           <a:p>
@@ -2298,18 +2025,13 @@
               <a:rPr lang="zh-CN" altLang="en-US"/>
               <a:t>五级</a:t>
             </a:r>
-          </a:p>
-        </p:txBody>
-      </p:sp>
-      <p:sp>
-        <p:nvSpPr>
-          <p:cNvPr id="4" name="文本占位符 3">
-            <a:extLst>
-              <a:ext uri="{FF2B5EF4-FFF2-40B4-BE49-F238E27FC236}">
-                <a16:creationId xmlns:a16="http://schemas.microsoft.com/office/drawing/2014/main" id="{B0C84920-C938-4191-A27A-58A203EA23B5}"/>
-              </a:ext>
-            </a:extLst>
-          </p:cNvPr>
+            <a:endParaRPr lang="en-US" dirty="0"/>
+          </a:p>
+        </p:txBody>
+      </p:sp>
+      <p:sp>
+        <p:nvSpPr>
+          <p:cNvPr id="4" name="Text Placeholder 3"/>
           <p:cNvSpPr>
             <a:spLocks noGrp="1"/>
           </p:cNvSpPr>
@@ -2319,8 +2041,8 @@
         </p:nvSpPr>
         <p:spPr>
           <a:xfrm>
-            <a:off x="839788" y="2057400"/>
-            <a:ext cx="3932237" cy="3811588"/>
+            <a:off x="839788" y="5486400"/>
+            <a:ext cx="3932237" cy="10164235"/>
           </a:xfrm>
         </p:spPr>
         <p:txBody>
@@ -2328,39 +2050,39 @@
           <a:lstStyle>
             <a:lvl1pPr marL="0" indent="0">
               <a:buNone/>
+              <a:defRPr sz="2133"/>
+            </a:lvl1pPr>
+            <a:lvl2pPr marL="609585" indent="0">
+              <a:buNone/>
+              <a:defRPr sz="1867"/>
+            </a:lvl2pPr>
+            <a:lvl3pPr marL="1219170" indent="0">
+              <a:buNone/>
               <a:defRPr sz="1600"/>
-            </a:lvl1pPr>
-            <a:lvl2pPr marL="457200" indent="0">
-              <a:buNone/>
-              <a:defRPr sz="1400"/>
-            </a:lvl2pPr>
-            <a:lvl3pPr marL="914400" indent="0">
-              <a:buNone/>
-              <a:defRPr sz="1200"/>
             </a:lvl3pPr>
-            <a:lvl4pPr marL="1371600" indent="0">
-              <a:buNone/>
-              <a:defRPr sz="1000"/>
+            <a:lvl4pPr marL="1828754" indent="0">
+              <a:buNone/>
+              <a:defRPr sz="1333"/>
             </a:lvl4pPr>
-            <a:lvl5pPr marL="1828800" indent="0">
-              <a:buNone/>
-              <a:defRPr sz="1000"/>
+            <a:lvl5pPr marL="2438339" indent="0">
+              <a:buNone/>
+              <a:defRPr sz="1333"/>
             </a:lvl5pPr>
-            <a:lvl6pPr marL="2286000" indent="0">
-              <a:buNone/>
-              <a:defRPr sz="1000"/>
+            <a:lvl6pPr marL="3047924" indent="0">
+              <a:buNone/>
+              <a:defRPr sz="1333"/>
             </a:lvl6pPr>
-            <a:lvl7pPr marL="2743200" indent="0">
-              <a:buNone/>
-              <a:defRPr sz="1000"/>
+            <a:lvl7pPr marL="3657509" indent="0">
+              <a:buNone/>
+              <a:defRPr sz="1333"/>
             </a:lvl7pPr>
-            <a:lvl8pPr marL="3200400" indent="0">
-              <a:buNone/>
-              <a:defRPr sz="1000"/>
+            <a:lvl8pPr marL="4267093" indent="0">
+              <a:buNone/>
+              <a:defRPr sz="1333"/>
             </a:lvl8pPr>
-            <a:lvl9pPr marL="3657600" indent="0">
-              <a:buNone/>
-              <a:defRPr sz="1000"/>
+            <a:lvl9pPr marL="4876678" indent="0">
+              <a:buNone/>
+              <a:defRPr sz="1333"/>
             </a:lvl9pPr>
           </a:lstStyle>
           <a:p>
@@ -2374,13 +2096,7 @@
       </p:sp>
       <p:sp>
         <p:nvSpPr>
-          <p:cNvPr id="5" name="日期占位符 4">
-            <a:extLst>
-              <a:ext uri="{FF2B5EF4-FFF2-40B4-BE49-F238E27FC236}">
-                <a16:creationId xmlns:a16="http://schemas.microsoft.com/office/drawing/2014/main" id="{7404ACDB-507B-4900-A507-0E79E72CC81C}"/>
-              </a:ext>
-            </a:extLst>
-          </p:cNvPr>
+          <p:cNvPr id="5" name="Date Placeholder 4"/>
           <p:cNvSpPr>
             <a:spLocks noGrp="1"/>
           </p:cNvSpPr>
@@ -2395,7 +2111,7 @@
           <a:p>
             <a:fld id="{C9A43F4C-FF5E-49BB-8B0E-1F9E80EBBD5D}" type="datetimeFigureOut">
               <a:rPr lang="zh-CN" altLang="en-US" smtClean="0"/>
-              <a:t>2022/1/5</a:t>
+              <a:t>2022/2/16</a:t>
             </a:fld>
             <a:endParaRPr lang="zh-CN" altLang="en-US"/>
           </a:p>
@@ -2403,13 +2119,7 @@
       </p:sp>
       <p:sp>
         <p:nvSpPr>
-          <p:cNvPr id="6" name="页脚占位符 5">
-            <a:extLst>
-              <a:ext uri="{FF2B5EF4-FFF2-40B4-BE49-F238E27FC236}">
-                <a16:creationId xmlns:a16="http://schemas.microsoft.com/office/drawing/2014/main" id="{4F44F460-7A58-4174-A44D-A1C7B89526D6}"/>
-              </a:ext>
-            </a:extLst>
-          </p:cNvPr>
+          <p:cNvPr id="6" name="Footer Placeholder 5"/>
           <p:cNvSpPr>
             <a:spLocks noGrp="1"/>
           </p:cNvSpPr>
@@ -2428,13 +2138,7 @@
       </p:sp>
       <p:sp>
         <p:nvSpPr>
-          <p:cNvPr id="7" name="灯片编号占位符 6">
-            <a:extLst>
-              <a:ext uri="{FF2B5EF4-FFF2-40B4-BE49-F238E27FC236}">
-                <a16:creationId xmlns:a16="http://schemas.microsoft.com/office/drawing/2014/main" id="{999A9436-EFF4-4646-A03D-C848FB3F419E}"/>
-              </a:ext>
-            </a:extLst>
-          </p:cNvPr>
+          <p:cNvPr id="7" name="Slide Number Placeholder 6"/>
           <p:cNvSpPr>
             <a:spLocks noGrp="1"/>
           </p:cNvSpPr>
@@ -2458,7 +2162,7 @@
     </p:spTree>
     <p:extLst>
       <p:ext uri="{BB962C8B-B14F-4D97-AF65-F5344CB8AC3E}">
-        <p14:creationId xmlns:p14="http://schemas.microsoft.com/office/powerpoint/2010/main" val="2334855850"/>
+        <p14:creationId xmlns:p14="http://schemas.microsoft.com/office/powerpoint/2010/main" val="1204517701"/>
       </p:ext>
     </p:extLst>
   </p:cSld>
@@ -2487,13 +2191,7 @@
       </p:grpSpPr>
       <p:sp>
         <p:nvSpPr>
-          <p:cNvPr id="2" name="标题 1">
-            <a:extLst>
-              <a:ext uri="{FF2B5EF4-FFF2-40B4-BE49-F238E27FC236}">
-                <a16:creationId xmlns:a16="http://schemas.microsoft.com/office/drawing/2014/main" id="{DEC3F518-DD45-43F0-8CD0-2A48C3E32586}"/>
-              </a:ext>
-            </a:extLst>
-          </p:cNvPr>
+          <p:cNvPr id="2" name="Title 1"/>
           <p:cNvSpPr>
             <a:spLocks noGrp="1"/>
           </p:cNvSpPr>
@@ -2503,15 +2201,15 @@
         </p:nvSpPr>
         <p:spPr>
           <a:xfrm>
-            <a:off x="839788" y="457200"/>
-            <a:ext cx="3932237" cy="1600200"/>
+            <a:off x="839788" y="1219200"/>
+            <a:ext cx="3932237" cy="4267200"/>
           </a:xfrm>
         </p:spPr>
         <p:txBody>
           <a:bodyPr anchor="b"/>
           <a:lstStyle>
             <a:lvl1pPr>
-              <a:defRPr sz="3200"/>
+              <a:defRPr sz="4267"/>
             </a:lvl1pPr>
           </a:lstStyle>
           <a:p>
@@ -2519,20 +2217,15 @@
               <a:rPr lang="zh-CN" altLang="en-US"/>
               <a:t>单击此处编辑母版标题样式</a:t>
             </a:r>
-          </a:p>
-        </p:txBody>
-      </p:sp>
-      <p:sp>
-        <p:nvSpPr>
-          <p:cNvPr id="3" name="图片占位符 2">
-            <a:extLst>
-              <a:ext uri="{FF2B5EF4-FFF2-40B4-BE49-F238E27FC236}">
-                <a16:creationId xmlns:a16="http://schemas.microsoft.com/office/drawing/2014/main" id="{E80CCAD8-89B0-42AE-A9A8-D06F2F922032}"/>
-              </a:ext>
-            </a:extLst>
-          </p:cNvPr>
-          <p:cNvSpPr>
-            <a:spLocks noGrp="1"/>
+            <a:endParaRPr lang="en-US" dirty="0"/>
+          </a:p>
+        </p:txBody>
+      </p:sp>
+      <p:sp>
+        <p:nvSpPr>
+          <p:cNvPr id="3" name="Picture Placeholder 2"/>
+          <p:cNvSpPr>
+            <a:spLocks noGrp="1" noChangeAspect="1"/>
           </p:cNvSpPr>
           <p:nvPr>
             <p:ph type="pic" idx="1"/>
@@ -2540,8 +2233,73 @@
         </p:nvSpPr>
         <p:spPr>
           <a:xfrm>
-            <a:off x="5183188" y="987425"/>
-            <a:ext cx="6172200" cy="4873625"/>
+            <a:off x="5183188" y="2633138"/>
+            <a:ext cx="6172200" cy="12996333"/>
+          </a:xfrm>
+        </p:spPr>
+        <p:txBody>
+          <a:bodyPr anchor="t"/>
+          <a:lstStyle>
+            <a:lvl1pPr marL="0" indent="0">
+              <a:buNone/>
+              <a:defRPr sz="4267"/>
+            </a:lvl1pPr>
+            <a:lvl2pPr marL="609585" indent="0">
+              <a:buNone/>
+              <a:defRPr sz="3733"/>
+            </a:lvl2pPr>
+            <a:lvl3pPr marL="1219170" indent="0">
+              <a:buNone/>
+              <a:defRPr sz="3200"/>
+            </a:lvl3pPr>
+            <a:lvl4pPr marL="1828754" indent="0">
+              <a:buNone/>
+              <a:defRPr sz="2667"/>
+            </a:lvl4pPr>
+            <a:lvl5pPr marL="2438339" indent="0">
+              <a:buNone/>
+              <a:defRPr sz="2667"/>
+            </a:lvl5pPr>
+            <a:lvl6pPr marL="3047924" indent="0">
+              <a:buNone/>
+              <a:defRPr sz="2667"/>
+            </a:lvl6pPr>
+            <a:lvl7pPr marL="3657509" indent="0">
+              <a:buNone/>
+              <a:defRPr sz="2667"/>
+            </a:lvl7pPr>
+            <a:lvl8pPr marL="4267093" indent="0">
+              <a:buNone/>
+              <a:defRPr sz="2667"/>
+            </a:lvl8pPr>
+            <a:lvl9pPr marL="4876678" indent="0">
+              <a:buNone/>
+              <a:defRPr sz="2667"/>
+            </a:lvl9pPr>
+          </a:lstStyle>
+          <a:p>
+            <a:r>
+              <a:rPr lang="zh-CN" altLang="en-US"/>
+              <a:t>单击图标添加图片</a:t>
+            </a:r>
+            <a:endParaRPr lang="en-US" dirty="0"/>
+          </a:p>
+        </p:txBody>
+      </p:sp>
+      <p:sp>
+        <p:nvSpPr>
+          <p:cNvPr id="4" name="Text Placeholder 3"/>
+          <p:cNvSpPr>
+            <a:spLocks noGrp="1"/>
+          </p:cNvSpPr>
+          <p:nvPr>
+            <p:ph type="body" sz="half" idx="2"/>
+          </p:nvPr>
+        </p:nvSpPr>
+        <p:spPr>
+          <a:xfrm>
+            <a:off x="839788" y="5486400"/>
+            <a:ext cx="3932237" cy="10164235"/>
           </a:xfrm>
         </p:spPr>
         <p:txBody>
@@ -2549,109 +2307,42 @@
           <a:lstStyle>
             <a:lvl1pPr marL="0" indent="0">
               <a:buNone/>
-              <a:defRPr sz="3200"/>
+              <a:defRPr sz="2133"/>
             </a:lvl1pPr>
-            <a:lvl2pPr marL="457200" indent="0">
-              <a:buNone/>
-              <a:defRPr sz="2800"/>
+            <a:lvl2pPr marL="609585" indent="0">
+              <a:buNone/>
+              <a:defRPr sz="1867"/>
             </a:lvl2pPr>
-            <a:lvl3pPr marL="914400" indent="0">
-              <a:buNone/>
-              <a:defRPr sz="2400"/>
+            <a:lvl3pPr marL="1219170" indent="0">
+              <a:buNone/>
+              <a:defRPr sz="1600"/>
             </a:lvl3pPr>
-            <a:lvl4pPr marL="1371600" indent="0">
-              <a:buNone/>
-              <a:defRPr sz="2000"/>
+            <a:lvl4pPr marL="1828754" indent="0">
+              <a:buNone/>
+              <a:defRPr sz="1333"/>
             </a:lvl4pPr>
-            <a:lvl5pPr marL="1828800" indent="0">
-              <a:buNone/>
-              <a:defRPr sz="2000"/>
+            <a:lvl5pPr marL="2438339" indent="0">
+              <a:buNone/>
+              <a:defRPr sz="1333"/>
             </a:lvl5pPr>
-            <a:lvl6pPr marL="2286000" indent="0">
-              <a:buNone/>
-              <a:defRPr sz="2000"/>
+            <a:lvl6pPr marL="3047924" indent="0">
+              <a:buNone/>
+              <a:defRPr sz="1333"/>
             </a:lvl6pPr>
-            <a:lvl7pPr marL="2743200" indent="0">
-              <a:buNone/>
-              <a:defRPr sz="2000"/>
+            <a:lvl7pPr marL="3657509" indent="0">
+              <a:buNone/>
+              <a:defRPr sz="1333"/>
             </a:lvl7pPr>
-            <a:lvl8pPr marL="3200400" indent="0">
-              <a:buNone/>
-              <a:defRPr sz="2000"/>
+            <a:lvl8pPr marL="4267093" indent="0">
+              <a:buNone/>
+              <a:defRPr sz="1333"/>
             </a:lvl8pPr>
-            <a:lvl9pPr marL="3657600" indent="0">
-              <a:buNone/>
-              <a:defRPr sz="2000"/>
+            <a:lvl9pPr marL="4876678" indent="0">
+              <a:buNone/>
+              <a:defRPr sz="1333"/>
             </a:lvl9pPr>
           </a:lstStyle>
           <a:p>
-            <a:endParaRPr lang="zh-CN" altLang="en-US"/>
-          </a:p>
-        </p:txBody>
-      </p:sp>
-      <p:sp>
-        <p:nvSpPr>
-          <p:cNvPr id="4" name="文本占位符 3">
-            <a:extLst>
-              <a:ext uri="{FF2B5EF4-FFF2-40B4-BE49-F238E27FC236}">
-                <a16:creationId xmlns:a16="http://schemas.microsoft.com/office/drawing/2014/main" id="{6BEDDD17-D8C5-4A82-B7E9-330E49333C7A}"/>
-              </a:ext>
-            </a:extLst>
-          </p:cNvPr>
-          <p:cNvSpPr>
-            <a:spLocks noGrp="1"/>
-          </p:cNvSpPr>
-          <p:nvPr>
-            <p:ph type="body" sz="half" idx="2"/>
-          </p:nvPr>
-        </p:nvSpPr>
-        <p:spPr>
-          <a:xfrm>
-            <a:off x="839788" y="2057400"/>
-            <a:ext cx="3932237" cy="3811588"/>
-          </a:xfrm>
-        </p:spPr>
-        <p:txBody>
-          <a:bodyPr/>
-          <a:lstStyle>
-            <a:lvl1pPr marL="0" indent="0">
-              <a:buNone/>
-              <a:defRPr sz="1600"/>
-            </a:lvl1pPr>
-            <a:lvl2pPr marL="457200" indent="0">
-              <a:buNone/>
-              <a:defRPr sz="1400"/>
-            </a:lvl2pPr>
-            <a:lvl3pPr marL="914400" indent="0">
-              <a:buNone/>
-              <a:defRPr sz="1200"/>
-            </a:lvl3pPr>
-            <a:lvl4pPr marL="1371600" indent="0">
-              <a:buNone/>
-              <a:defRPr sz="1000"/>
-            </a:lvl4pPr>
-            <a:lvl5pPr marL="1828800" indent="0">
-              <a:buNone/>
-              <a:defRPr sz="1000"/>
-            </a:lvl5pPr>
-            <a:lvl6pPr marL="2286000" indent="0">
-              <a:buNone/>
-              <a:defRPr sz="1000"/>
-            </a:lvl6pPr>
-            <a:lvl7pPr marL="2743200" indent="0">
-              <a:buNone/>
-              <a:defRPr sz="1000"/>
-            </a:lvl7pPr>
-            <a:lvl8pPr marL="3200400" indent="0">
-              <a:buNone/>
-              <a:defRPr sz="1000"/>
-            </a:lvl8pPr>
-            <a:lvl9pPr marL="3657600" indent="0">
-              <a:buNone/>
-              <a:defRPr sz="1000"/>
-            </a:lvl9pPr>
-          </a:lstStyle>
-          <a:p>
             <a:pPr lvl="0"/>
             <a:r>
               <a:rPr lang="zh-CN" altLang="en-US"/>
@@ -2662,13 +2353,7 @@
       </p:sp>
       <p:sp>
         <p:nvSpPr>
-          <p:cNvPr id="5" name="日期占位符 4">
-            <a:extLst>
-              <a:ext uri="{FF2B5EF4-FFF2-40B4-BE49-F238E27FC236}">
-                <a16:creationId xmlns:a16="http://schemas.microsoft.com/office/drawing/2014/main" id="{691D9E49-9484-419B-AA2C-AAC544CC1CFC}"/>
-              </a:ext>
-            </a:extLst>
-          </p:cNvPr>
+          <p:cNvPr id="5" name="Date Placeholder 4"/>
           <p:cNvSpPr>
             <a:spLocks noGrp="1"/>
           </p:cNvSpPr>
@@ -2683,7 +2368,7 @@
           <a:p>
             <a:fld id="{C9A43F4C-FF5E-49BB-8B0E-1F9E80EBBD5D}" type="datetimeFigureOut">
               <a:rPr lang="zh-CN" altLang="en-US" smtClean="0"/>
-              <a:t>2022/1/5</a:t>
+              <a:t>2022/2/16</a:t>
             </a:fld>
             <a:endParaRPr lang="zh-CN" altLang="en-US"/>
           </a:p>
@@ -2691,13 +2376,7 @@
       </p:sp>
       <p:sp>
         <p:nvSpPr>
-          <p:cNvPr id="6" name="页脚占位符 5">
-            <a:extLst>
-              <a:ext uri="{FF2B5EF4-FFF2-40B4-BE49-F238E27FC236}">
-                <a16:creationId xmlns:a16="http://schemas.microsoft.com/office/drawing/2014/main" id="{FAEBD497-2A7B-4941-9430-72ED759EE434}"/>
-              </a:ext>
-            </a:extLst>
-          </p:cNvPr>
+          <p:cNvPr id="6" name="Footer Placeholder 5"/>
           <p:cNvSpPr>
             <a:spLocks noGrp="1"/>
           </p:cNvSpPr>
@@ -2716,13 +2395,7 @@
       </p:sp>
       <p:sp>
         <p:nvSpPr>
-          <p:cNvPr id="7" name="灯片编号占位符 6">
-            <a:extLst>
-              <a:ext uri="{FF2B5EF4-FFF2-40B4-BE49-F238E27FC236}">
-                <a16:creationId xmlns:a16="http://schemas.microsoft.com/office/drawing/2014/main" id="{BB87A1EE-48B6-4FAF-A608-C6B45432F0E9}"/>
-              </a:ext>
-            </a:extLst>
-          </p:cNvPr>
+          <p:cNvPr id="7" name="Slide Number Placeholder 6"/>
           <p:cNvSpPr>
             <a:spLocks noGrp="1"/>
           </p:cNvSpPr>
@@ -2746,7 +2419,7 @@
     </p:spTree>
     <p:extLst>
       <p:ext uri="{BB962C8B-B14F-4D97-AF65-F5344CB8AC3E}">
-        <p14:creationId xmlns:p14="http://schemas.microsoft.com/office/powerpoint/2010/main" val="3764525605"/>
+        <p14:creationId xmlns:p14="http://schemas.microsoft.com/office/powerpoint/2010/main" val="3254021331"/>
       </p:ext>
     </p:extLst>
   </p:cSld>
@@ -2780,13 +2453,7 @@
       </p:grpSpPr>
       <p:sp>
         <p:nvSpPr>
-          <p:cNvPr id="2" name="标题占位符 1">
-            <a:extLst>
-              <a:ext uri="{FF2B5EF4-FFF2-40B4-BE49-F238E27FC236}">
-                <a16:creationId xmlns:a16="http://schemas.microsoft.com/office/drawing/2014/main" id="{AACE010F-1B36-46E3-8861-AF0482A007CE}"/>
-              </a:ext>
-            </a:extLst>
-          </p:cNvPr>
+          <p:cNvPr id="2" name="Title Placeholder 1"/>
           <p:cNvSpPr>
             <a:spLocks noGrp="1"/>
           </p:cNvSpPr>
@@ -2796,8 +2463,8 @@
         </p:nvSpPr>
         <p:spPr>
           <a:xfrm>
-            <a:off x="838200" y="365125"/>
-            <a:ext cx="10515600" cy="1325563"/>
+            <a:off x="838200" y="973671"/>
+            <a:ext cx="10515600" cy="3534835"/>
           </a:xfrm>
           <a:prstGeom prst="rect">
             <a:avLst/>
@@ -2813,18 +2480,13 @@
               <a:rPr lang="zh-CN" altLang="en-US"/>
               <a:t>单击此处编辑母版标题样式</a:t>
             </a:r>
-          </a:p>
-        </p:txBody>
-      </p:sp>
-      <p:sp>
-        <p:nvSpPr>
-          <p:cNvPr id="3" name="文本占位符 2">
-            <a:extLst>
-              <a:ext uri="{FF2B5EF4-FFF2-40B4-BE49-F238E27FC236}">
-                <a16:creationId xmlns:a16="http://schemas.microsoft.com/office/drawing/2014/main" id="{37ED3957-5BB1-4B76-B823-31268FAA22F9}"/>
-              </a:ext>
-            </a:extLst>
-          </p:cNvPr>
+            <a:endParaRPr lang="en-US" dirty="0"/>
+          </a:p>
+        </p:txBody>
+      </p:sp>
+      <p:sp>
+        <p:nvSpPr>
+          <p:cNvPr id="3" name="Text Placeholder 2"/>
           <p:cNvSpPr>
             <a:spLocks noGrp="1"/>
           </p:cNvSpPr>
@@ -2834,8 +2496,8 @@
         </p:nvSpPr>
         <p:spPr>
           <a:xfrm>
-            <a:off x="838200" y="1825625"/>
-            <a:ext cx="10515600" cy="4351338"/>
+            <a:off x="838200" y="4868333"/>
+            <a:ext cx="10515600" cy="11603568"/>
           </a:xfrm>
           <a:prstGeom prst="rect">
             <a:avLst/>
@@ -2880,18 +2542,13 @@
               <a:rPr lang="zh-CN" altLang="en-US"/>
               <a:t>五级</a:t>
             </a:r>
-          </a:p>
-        </p:txBody>
-      </p:sp>
-      <p:sp>
-        <p:nvSpPr>
-          <p:cNvPr id="4" name="日期占位符 3">
-            <a:extLst>
-              <a:ext uri="{FF2B5EF4-FFF2-40B4-BE49-F238E27FC236}">
-                <a16:creationId xmlns:a16="http://schemas.microsoft.com/office/drawing/2014/main" id="{A96620D0-D4F5-4DFA-B1A1-31B9D839FA81}"/>
-              </a:ext>
-            </a:extLst>
-          </p:cNvPr>
+            <a:endParaRPr lang="en-US" dirty="0"/>
+          </a:p>
+        </p:txBody>
+      </p:sp>
+      <p:sp>
+        <p:nvSpPr>
+          <p:cNvPr id="4" name="Date Placeholder 3"/>
           <p:cNvSpPr>
             <a:spLocks noGrp="1"/>
           </p:cNvSpPr>
@@ -2901,8 +2558,8 @@
         </p:nvSpPr>
         <p:spPr>
           <a:xfrm>
-            <a:off x="838200" y="6356350"/>
-            <a:ext cx="2743200" cy="365125"/>
+            <a:off x="838200" y="16950271"/>
+            <a:ext cx="2743200" cy="973667"/>
           </a:xfrm>
           <a:prstGeom prst="rect">
             <a:avLst/>
@@ -2912,7 +2569,7 @@
           <a:bodyPr vert="horz" lIns="91440" tIns="45720" rIns="91440" bIns="45720" rtlCol="0" anchor="ctr"/>
           <a:lstStyle>
             <a:lvl1pPr algn="l">
-              <a:defRPr sz="1200">
+              <a:defRPr sz="1600">
                 <a:solidFill>
                   <a:schemeClr val="tx1">
                     <a:tint val="75000"/>
@@ -2924,7 +2581,7 @@
           <a:p>
             <a:fld id="{C9A43F4C-FF5E-49BB-8B0E-1F9E80EBBD5D}" type="datetimeFigureOut">
               <a:rPr lang="zh-CN" altLang="en-US" smtClean="0"/>
-              <a:t>2022/1/5</a:t>
+              <a:t>2022/2/16</a:t>
             </a:fld>
             <a:endParaRPr lang="zh-CN" altLang="en-US"/>
           </a:p>
@@ -2932,13 +2589,7 @@
       </p:sp>
       <p:sp>
         <p:nvSpPr>
-          <p:cNvPr id="5" name="页脚占位符 4">
-            <a:extLst>
-              <a:ext uri="{FF2B5EF4-FFF2-40B4-BE49-F238E27FC236}">
-                <a16:creationId xmlns:a16="http://schemas.microsoft.com/office/drawing/2014/main" id="{8244D1C8-4C1D-4B5F-A1D0-C031C65E522E}"/>
-              </a:ext>
-            </a:extLst>
-          </p:cNvPr>
+          <p:cNvPr id="5" name="Footer Placeholder 4"/>
           <p:cNvSpPr>
             <a:spLocks noGrp="1"/>
           </p:cNvSpPr>
@@ -2948,8 +2599,8 @@
         </p:nvSpPr>
         <p:spPr>
           <a:xfrm>
-            <a:off x="4038600" y="6356350"/>
-            <a:ext cx="4114800" cy="365125"/>
+            <a:off x="4038600" y="16950271"/>
+            <a:ext cx="4114800" cy="973667"/>
           </a:xfrm>
           <a:prstGeom prst="rect">
             <a:avLst/>
@@ -2959,7 +2610,7 @@
           <a:bodyPr vert="horz" lIns="91440" tIns="45720" rIns="91440" bIns="45720" rtlCol="0" anchor="ctr"/>
           <a:lstStyle>
             <a:lvl1pPr algn="ctr">
-              <a:defRPr sz="1200">
+              <a:defRPr sz="1600">
                 <a:solidFill>
                   <a:schemeClr val="tx1">
                     <a:tint val="75000"/>
@@ -2975,13 +2626,7 @@
       </p:sp>
       <p:sp>
         <p:nvSpPr>
-          <p:cNvPr id="6" name="灯片编号占位符 5">
-            <a:extLst>
-              <a:ext uri="{FF2B5EF4-FFF2-40B4-BE49-F238E27FC236}">
-                <a16:creationId xmlns:a16="http://schemas.microsoft.com/office/drawing/2014/main" id="{A6B84CCF-AC40-4608-AA56-4C01B4E8DB9B}"/>
-              </a:ext>
-            </a:extLst>
-          </p:cNvPr>
+          <p:cNvPr id="6" name="Slide Number Placeholder 5"/>
           <p:cNvSpPr>
             <a:spLocks noGrp="1"/>
           </p:cNvSpPr>
@@ -2991,8 +2636,8 @@
         </p:nvSpPr>
         <p:spPr>
           <a:xfrm>
-            <a:off x="8610600" y="6356350"/>
-            <a:ext cx="2743200" cy="365125"/>
+            <a:off x="8610600" y="16950271"/>
+            <a:ext cx="2743200" cy="973667"/>
           </a:xfrm>
           <a:prstGeom prst="rect">
             <a:avLst/>
@@ -3002,7 +2647,7 @@
           <a:bodyPr vert="horz" lIns="91440" tIns="45720" rIns="91440" bIns="45720" rtlCol="0" anchor="ctr"/>
           <a:lstStyle>
             <a:lvl1pPr algn="r">
-              <a:defRPr sz="1200">
+              <a:defRPr sz="1600">
                 <a:solidFill>
                   <a:schemeClr val="tx1">
                     <a:tint val="75000"/>
@@ -3023,27 +2668,27 @@
     </p:spTree>
     <p:extLst>
       <p:ext uri="{BB962C8B-B14F-4D97-AF65-F5344CB8AC3E}">
-        <p14:creationId xmlns:p14="http://schemas.microsoft.com/office/powerpoint/2010/main" val="3320177963"/>
+        <p14:creationId xmlns:p14="http://schemas.microsoft.com/office/powerpoint/2010/main" val="2236103049"/>
       </p:ext>
     </p:extLst>
   </p:cSld>
   <p:clrMap bg1="lt1" tx1="dk1" bg2="lt2" tx2="dk2" accent1="accent1" accent2="accent2" accent3="accent3" accent4="accent4" accent5="accent5" accent6="accent6" hlink="hlink" folHlink="folHlink"/>
   <p:sldLayoutIdLst>
-    <p:sldLayoutId id="2147483649" r:id="rId1"/>
-    <p:sldLayoutId id="2147483650" r:id="rId2"/>
-    <p:sldLayoutId id="2147483651" r:id="rId3"/>
-    <p:sldLayoutId id="2147483652" r:id="rId4"/>
-    <p:sldLayoutId id="2147483653" r:id="rId5"/>
-    <p:sldLayoutId id="2147483654" r:id="rId6"/>
-    <p:sldLayoutId id="2147483655" r:id="rId7"/>
-    <p:sldLayoutId id="2147483656" r:id="rId8"/>
-    <p:sldLayoutId id="2147483657" r:id="rId9"/>
-    <p:sldLayoutId id="2147483658" r:id="rId10"/>
-    <p:sldLayoutId id="2147483659" r:id="rId11"/>
+    <p:sldLayoutId id="2147483661" r:id="rId1"/>
+    <p:sldLayoutId id="2147483662" r:id="rId2"/>
+    <p:sldLayoutId id="2147483663" r:id="rId3"/>
+    <p:sldLayoutId id="2147483664" r:id="rId4"/>
+    <p:sldLayoutId id="2147483665" r:id="rId5"/>
+    <p:sldLayoutId id="2147483666" r:id="rId6"/>
+    <p:sldLayoutId id="2147483667" r:id="rId7"/>
+    <p:sldLayoutId id="2147483668" r:id="rId8"/>
+    <p:sldLayoutId id="2147483669" r:id="rId9"/>
+    <p:sldLayoutId id="2147483670" r:id="rId10"/>
+    <p:sldLayoutId id="2147483671" r:id="rId11"/>
   </p:sldLayoutIdLst>
   <p:txStyles>
     <p:titleStyle>
-      <a:lvl1pPr algn="l" defTabSz="914400" rtl="0" eaLnBrk="1" latinLnBrk="0" hangingPunct="1">
+      <a:lvl1pPr algn="l" defTabSz="1219170" rtl="0" eaLnBrk="1" latinLnBrk="0" hangingPunct="1">
         <a:lnSpc>
           <a:spcPct val="90000"/>
         </a:lnSpc>
@@ -3051,7 +2696,7 @@
           <a:spcPct val="0"/>
         </a:spcBef>
         <a:buNone/>
-        <a:defRPr sz="4400" kern="1200">
+        <a:defRPr sz="5867" kern="1200">
           <a:solidFill>
             <a:schemeClr val="tx1"/>
           </a:solidFill>
@@ -3062,16 +2707,16 @@
       </a:lvl1pPr>
     </p:titleStyle>
     <p:bodyStyle>
-      <a:lvl1pPr marL="228600" indent="-228600" algn="l" defTabSz="914400" rtl="0" eaLnBrk="1" latinLnBrk="0" hangingPunct="1">
+      <a:lvl1pPr marL="304792" indent="-304792" algn="l" defTabSz="1219170" rtl="0" eaLnBrk="1" latinLnBrk="0" hangingPunct="1">
         <a:lnSpc>
           <a:spcPct val="90000"/>
         </a:lnSpc>
         <a:spcBef>
-          <a:spcPts val="1000"/>
+          <a:spcPts val="1333"/>
         </a:spcBef>
         <a:buFont typeface="Arial" panose="020B0604020202020204" pitchFamily="34" charset="0"/>
         <a:buChar char="•"/>
-        <a:defRPr sz="2800" kern="1200">
+        <a:defRPr sz="3733" kern="1200">
           <a:solidFill>
             <a:schemeClr val="tx1"/>
           </a:solidFill>
@@ -3080,12 +2725,48 @@
           <a:cs typeface="+mn-cs"/>
         </a:defRPr>
       </a:lvl1pPr>
-      <a:lvl2pPr marL="685800" indent="-228600" algn="l" defTabSz="914400" rtl="0" eaLnBrk="1" latinLnBrk="0" hangingPunct="1">
+      <a:lvl2pPr marL="914377" indent="-304792" algn="l" defTabSz="1219170" rtl="0" eaLnBrk="1" latinLnBrk="0" hangingPunct="1">
         <a:lnSpc>
           <a:spcPct val="90000"/>
         </a:lnSpc>
         <a:spcBef>
-          <a:spcPts val="500"/>
+          <a:spcPts val="667"/>
+        </a:spcBef>
+        <a:buFont typeface="Arial" panose="020B0604020202020204" pitchFamily="34" charset="0"/>
+        <a:buChar char="•"/>
+        <a:defRPr sz="3200" kern="1200">
+          <a:solidFill>
+            <a:schemeClr val="tx1"/>
+          </a:solidFill>
+          <a:latin typeface="+mn-lt"/>
+          <a:ea typeface="+mn-ea"/>
+          <a:cs typeface="+mn-cs"/>
+        </a:defRPr>
+      </a:lvl2pPr>
+      <a:lvl3pPr marL="1523962" indent="-304792" algn="l" defTabSz="1219170" rtl="0" eaLnBrk="1" latinLnBrk="0" hangingPunct="1">
+        <a:lnSpc>
+          <a:spcPct val="90000"/>
+        </a:lnSpc>
+        <a:spcBef>
+          <a:spcPts val="667"/>
+        </a:spcBef>
+        <a:buFont typeface="Arial" panose="020B0604020202020204" pitchFamily="34" charset="0"/>
+        <a:buChar char="•"/>
+        <a:defRPr sz="2667" kern="1200">
+          <a:solidFill>
+            <a:schemeClr val="tx1"/>
+          </a:solidFill>
+          <a:latin typeface="+mn-lt"/>
+          <a:ea typeface="+mn-ea"/>
+          <a:cs typeface="+mn-cs"/>
+        </a:defRPr>
+      </a:lvl3pPr>
+      <a:lvl4pPr marL="2133547" indent="-304792" algn="l" defTabSz="1219170" rtl="0" eaLnBrk="1" latinLnBrk="0" hangingPunct="1">
+        <a:lnSpc>
+          <a:spcPct val="90000"/>
+        </a:lnSpc>
+        <a:spcBef>
+          <a:spcPts val="667"/>
         </a:spcBef>
         <a:buFont typeface="Arial" panose="020B0604020202020204" pitchFamily="34" charset="0"/>
         <a:buChar char="•"/>
@@ -3097,53 +2778,17 @@
           <a:ea typeface="+mn-ea"/>
           <a:cs typeface="+mn-cs"/>
         </a:defRPr>
-      </a:lvl2pPr>
-      <a:lvl3pPr marL="1143000" indent="-228600" algn="l" defTabSz="914400" rtl="0" eaLnBrk="1" latinLnBrk="0" hangingPunct="1">
+      </a:lvl4pPr>
+      <a:lvl5pPr marL="2743131" indent="-304792" algn="l" defTabSz="1219170" rtl="0" eaLnBrk="1" latinLnBrk="0" hangingPunct="1">
         <a:lnSpc>
           <a:spcPct val="90000"/>
         </a:lnSpc>
         <a:spcBef>
-          <a:spcPts val="500"/>
+          <a:spcPts val="667"/>
         </a:spcBef>
         <a:buFont typeface="Arial" panose="020B0604020202020204" pitchFamily="34" charset="0"/>
         <a:buChar char="•"/>
-        <a:defRPr sz="2000" kern="1200">
-          <a:solidFill>
-            <a:schemeClr val="tx1"/>
-          </a:solidFill>
-          <a:latin typeface="+mn-lt"/>
-          <a:ea typeface="+mn-ea"/>
-          <a:cs typeface="+mn-cs"/>
-        </a:defRPr>
-      </a:lvl3pPr>
-      <a:lvl4pPr marL="1600200" indent="-228600" algn="l" defTabSz="914400" rtl="0" eaLnBrk="1" latinLnBrk="0" hangingPunct="1">
-        <a:lnSpc>
-          <a:spcPct val="90000"/>
-        </a:lnSpc>
-        <a:spcBef>
-          <a:spcPts val="500"/>
-        </a:spcBef>
-        <a:buFont typeface="Arial" panose="020B0604020202020204" pitchFamily="34" charset="0"/>
-        <a:buChar char="•"/>
-        <a:defRPr sz="1800" kern="1200">
-          <a:solidFill>
-            <a:schemeClr val="tx1"/>
-          </a:solidFill>
-          <a:latin typeface="+mn-lt"/>
-          <a:ea typeface="+mn-ea"/>
-          <a:cs typeface="+mn-cs"/>
-        </a:defRPr>
-      </a:lvl4pPr>
-      <a:lvl5pPr marL="2057400" indent="-228600" algn="l" defTabSz="914400" rtl="0" eaLnBrk="1" latinLnBrk="0" hangingPunct="1">
-        <a:lnSpc>
-          <a:spcPct val="90000"/>
-        </a:lnSpc>
-        <a:spcBef>
-          <a:spcPts val="500"/>
-        </a:spcBef>
-        <a:buFont typeface="Arial" panose="020B0604020202020204" pitchFamily="34" charset="0"/>
-        <a:buChar char="•"/>
-        <a:defRPr sz="1800" kern="1200">
+        <a:defRPr sz="2400" kern="1200">
           <a:solidFill>
             <a:schemeClr val="tx1"/>
           </a:solidFill>
@@ -3152,16 +2797,16 @@
           <a:cs typeface="+mn-cs"/>
         </a:defRPr>
       </a:lvl5pPr>
-      <a:lvl6pPr marL="2514600" indent="-228600" algn="l" defTabSz="914400" rtl="0" eaLnBrk="1" latinLnBrk="0" hangingPunct="1">
+      <a:lvl6pPr marL="3352716" indent="-304792" algn="l" defTabSz="1219170" rtl="0" eaLnBrk="1" latinLnBrk="0" hangingPunct="1">
         <a:lnSpc>
           <a:spcPct val="90000"/>
         </a:lnSpc>
         <a:spcBef>
-          <a:spcPts val="500"/>
+          <a:spcPts val="667"/>
         </a:spcBef>
         <a:buFont typeface="Arial" panose="020B0604020202020204" pitchFamily="34" charset="0"/>
         <a:buChar char="•"/>
-        <a:defRPr sz="1800" kern="1200">
+        <a:defRPr sz="2400" kern="1200">
           <a:solidFill>
             <a:schemeClr val="tx1"/>
           </a:solidFill>
@@ -3170,16 +2815,16 @@
           <a:cs typeface="+mn-cs"/>
         </a:defRPr>
       </a:lvl6pPr>
-      <a:lvl7pPr marL="2971800" indent="-228600" algn="l" defTabSz="914400" rtl="0" eaLnBrk="1" latinLnBrk="0" hangingPunct="1">
+      <a:lvl7pPr marL="3962301" indent="-304792" algn="l" defTabSz="1219170" rtl="0" eaLnBrk="1" latinLnBrk="0" hangingPunct="1">
         <a:lnSpc>
           <a:spcPct val="90000"/>
         </a:lnSpc>
         <a:spcBef>
-          <a:spcPts val="500"/>
+          <a:spcPts val="667"/>
         </a:spcBef>
         <a:buFont typeface="Arial" panose="020B0604020202020204" pitchFamily="34" charset="0"/>
         <a:buChar char="•"/>
-        <a:defRPr sz="1800" kern="1200">
+        <a:defRPr sz="2400" kern="1200">
           <a:solidFill>
             <a:schemeClr val="tx1"/>
           </a:solidFill>
@@ -3188,16 +2833,16 @@
           <a:cs typeface="+mn-cs"/>
         </a:defRPr>
       </a:lvl7pPr>
-      <a:lvl8pPr marL="3429000" indent="-228600" algn="l" defTabSz="914400" rtl="0" eaLnBrk="1" latinLnBrk="0" hangingPunct="1">
+      <a:lvl8pPr marL="4571886" indent="-304792" algn="l" defTabSz="1219170" rtl="0" eaLnBrk="1" latinLnBrk="0" hangingPunct="1">
         <a:lnSpc>
           <a:spcPct val="90000"/>
         </a:lnSpc>
         <a:spcBef>
-          <a:spcPts val="500"/>
+          <a:spcPts val="667"/>
         </a:spcBef>
         <a:buFont typeface="Arial" panose="020B0604020202020204" pitchFamily="34" charset="0"/>
         <a:buChar char="•"/>
-        <a:defRPr sz="1800" kern="1200">
+        <a:defRPr sz="2400" kern="1200">
           <a:solidFill>
             <a:schemeClr val="tx1"/>
           </a:solidFill>
@@ -3206,16 +2851,16 @@
           <a:cs typeface="+mn-cs"/>
         </a:defRPr>
       </a:lvl8pPr>
-      <a:lvl9pPr marL="3886200" indent="-228600" algn="l" defTabSz="914400" rtl="0" eaLnBrk="1" latinLnBrk="0" hangingPunct="1">
+      <a:lvl9pPr marL="5181470" indent="-304792" algn="l" defTabSz="1219170" rtl="0" eaLnBrk="1" latinLnBrk="0" hangingPunct="1">
         <a:lnSpc>
           <a:spcPct val="90000"/>
         </a:lnSpc>
         <a:spcBef>
-          <a:spcPts val="500"/>
+          <a:spcPts val="667"/>
         </a:spcBef>
         <a:buFont typeface="Arial" panose="020B0604020202020204" pitchFamily="34" charset="0"/>
         <a:buChar char="•"/>
-        <a:defRPr sz="1800" kern="1200">
+        <a:defRPr sz="2400" kern="1200">
           <a:solidFill>
             <a:schemeClr val="tx1"/>
           </a:solidFill>
@@ -3227,10 +2872,10 @@
     </p:bodyStyle>
     <p:otherStyle>
       <a:defPPr>
-        <a:defRPr lang="zh-CN"/>
+        <a:defRPr lang="en-US"/>
       </a:defPPr>
-      <a:lvl1pPr marL="0" algn="l" defTabSz="914400" rtl="0" eaLnBrk="1" latinLnBrk="0" hangingPunct="1">
-        <a:defRPr sz="1800" kern="1200">
+      <a:lvl1pPr marL="0" algn="l" defTabSz="1219170" rtl="0" eaLnBrk="1" latinLnBrk="0" hangingPunct="1">
+        <a:defRPr sz="2400" kern="1200">
           <a:solidFill>
             <a:schemeClr val="tx1"/>
           </a:solidFill>
@@ -3239,8 +2884,8 @@
           <a:cs typeface="+mn-cs"/>
         </a:defRPr>
       </a:lvl1pPr>
-      <a:lvl2pPr marL="457200" algn="l" defTabSz="914400" rtl="0" eaLnBrk="1" latinLnBrk="0" hangingPunct="1">
-        <a:defRPr sz="1800" kern="1200">
+      <a:lvl2pPr marL="609585" algn="l" defTabSz="1219170" rtl="0" eaLnBrk="1" latinLnBrk="0" hangingPunct="1">
+        <a:defRPr sz="2400" kern="1200">
           <a:solidFill>
             <a:schemeClr val="tx1"/>
           </a:solidFill>
@@ -3249,8 +2894,8 @@
           <a:cs typeface="+mn-cs"/>
         </a:defRPr>
       </a:lvl2pPr>
-      <a:lvl3pPr marL="914400" algn="l" defTabSz="914400" rtl="0" eaLnBrk="1" latinLnBrk="0" hangingPunct="1">
-        <a:defRPr sz="1800" kern="1200">
+      <a:lvl3pPr marL="1219170" algn="l" defTabSz="1219170" rtl="0" eaLnBrk="1" latinLnBrk="0" hangingPunct="1">
+        <a:defRPr sz="2400" kern="1200">
           <a:solidFill>
             <a:schemeClr val="tx1"/>
           </a:solidFill>
@@ -3259,8 +2904,8 @@
           <a:cs typeface="+mn-cs"/>
         </a:defRPr>
       </a:lvl3pPr>
-      <a:lvl4pPr marL="1371600" algn="l" defTabSz="914400" rtl="0" eaLnBrk="1" latinLnBrk="0" hangingPunct="1">
-        <a:defRPr sz="1800" kern="1200">
+      <a:lvl4pPr marL="1828754" algn="l" defTabSz="1219170" rtl="0" eaLnBrk="1" latinLnBrk="0" hangingPunct="1">
+        <a:defRPr sz="2400" kern="1200">
           <a:solidFill>
             <a:schemeClr val="tx1"/>
           </a:solidFill>
@@ -3269,8 +2914,8 @@
           <a:cs typeface="+mn-cs"/>
         </a:defRPr>
       </a:lvl4pPr>
-      <a:lvl5pPr marL="1828800" algn="l" defTabSz="914400" rtl="0" eaLnBrk="1" latinLnBrk="0" hangingPunct="1">
-        <a:defRPr sz="1800" kern="1200">
+      <a:lvl5pPr marL="2438339" algn="l" defTabSz="1219170" rtl="0" eaLnBrk="1" latinLnBrk="0" hangingPunct="1">
+        <a:defRPr sz="2400" kern="1200">
           <a:solidFill>
             <a:schemeClr val="tx1"/>
           </a:solidFill>
@@ -3279,8 +2924,8 @@
           <a:cs typeface="+mn-cs"/>
         </a:defRPr>
       </a:lvl5pPr>
-      <a:lvl6pPr marL="2286000" algn="l" defTabSz="914400" rtl="0" eaLnBrk="1" latinLnBrk="0" hangingPunct="1">
-        <a:defRPr sz="1800" kern="1200">
+      <a:lvl6pPr marL="3047924" algn="l" defTabSz="1219170" rtl="0" eaLnBrk="1" latinLnBrk="0" hangingPunct="1">
+        <a:defRPr sz="2400" kern="1200">
           <a:solidFill>
             <a:schemeClr val="tx1"/>
           </a:solidFill>
@@ -3289,8 +2934,8 @@
           <a:cs typeface="+mn-cs"/>
         </a:defRPr>
       </a:lvl6pPr>
-      <a:lvl7pPr marL="2743200" algn="l" defTabSz="914400" rtl="0" eaLnBrk="1" latinLnBrk="0" hangingPunct="1">
-        <a:defRPr sz="1800" kern="1200">
+      <a:lvl7pPr marL="3657509" algn="l" defTabSz="1219170" rtl="0" eaLnBrk="1" latinLnBrk="0" hangingPunct="1">
+        <a:defRPr sz="2400" kern="1200">
           <a:solidFill>
             <a:schemeClr val="tx1"/>
           </a:solidFill>
@@ -3299,8 +2944,8 @@
           <a:cs typeface="+mn-cs"/>
         </a:defRPr>
       </a:lvl7pPr>
-      <a:lvl8pPr marL="3200400" algn="l" defTabSz="914400" rtl="0" eaLnBrk="1" latinLnBrk="0" hangingPunct="1">
-        <a:defRPr sz="1800" kern="1200">
+      <a:lvl8pPr marL="4267093" algn="l" defTabSz="1219170" rtl="0" eaLnBrk="1" latinLnBrk="0" hangingPunct="1">
+        <a:defRPr sz="2400" kern="1200">
           <a:solidFill>
             <a:schemeClr val="tx1"/>
           </a:solidFill>
@@ -3309,8 +2954,8 @@
           <a:cs typeface="+mn-cs"/>
         </a:defRPr>
       </a:lvl8pPr>
-      <a:lvl9pPr marL="3657600" algn="l" defTabSz="914400" rtl="0" eaLnBrk="1" latinLnBrk="0" hangingPunct="1">
-        <a:defRPr sz="1800" kern="1200">
+      <a:lvl9pPr marL="4876678" algn="l" defTabSz="1219170" rtl="0" eaLnBrk="1" latinLnBrk="0" hangingPunct="1">
+        <a:defRPr sz="2400" kern="1200">
           <a:solidFill>
             <a:schemeClr val="tx1"/>
           </a:solidFill>
@@ -3343,10 +2988,10 @@
       </p:grpSpPr>
       <p:sp>
         <p:nvSpPr>
-          <p:cNvPr id="11" name="矩形 10">
+          <p:cNvPr id="26" name="矩形 25">
             <a:extLst>
               <a:ext uri="{FF2B5EF4-FFF2-40B4-BE49-F238E27FC236}">
-                <a16:creationId xmlns:a16="http://schemas.microsoft.com/office/drawing/2014/main" id="{F27E9616-B57C-49EC-8A1E-2315DFE4B27F}"/>
+                <a16:creationId xmlns:a16="http://schemas.microsoft.com/office/drawing/2014/main" id="{561CE31C-2ACF-44DC-B5FB-325E66FC55DA}"/>
               </a:ext>
             </a:extLst>
           </p:cNvPr>
@@ -3355,14 +3000,14 @@
         </p:nvSpPr>
         <p:spPr>
           <a:xfrm>
-            <a:off x="241291" y="467918"/>
-            <a:ext cx="8640000" cy="1800000"/>
+            <a:off x="216578" y="6836690"/>
+            <a:ext cx="8640000" cy="2221930"/>
           </a:xfrm>
           <a:prstGeom prst="rect">
             <a:avLst/>
           </a:prstGeom>
           <a:solidFill>
-            <a:srgbClr val="1D75BD"/>
+            <a:srgbClr val="81B09E"/>
           </a:solidFill>
           <a:ln>
             <a:noFill/>
@@ -3389,124 +3034,20 @@
           <a:lstStyle/>
           <a:p>
             <a:pPr algn="ctr"/>
-            <a:endParaRPr lang="zh-CN" altLang="en-US"/>
-          </a:p>
-        </p:txBody>
-      </p:sp>
-      <p:sp>
-        <p:nvSpPr>
-          <p:cNvPr id="12" name="文本框 11">
+            <a:endParaRPr lang="zh-CN" altLang="en-US" dirty="0">
+              <a:highlight>
+                <a:srgbClr val="3EB29F"/>
+              </a:highlight>
+            </a:endParaRPr>
+          </a:p>
+        </p:txBody>
+      </p:sp>
+      <p:sp>
+        <p:nvSpPr>
+          <p:cNvPr id="11" name="矩形 10">
             <a:extLst>
               <a:ext uri="{FF2B5EF4-FFF2-40B4-BE49-F238E27FC236}">
-                <a16:creationId xmlns:a16="http://schemas.microsoft.com/office/drawing/2014/main" id="{B1DDD450-8FF6-4B8A-9D18-88A9DB06D0A8}"/>
-              </a:ext>
-            </a:extLst>
-          </p:cNvPr>
-          <p:cNvSpPr txBox="1"/>
-          <p:nvPr/>
-        </p:nvSpPr>
-        <p:spPr>
-          <a:xfrm>
-            <a:off x="323558" y="436796"/>
-            <a:ext cx="8879251" cy="400110"/>
-          </a:xfrm>
-          <a:prstGeom prst="rect">
-            <a:avLst/>
-          </a:prstGeom>
-          <a:noFill/>
-        </p:spPr>
-        <p:txBody>
-          <a:bodyPr wrap="square" rtlCol="0">
-            <a:spAutoFit/>
-          </a:bodyPr>
-          <a:lstStyle/>
-          <a:p>
-            <a:r>
-              <a:rPr lang="en-US" altLang="zh-CN" sz="2000" dirty="0">
-                <a:solidFill>
-                  <a:schemeClr val="bg1"/>
-                </a:solidFill>
-                <a:latin typeface="Gotham Bold" pitchFamily="50" charset="0"/>
-              </a:rPr>
-              <a:t>ThinkStation Desktop Workstations</a:t>
-            </a:r>
-            <a:endParaRPr lang="zh-CN" altLang="en-US" sz="2000" dirty="0">
-              <a:solidFill>
-                <a:schemeClr val="bg1"/>
-              </a:solidFill>
-              <a:latin typeface="Gotham Bold" pitchFamily="50" charset="0"/>
-            </a:endParaRPr>
-          </a:p>
-        </p:txBody>
-      </p:sp>
-      <p:sp>
-        <p:nvSpPr>
-          <p:cNvPr id="14" name="文本框 13">
-            <a:extLst>
-              <a:ext uri="{FF2B5EF4-FFF2-40B4-BE49-F238E27FC236}">
-                <a16:creationId xmlns:a16="http://schemas.microsoft.com/office/drawing/2014/main" id="{5AF586D3-FD3F-46A7-A2BD-796C2E55588F}"/>
-              </a:ext>
-            </a:extLst>
-          </p:cNvPr>
-          <p:cNvSpPr txBox="1"/>
-          <p:nvPr/>
-        </p:nvSpPr>
-        <p:spPr>
-          <a:xfrm>
-            <a:off x="536260" y="777734"/>
-            <a:ext cx="8457740" cy="646331"/>
-          </a:xfrm>
-          <a:prstGeom prst="rect">
-            <a:avLst/>
-          </a:prstGeom>
-          <a:noFill/>
-        </p:spPr>
-        <p:txBody>
-          <a:bodyPr wrap="square" rtlCol="0">
-            <a:spAutoFit/>
-          </a:bodyPr>
-          <a:lstStyle/>
-          <a:p>
-            <a:r>
-              <a:rPr lang="en-US" altLang="zh-CN" sz="1200" dirty="0">
-                <a:solidFill>
-                  <a:schemeClr val="bg1"/>
-                </a:solidFill>
-                <a:latin typeface="Gotham Medium" pitchFamily="50" charset="0"/>
-              </a:rPr>
-              <a:t>Add Windows 11 on ThinkStation P350 Tiny</a:t>
-            </a:r>
-          </a:p>
-          <a:p>
-            <a:r>
-              <a:rPr lang="en-US" altLang="zh-CN" sz="1200" dirty="0">
-                <a:solidFill>
-                  <a:schemeClr val="bg1"/>
-                </a:solidFill>
-                <a:latin typeface="Gotham Medium" pitchFamily="50" charset="0"/>
-              </a:rPr>
-              <a:t>Add NVIDIA T1000 4GB on ThinkStation P350 Tiny</a:t>
-            </a:r>
-          </a:p>
-          <a:p>
-            <a:r>
-              <a:rPr lang="en-US" altLang="zh-CN" sz="1200" dirty="0">
-                <a:solidFill>
-                  <a:schemeClr val="bg1"/>
-                </a:solidFill>
-                <a:latin typeface="Gotham Medium" pitchFamily="50" charset="0"/>
-              </a:rPr>
-              <a:t>Add NVIDIA RTX A2000 on ThinkStation P520c / P520 / P720 / P920</a:t>
-            </a:r>
-          </a:p>
-        </p:txBody>
-      </p:sp>
-      <p:sp>
-        <p:nvSpPr>
-          <p:cNvPr id="16" name="矩形 15">
-            <a:extLst>
-              <a:ext uri="{FF2B5EF4-FFF2-40B4-BE49-F238E27FC236}">
-                <a16:creationId xmlns:a16="http://schemas.microsoft.com/office/drawing/2014/main" id="{4D0F0717-8B30-4F25-8B05-5C49C80E6C4C}"/>
+                <a16:creationId xmlns:a16="http://schemas.microsoft.com/office/drawing/2014/main" id="{F27E9616-B57C-49EC-8A1E-2315DFE4B27F}"/>
               </a:ext>
             </a:extLst>
           </p:cNvPr>
@@ -3515,14 +3056,14 @@
         </p:nvSpPr>
         <p:spPr>
           <a:xfrm>
-            <a:off x="241291" y="2267918"/>
+            <a:off x="216578" y="1017794"/>
             <a:ext cx="8640000" cy="1800000"/>
           </a:xfrm>
           <a:prstGeom prst="rect">
             <a:avLst/>
           </a:prstGeom>
           <a:solidFill>
-            <a:srgbClr val="D85B5B"/>
+            <a:srgbClr val="1D75BD"/>
           </a:solidFill>
           <a:ln>
             <a:noFill/>
@@ -3549,16 +3090,16 @@
           <a:lstStyle/>
           <a:p>
             <a:pPr algn="ctr"/>
-            <a:endParaRPr lang="zh-CN" altLang="en-US" dirty="0"/>
-          </a:p>
-        </p:txBody>
-      </p:sp>
-      <p:sp>
-        <p:nvSpPr>
-          <p:cNvPr id="17" name="文本框 16">
+            <a:endParaRPr lang="zh-CN" altLang="en-US"/>
+          </a:p>
+        </p:txBody>
+      </p:sp>
+      <p:sp>
+        <p:nvSpPr>
+          <p:cNvPr id="12" name="文本框 11">
             <a:extLst>
               <a:ext uri="{FF2B5EF4-FFF2-40B4-BE49-F238E27FC236}">
-                <a16:creationId xmlns:a16="http://schemas.microsoft.com/office/drawing/2014/main" id="{C3C70276-0625-43CF-B22C-0823CC625F9E}"/>
+                <a16:creationId xmlns:a16="http://schemas.microsoft.com/office/drawing/2014/main" id="{B1DDD450-8FF6-4B8A-9D18-88A9DB06D0A8}"/>
               </a:ext>
             </a:extLst>
           </p:cNvPr>
@@ -3567,8 +3108,8 @@
         </p:nvSpPr>
         <p:spPr>
           <a:xfrm>
-            <a:off x="321610" y="2236796"/>
-            <a:ext cx="8457740" cy="400110"/>
+            <a:off x="296897" y="986672"/>
+            <a:ext cx="8879251" cy="400110"/>
           </a:xfrm>
           <a:prstGeom prst="rect">
             <a:avLst/>
@@ -3588,7 +3129,7 @@
                 </a:solidFill>
                 <a:latin typeface="Gotham Bold" pitchFamily="50" charset="0"/>
               </a:rPr>
-              <a:t>ThinkPad Mobile Workstations</a:t>
+              <a:t>ThinkStation Desktop Workstations</a:t>
             </a:r>
             <a:endParaRPr lang="zh-CN" altLang="en-US" sz="2000" dirty="0">
               <a:solidFill>
@@ -3601,10 +3142,10 @@
       </p:sp>
       <p:sp>
         <p:nvSpPr>
-          <p:cNvPr id="18" name="文本框 17">
+          <p:cNvPr id="14" name="文本框 13">
             <a:extLst>
               <a:ext uri="{FF2B5EF4-FFF2-40B4-BE49-F238E27FC236}">
-                <a16:creationId xmlns:a16="http://schemas.microsoft.com/office/drawing/2014/main" id="{8EE44D38-FBE6-4A2E-A945-410CF0F2FB50}"/>
+                <a16:creationId xmlns:a16="http://schemas.microsoft.com/office/drawing/2014/main" id="{5AF586D3-FD3F-46A7-A2BD-796C2E55588F}"/>
               </a:ext>
             </a:extLst>
           </p:cNvPr>
@@ -3613,8 +3154,8 @@
         </p:nvSpPr>
         <p:spPr>
           <a:xfrm>
-            <a:off x="534312" y="2580846"/>
-            <a:ext cx="8457740" cy="523220"/>
+            <a:off x="511547" y="1327613"/>
+            <a:ext cx="8457740" cy="276999"/>
           </a:xfrm>
           <a:prstGeom prst="rect">
             <a:avLst/>
@@ -3628,17 +3169,15 @@
           <a:lstStyle/>
           <a:p>
             <a:r>
-              <a:rPr lang="en-US" altLang="zh-CN" sz="1400" dirty="0">
+              <a:rPr lang="en-US" altLang="zh-CN" sz="1200" dirty="0">
                 <a:solidFill>
                   <a:schemeClr val="bg1"/>
                 </a:solidFill>
                 <a:latin typeface="Gotham Medium" pitchFamily="50" charset="0"/>
               </a:rPr>
-              <a:t>No major update in this release</a:t>
-            </a:r>
-          </a:p>
-          <a:p>
-            <a:endParaRPr lang="zh-CN" altLang="en-US" sz="1400" dirty="0">
+              <a:t>No Major updates in this release</a:t>
+            </a:r>
+            <a:endParaRPr lang="zh-CN" altLang="en-US" sz="1200" dirty="0">
               <a:solidFill>
                 <a:schemeClr val="bg1"/>
               </a:solidFill>
@@ -3649,10 +3188,10 @@
       </p:sp>
       <p:sp>
         <p:nvSpPr>
-          <p:cNvPr id="19" name="矩形 18">
+          <p:cNvPr id="16" name="矩形 15">
             <a:extLst>
               <a:ext uri="{FF2B5EF4-FFF2-40B4-BE49-F238E27FC236}">
-                <a16:creationId xmlns:a16="http://schemas.microsoft.com/office/drawing/2014/main" id="{91A1714A-A8FB-4459-9344-9B8CAAB1C881}"/>
+                <a16:creationId xmlns:a16="http://schemas.microsoft.com/office/drawing/2014/main" id="{4D0F0717-8B30-4F25-8B05-5C49C80E6C4C}"/>
               </a:ext>
             </a:extLst>
           </p:cNvPr>
@@ -3661,14 +3200,14 @@
         </p:nvSpPr>
         <p:spPr>
           <a:xfrm>
-            <a:off x="241291" y="0"/>
-            <a:ext cx="8640000" cy="467918"/>
+            <a:off x="216578" y="2817794"/>
+            <a:ext cx="8640000" cy="1800000"/>
           </a:xfrm>
           <a:prstGeom prst="rect">
             <a:avLst/>
           </a:prstGeom>
           <a:solidFill>
-            <a:srgbClr val="184756"/>
+            <a:srgbClr val="D85B5B"/>
           </a:solidFill>
           <a:ln>
             <a:noFill/>
@@ -3694,7 +3233,49 @@
           <a:bodyPr rtlCol="0" anchor="ctr"/>
           <a:lstStyle/>
           <a:p>
-            <a:endParaRPr lang="zh-CN" altLang="en-US" sz="1800" dirty="0">
+            <a:pPr algn="ctr"/>
+            <a:endParaRPr lang="zh-CN" altLang="en-US" dirty="0"/>
+          </a:p>
+        </p:txBody>
+      </p:sp>
+      <p:sp>
+        <p:nvSpPr>
+          <p:cNvPr id="17" name="文本框 16">
+            <a:extLst>
+              <a:ext uri="{FF2B5EF4-FFF2-40B4-BE49-F238E27FC236}">
+                <a16:creationId xmlns:a16="http://schemas.microsoft.com/office/drawing/2014/main" id="{C3C70276-0625-43CF-B22C-0823CC625F9E}"/>
+              </a:ext>
+            </a:extLst>
+          </p:cNvPr>
+          <p:cNvSpPr txBox="1"/>
+          <p:nvPr/>
+        </p:nvSpPr>
+        <p:spPr>
+          <a:xfrm>
+            <a:off x="296897" y="2786672"/>
+            <a:ext cx="8457740" cy="400110"/>
+          </a:xfrm>
+          <a:prstGeom prst="rect">
+            <a:avLst/>
+          </a:prstGeom>
+          <a:noFill/>
+        </p:spPr>
+        <p:txBody>
+          <a:bodyPr wrap="square" rtlCol="0">
+            <a:spAutoFit/>
+          </a:bodyPr>
+          <a:lstStyle/>
+          <a:p>
+            <a:r>
+              <a:rPr lang="en-US" altLang="zh-CN" sz="2000" dirty="0">
+                <a:solidFill>
+                  <a:schemeClr val="bg1"/>
+                </a:solidFill>
+                <a:latin typeface="Gotham Bold" pitchFamily="50" charset="0"/>
+              </a:rPr>
+              <a:t>ThinkPad Mobile Workstations</a:t>
+            </a:r>
+            <a:endParaRPr lang="zh-CN" altLang="en-US" sz="2000" dirty="0">
               <a:solidFill>
                 <a:schemeClr val="bg1"/>
               </a:solidFill>
@@ -3705,10 +3286,10 @@
       </p:sp>
       <p:sp>
         <p:nvSpPr>
-          <p:cNvPr id="20" name="文本框 19">
+          <p:cNvPr id="18" name="文本框 17">
             <a:extLst>
               <a:ext uri="{FF2B5EF4-FFF2-40B4-BE49-F238E27FC236}">
-                <a16:creationId xmlns:a16="http://schemas.microsoft.com/office/drawing/2014/main" id="{8CC1597C-D93B-446B-B901-1D007A1D4082}"/>
+                <a16:creationId xmlns:a16="http://schemas.microsoft.com/office/drawing/2014/main" id="{8EE44D38-FBE6-4A2E-A945-410CF0F2FB50}"/>
               </a:ext>
             </a:extLst>
           </p:cNvPr>
@@ -3717,8 +3298,8 @@
         </p:nvSpPr>
         <p:spPr>
           <a:xfrm>
-            <a:off x="323558" y="80071"/>
-            <a:ext cx="6464533" cy="307777"/>
+            <a:off x="509599" y="3130725"/>
+            <a:ext cx="8457740" cy="954107"/>
           </a:xfrm>
           <a:prstGeom prst="rect">
             <a:avLst/>
@@ -3731,30 +3312,65 @@
           </a:bodyPr>
           <a:lstStyle/>
           <a:p>
+            <a:pPr marL="285754" indent="-285754">
+              <a:buFont typeface="Arial" panose="020B0604020202020204" pitchFamily="34" charset="0"/>
+              <a:buChar char="•"/>
+            </a:pPr>
             <a:r>
               <a:rPr lang="en-US" altLang="zh-CN" sz="1400" dirty="0">
                 <a:solidFill>
                   <a:schemeClr val="bg1"/>
                 </a:solidFill>
-                <a:latin typeface="Gotham Bold" pitchFamily="50" charset="0"/>
+                <a:latin typeface="Gotham Medium" pitchFamily="50" charset="0"/>
               </a:rPr>
-              <a:t>Window 588, updated as of January 5, 2022</a:t>
-            </a:r>
+              <a:t>Add Docking information for all alive ThinkPad Mobile Workstations</a:t>
+            </a:r>
+            <a:endParaRPr lang="en-US" altLang="zh-CN" sz="400" dirty="0">
+              <a:solidFill>
+                <a:schemeClr val="bg1"/>
+              </a:solidFill>
+              <a:latin typeface="Gotham Medium" pitchFamily="50" charset="0"/>
+            </a:endParaRPr>
+          </a:p>
+          <a:p>
+            <a:pPr marL="285754" indent="-285754">
+              <a:buFont typeface="Arial" panose="020B0604020202020204" pitchFamily="34" charset="0"/>
+              <a:buChar char="•"/>
+            </a:pPr>
+            <a:r>
+              <a:rPr lang="en-US" altLang="zh-CN" sz="1400" dirty="0">
+                <a:solidFill>
+                  <a:schemeClr val="bg1"/>
+                </a:solidFill>
+                <a:latin typeface="Gotham Medium" pitchFamily="50" charset="0"/>
+              </a:rPr>
+              <a:t>Update microphone information on ThinkPad P15 Gen 2 / P17 Gen 2 / T15g Gen 2</a:t>
+            </a:r>
+          </a:p>
+          <a:p>
             <a:endParaRPr lang="zh-CN" altLang="en-US" sz="1400" dirty="0">
               <a:solidFill>
                 <a:schemeClr val="bg1"/>
               </a:solidFill>
-              <a:latin typeface="Gotham Bold" pitchFamily="50" charset="0"/>
+              <a:latin typeface="Gotham Medium" pitchFamily="50" charset="0"/>
             </a:endParaRPr>
           </a:p>
-        </p:txBody>
-      </p:sp>
-      <p:sp>
-        <p:nvSpPr>
-          <p:cNvPr id="21" name="矩形 20">
+          <a:p>
+            <a:endParaRPr lang="zh-CN" altLang="en-US" sz="1400" dirty="0">
+              <a:solidFill>
+                <a:schemeClr val="bg1"/>
+              </a:solidFill>
+              <a:latin typeface="Gotham Medium" pitchFamily="50" charset="0"/>
+            </a:endParaRPr>
+          </a:p>
+        </p:txBody>
+      </p:sp>
+      <p:sp>
+        <p:nvSpPr>
+          <p:cNvPr id="19" name="矩形 18">
             <a:extLst>
               <a:ext uri="{FF2B5EF4-FFF2-40B4-BE49-F238E27FC236}">
-                <a16:creationId xmlns:a16="http://schemas.microsoft.com/office/drawing/2014/main" id="{2F5D8949-3207-465B-89F7-A70857AA404A}"/>
+                <a16:creationId xmlns:a16="http://schemas.microsoft.com/office/drawing/2014/main" id="{91A1714A-A8FB-4459-9344-9B8CAAB1C881}"/>
               </a:ext>
             </a:extLst>
           </p:cNvPr>
@@ -3763,14 +3379,14 @@
         </p:nvSpPr>
         <p:spPr>
           <a:xfrm>
-            <a:off x="241291" y="4067918"/>
-            <a:ext cx="8640000" cy="1800000"/>
+            <a:off x="216578" y="549876"/>
+            <a:ext cx="8640000" cy="467918"/>
           </a:xfrm>
           <a:prstGeom prst="rect">
             <a:avLst/>
           </a:prstGeom>
           <a:solidFill>
-            <a:srgbClr val="3EB29F"/>
+            <a:srgbClr val="184756"/>
           </a:solidFill>
           <a:ln>
             <a:noFill/>
@@ -3796,6 +3412,108 @@
           <a:bodyPr rtlCol="0" anchor="ctr"/>
           <a:lstStyle/>
           <a:p>
+            <a:endParaRPr lang="zh-CN" altLang="en-US" dirty="0">
+              <a:solidFill>
+                <a:schemeClr val="bg1"/>
+              </a:solidFill>
+              <a:latin typeface="Gotham Bold" pitchFamily="50" charset="0"/>
+            </a:endParaRPr>
+          </a:p>
+        </p:txBody>
+      </p:sp>
+      <p:sp>
+        <p:nvSpPr>
+          <p:cNvPr id="20" name="文本框 19">
+            <a:extLst>
+              <a:ext uri="{FF2B5EF4-FFF2-40B4-BE49-F238E27FC236}">
+                <a16:creationId xmlns:a16="http://schemas.microsoft.com/office/drawing/2014/main" id="{8CC1597C-D93B-446B-B901-1D007A1D4082}"/>
+              </a:ext>
+            </a:extLst>
+          </p:cNvPr>
+          <p:cNvSpPr txBox="1"/>
+          <p:nvPr/>
+        </p:nvSpPr>
+        <p:spPr>
+          <a:xfrm>
+            <a:off x="298848" y="629950"/>
+            <a:ext cx="6464533" cy="307777"/>
+          </a:xfrm>
+          <a:prstGeom prst="rect">
+            <a:avLst/>
+          </a:prstGeom>
+          <a:noFill/>
+        </p:spPr>
+        <p:txBody>
+          <a:bodyPr wrap="square" rtlCol="0">
+            <a:spAutoFit/>
+          </a:bodyPr>
+          <a:lstStyle/>
+          <a:p>
+            <a:r>
+              <a:rPr lang="en-US" altLang="zh-CN" sz="1400" dirty="0">
+                <a:solidFill>
+                  <a:schemeClr val="bg1"/>
+                </a:solidFill>
+                <a:latin typeface="Gotham Bold" pitchFamily="50" charset="0"/>
+              </a:rPr>
+              <a:t>Window 590, updated as of February 16, 2022</a:t>
+            </a:r>
+            <a:endParaRPr lang="zh-CN" altLang="en-US" sz="1400" dirty="0">
+              <a:solidFill>
+                <a:schemeClr val="bg1"/>
+              </a:solidFill>
+              <a:latin typeface="Gotham Bold" pitchFamily="50" charset="0"/>
+            </a:endParaRPr>
+          </a:p>
+        </p:txBody>
+      </p:sp>
+      <p:sp>
+        <p:nvSpPr>
+          <p:cNvPr id="21" name="矩形 20">
+            <a:extLst>
+              <a:ext uri="{FF2B5EF4-FFF2-40B4-BE49-F238E27FC236}">
+                <a16:creationId xmlns:a16="http://schemas.microsoft.com/office/drawing/2014/main" id="{2F5D8949-3207-465B-89F7-A70857AA404A}"/>
+              </a:ext>
+            </a:extLst>
+          </p:cNvPr>
+          <p:cNvSpPr/>
+          <p:nvPr/>
+        </p:nvSpPr>
+        <p:spPr>
+          <a:xfrm>
+            <a:off x="216578" y="4617794"/>
+            <a:ext cx="8640000" cy="2221930"/>
+          </a:xfrm>
+          <a:prstGeom prst="rect">
+            <a:avLst/>
+          </a:prstGeom>
+          <a:solidFill>
+            <a:srgbClr val="3EB29F"/>
+          </a:solidFill>
+          <a:ln>
+            <a:noFill/>
+          </a:ln>
+        </p:spPr>
+        <p:style>
+          <a:lnRef idx="2">
+            <a:schemeClr val="accent1">
+              <a:shade val="50000"/>
+            </a:schemeClr>
+          </a:lnRef>
+          <a:fillRef idx="1">
+            <a:schemeClr val="accent1"/>
+          </a:fillRef>
+          <a:effectRef idx="0">
+            <a:schemeClr val="accent1"/>
+          </a:effectRef>
+          <a:fontRef idx="minor">
+            <a:schemeClr val="lt1"/>
+          </a:fontRef>
+        </p:style>
+        <p:txBody>
+          <a:bodyPr rtlCol="0" anchor="ctr"/>
+          <a:lstStyle/>
+          <a:p>
             <a:pPr algn="ctr"/>
             <a:endParaRPr lang="zh-CN" altLang="en-US" dirty="0"/>
           </a:p>
@@ -3815,7 +3533,7 @@
         </p:nvSpPr>
         <p:spPr>
           <a:xfrm>
-            <a:off x="323558" y="4099040"/>
+            <a:off x="296897" y="4648916"/>
             <a:ext cx="8457740" cy="400110"/>
           </a:xfrm>
           <a:prstGeom prst="rect">
@@ -3861,8 +3579,8 @@
         </p:nvSpPr>
         <p:spPr>
           <a:xfrm>
-            <a:off x="534312" y="4535522"/>
-            <a:ext cx="7941230" cy="461665"/>
+            <a:off x="509599" y="5085398"/>
+            <a:ext cx="7941230" cy="1754326"/>
           </a:xfrm>
           <a:prstGeom prst="rect">
             <a:avLst/>
@@ -3875,6 +3593,10 @@
           </a:bodyPr>
           <a:lstStyle/>
           <a:p>
+            <a:pPr marL="285754" indent="-285754">
+              <a:buFont typeface="Arial" panose="020B0604020202020204" pitchFamily="34" charset="0"/>
+              <a:buChar char="•"/>
+            </a:pPr>
             <a:r>
               <a:rPr lang="en-US" altLang="zh-CN" sz="1200" dirty="0">
                 <a:solidFill>
@@ -3882,7 +3604,297 @@
                 </a:solidFill>
                 <a:latin typeface="Gotham Medium" pitchFamily="50" charset="0"/>
               </a:rPr>
-              <a:t>No major update in next release. I will work on new products including ThinkStation P360 Tiny / ThinkStation P360 Tower / ThinkStation P16s Gen 1 (Intel) / ThinkPad P14s Gen 3</a:t>
+              <a:t>Add Windows 11 to ThinkStation P350 Tower</a:t>
+            </a:r>
+            <a:endParaRPr lang="en-US" altLang="zh-CN" sz="100" dirty="0">
+              <a:solidFill>
+                <a:schemeClr val="bg1"/>
+              </a:solidFill>
+              <a:latin typeface="Gotham Medium" pitchFamily="50" charset="0"/>
+            </a:endParaRPr>
+          </a:p>
+          <a:p>
+            <a:pPr marL="285754" indent="-285754">
+              <a:buFont typeface="Arial" panose="020B0604020202020204" pitchFamily="34" charset="0"/>
+              <a:buChar char="•"/>
+            </a:pPr>
+            <a:r>
+              <a:rPr lang="en-US" altLang="zh-CN" sz="1200" dirty="0">
+                <a:solidFill>
+                  <a:schemeClr val="bg1"/>
+                </a:solidFill>
+                <a:latin typeface="Gotham Medium" pitchFamily="50" charset="0"/>
+              </a:rPr>
+              <a:t>Add NVIDIA T400 4GB to ThinkStation P348 Tower / P520c / P520 / P720 / P920</a:t>
+            </a:r>
+            <a:endParaRPr lang="en-US" altLang="zh-CN" sz="100" dirty="0">
+              <a:solidFill>
+                <a:schemeClr val="bg1"/>
+              </a:solidFill>
+              <a:latin typeface="Gotham Medium" pitchFamily="50" charset="0"/>
+            </a:endParaRPr>
+          </a:p>
+          <a:p>
+            <a:pPr marL="285754" indent="-285754">
+              <a:buFont typeface="Arial" panose="020B0604020202020204" pitchFamily="34" charset="0"/>
+              <a:buChar char="•"/>
+            </a:pPr>
+            <a:r>
+              <a:rPr lang="en-US" altLang="zh-CN" sz="1200" dirty="0">
+                <a:solidFill>
+                  <a:schemeClr val="bg1"/>
+                </a:solidFill>
+                <a:latin typeface="Gotham Medium" pitchFamily="50" charset="0"/>
+              </a:rPr>
+              <a:t>Add NVIDIA T1000 8GB to ThinkStation P340 Tiny / P350 Tiny / P348 Tower / P520c / P520 / P720 / P920</a:t>
+            </a:r>
+          </a:p>
+          <a:p>
+            <a:pPr marL="285754" indent="-285754">
+              <a:buFont typeface="Arial" panose="020B0604020202020204" pitchFamily="34" charset="0"/>
+              <a:buChar char="•"/>
+            </a:pPr>
+            <a:r>
+              <a:rPr lang="en-US" altLang="zh-CN" sz="1200" dirty="0">
+                <a:solidFill>
+                  <a:schemeClr val="bg1"/>
+                </a:solidFill>
+                <a:latin typeface="Gotham Medium" pitchFamily="50" charset="0"/>
+              </a:rPr>
+              <a:t>Add NVIDIA RTA A2000 12GB and A4500 20GB to ThinkStation P520c / P520 / P720 / P920</a:t>
+            </a:r>
+            <a:endParaRPr lang="en-US" altLang="zh-CN" sz="100" dirty="0">
+              <a:solidFill>
+                <a:schemeClr val="bg1"/>
+              </a:solidFill>
+              <a:latin typeface="Gotham Medium" pitchFamily="50" charset="0"/>
+            </a:endParaRPr>
+          </a:p>
+          <a:p>
+            <a:pPr marL="285754" indent="-285754">
+              <a:buFont typeface="Arial" panose="020B0604020202020204" pitchFamily="34" charset="0"/>
+              <a:buChar char="•"/>
+            </a:pPr>
+            <a:r>
+              <a:rPr lang="en-US" altLang="zh-CN" sz="1200" dirty="0">
+                <a:solidFill>
+                  <a:schemeClr val="bg1"/>
+                </a:solidFill>
+                <a:latin typeface="Gotham Medium" pitchFamily="50" charset="0"/>
+              </a:rPr>
+              <a:t>Add MT7921 to ThinkStation P348 Tower / P350 Tower / P350 SFF</a:t>
+            </a:r>
+            <a:endParaRPr lang="en-US" altLang="zh-CN" sz="100" dirty="0">
+              <a:solidFill>
+                <a:schemeClr val="bg1"/>
+              </a:solidFill>
+              <a:latin typeface="Gotham Medium" pitchFamily="50" charset="0"/>
+            </a:endParaRPr>
+          </a:p>
+          <a:p>
+            <a:pPr marL="285754" indent="-285754">
+              <a:buFont typeface="Arial" panose="020B0604020202020204" pitchFamily="34" charset="0"/>
+              <a:buChar char="•"/>
+            </a:pPr>
+            <a:r>
+              <a:rPr lang="en-US" altLang="zh-CN" sz="1200" dirty="0">
+                <a:solidFill>
+                  <a:schemeClr val="bg1"/>
+                </a:solidFill>
+                <a:latin typeface="Gotham Medium" pitchFamily="50" charset="0"/>
+              </a:rPr>
+              <a:t>Add Intel Pentium G6405 to ThinkStation P348 Tower (TBD)</a:t>
+            </a:r>
+            <a:endParaRPr lang="en-US" altLang="zh-CN" sz="100" dirty="0">
+              <a:solidFill>
+                <a:schemeClr val="bg1"/>
+              </a:solidFill>
+              <a:latin typeface="Gotham Medium" pitchFamily="50" charset="0"/>
+            </a:endParaRPr>
+          </a:p>
+          <a:p>
+            <a:pPr marL="285754" indent="-285754">
+              <a:buFont typeface="Arial" panose="020B0604020202020204" pitchFamily="34" charset="0"/>
+              <a:buChar char="•"/>
+            </a:pPr>
+            <a:r>
+              <a:rPr lang="en-US" altLang="zh-CN" sz="1200" dirty="0">
+                <a:solidFill>
+                  <a:schemeClr val="bg1"/>
+                </a:solidFill>
+                <a:latin typeface="Gotham Medium" pitchFamily="50" charset="0"/>
+              </a:rPr>
+              <a:t>Add Wired Ethernet w/o side docking port information to ThinkPad P14s Gen 2 (Intel) / P15s Gen</a:t>
+            </a:r>
+            <a:r>
+              <a:rPr lang="zh-CN" altLang="en-US" sz="1200" dirty="0">
+                <a:solidFill>
+                  <a:schemeClr val="bg1"/>
+                </a:solidFill>
+                <a:latin typeface="Gotham Medium" pitchFamily="50" charset="0"/>
+              </a:rPr>
+              <a:t> </a:t>
+            </a:r>
+            <a:r>
+              <a:rPr lang="en-US" altLang="zh-CN" sz="1200" dirty="0">
+                <a:solidFill>
+                  <a:schemeClr val="bg1"/>
+                </a:solidFill>
+                <a:latin typeface="Gotham Medium" pitchFamily="50" charset="0"/>
+              </a:rPr>
+              <a:t>2</a:t>
+            </a:r>
+          </a:p>
+        </p:txBody>
+      </p:sp>
+      <p:sp>
+        <p:nvSpPr>
+          <p:cNvPr id="27" name="文本框 26">
+            <a:extLst>
+              <a:ext uri="{FF2B5EF4-FFF2-40B4-BE49-F238E27FC236}">
+                <a16:creationId xmlns:a16="http://schemas.microsoft.com/office/drawing/2014/main" id="{2C7239B2-310D-40C3-86EC-6D78D35E82BC}"/>
+              </a:ext>
+            </a:extLst>
+          </p:cNvPr>
+          <p:cNvSpPr txBox="1"/>
+          <p:nvPr/>
+        </p:nvSpPr>
+        <p:spPr>
+          <a:xfrm>
+            <a:off x="296897" y="6860832"/>
+            <a:ext cx="8457740" cy="707886"/>
+          </a:xfrm>
+          <a:prstGeom prst="rect">
+            <a:avLst/>
+          </a:prstGeom>
+          <a:noFill/>
+        </p:spPr>
+        <p:txBody>
+          <a:bodyPr wrap="square" rtlCol="0">
+            <a:spAutoFit/>
+          </a:bodyPr>
+          <a:lstStyle/>
+          <a:p>
+            <a:r>
+              <a:rPr lang="en-US" altLang="zh-CN" sz="2000" dirty="0">
+                <a:solidFill>
+                  <a:schemeClr val="bg1"/>
+                </a:solidFill>
+                <a:latin typeface="Gotham Bold" pitchFamily="50" charset="0"/>
+              </a:rPr>
+              <a:t>PSREF Development Process </a:t>
+            </a:r>
+            <a:r>
+              <a:rPr lang="en-US" altLang="zh-CN" sz="1050" i="1" dirty="0">
+                <a:solidFill>
+                  <a:schemeClr val="bg1"/>
+                </a:solidFill>
+                <a:latin typeface="Gotham Medium" pitchFamily="50" charset="0"/>
+              </a:rPr>
+              <a:t>(Please visit Wo</a:t>
+            </a:r>
+            <a:r>
+              <a:rPr lang="en-US" altLang="zh-CN" sz="1050" b="1" i="1" dirty="0">
+                <a:solidFill>
+                  <a:schemeClr val="bg1"/>
+                </a:solidFill>
+                <a:latin typeface="Gotham Medium" pitchFamily="50" charset="0"/>
+              </a:rPr>
+              <a:t>r</a:t>
+            </a:r>
+            <a:r>
+              <a:rPr lang="en-US" altLang="zh-CN" sz="1050" i="1" dirty="0">
+                <a:solidFill>
+                  <a:schemeClr val="bg1"/>
+                </a:solidFill>
+                <a:latin typeface="Gotham Medium" pitchFamily="50" charset="0"/>
+              </a:rPr>
+              <a:t>kstation PSREF on Teams for more information)</a:t>
+            </a:r>
+            <a:endParaRPr lang="en-US" altLang="zh-CN" sz="2000" i="1" dirty="0">
+              <a:solidFill>
+                <a:schemeClr val="bg1"/>
+              </a:solidFill>
+              <a:latin typeface="Gotham Medium" pitchFamily="50" charset="0"/>
+            </a:endParaRPr>
+          </a:p>
+          <a:p>
+            <a:endParaRPr lang="en-US" altLang="zh-CN" sz="2000" dirty="0">
+              <a:solidFill>
+                <a:schemeClr val="bg1"/>
+              </a:solidFill>
+              <a:latin typeface="Gotham Bold" pitchFamily="50" charset="0"/>
+            </a:endParaRPr>
+          </a:p>
+        </p:txBody>
+      </p:sp>
+      <p:sp>
+        <p:nvSpPr>
+          <p:cNvPr id="28" name="文本框 27">
+            <a:extLst>
+              <a:ext uri="{FF2B5EF4-FFF2-40B4-BE49-F238E27FC236}">
+                <a16:creationId xmlns:a16="http://schemas.microsoft.com/office/drawing/2014/main" id="{9023E085-810C-498A-8034-14A8B015C76E}"/>
+              </a:ext>
+            </a:extLst>
+          </p:cNvPr>
+          <p:cNvSpPr txBox="1"/>
+          <p:nvPr/>
+        </p:nvSpPr>
+        <p:spPr>
+          <a:xfrm>
+            <a:off x="509599" y="7267922"/>
+            <a:ext cx="7941230" cy="507831"/>
+          </a:xfrm>
+          <a:prstGeom prst="rect">
+            <a:avLst/>
+          </a:prstGeom>
+          <a:noFill/>
+        </p:spPr>
+        <p:txBody>
+          <a:bodyPr wrap="square" rtlCol="0">
+            <a:spAutoFit/>
+          </a:bodyPr>
+          <a:lstStyle/>
+          <a:p>
+            <a:pPr marL="285750" indent="-285750">
+              <a:buFont typeface="Arial" panose="020B0604020202020204" pitchFamily="34" charset="0"/>
+              <a:buChar char="•"/>
+            </a:pPr>
+            <a:r>
+              <a:rPr lang="en-US" altLang="zh-CN" sz="1200" dirty="0">
+                <a:solidFill>
+                  <a:schemeClr val="bg1"/>
+                </a:solidFill>
+                <a:latin typeface="Gotham Medium" pitchFamily="50" charset="0"/>
+              </a:rPr>
+              <a:t>ThinkPad P14s Gen 3 and ThinkPad P16s Gen 1 final version will be ready within this week</a:t>
+            </a:r>
+          </a:p>
+          <a:p>
+            <a:pPr marL="171450" indent="-171450">
+              <a:buFont typeface="Arial" panose="020B0604020202020204" pitchFamily="34" charset="0"/>
+              <a:buChar char="•"/>
+            </a:pPr>
+            <a:endParaRPr lang="en-US" altLang="zh-CN" sz="300" dirty="0">
+              <a:solidFill>
+                <a:schemeClr val="bg1"/>
+              </a:solidFill>
+              <a:latin typeface="Gotham Medium" pitchFamily="50" charset="0"/>
+            </a:endParaRPr>
+          </a:p>
+          <a:p>
+            <a:pPr marL="285750" indent="-285750">
+              <a:buFont typeface="Arial" panose="020B0604020202020204" pitchFamily="34" charset="0"/>
+              <a:buChar char="•"/>
+            </a:pPr>
+            <a:r>
+              <a:rPr lang="en-US" altLang="zh-CN" sz="1200" dirty="0">
+                <a:solidFill>
+                  <a:schemeClr val="bg1"/>
+                </a:solidFill>
+                <a:latin typeface="Gotham Medium" pitchFamily="50" charset="0"/>
+              </a:rPr>
+              <a:t>Update Workstation PSREF Plan, add ThinkStation P360 Ultra announcement date</a:t>
             </a:r>
           </a:p>
         </p:txBody>
@@ -3931,8 +3943,8 @@
         </p:nvGrpSpPr>
         <p:grpSpPr>
           <a:xfrm>
-            <a:off x="531943" y="705233"/>
-            <a:ext cx="8881200" cy="571352"/>
+            <a:off x="531943" y="6420234"/>
+            <a:ext cx="8881200" cy="865387"/>
             <a:chOff x="531943" y="705233"/>
             <a:chExt cx="8881200" cy="571352"/>
           </a:xfrm>
@@ -4005,7 +4017,7 @@
           <p:spPr>
             <a:xfrm>
               <a:off x="612262" y="821632"/>
-              <a:ext cx="8457740" cy="338554"/>
+              <a:ext cx="8457740" cy="223523"/>
             </a:xfrm>
             <a:prstGeom prst="rect">
               <a:avLst/>
@@ -4051,7 +4063,7 @@
         </p:nvSpPr>
         <p:spPr>
           <a:xfrm>
-            <a:off x="531943" y="1730682"/>
+            <a:off x="531943" y="7445682"/>
             <a:ext cx="8881200" cy="360000"/>
           </a:xfrm>
           <a:prstGeom prst="rect">
@@ -4103,7 +4115,7 @@
         </p:nvSpPr>
         <p:spPr>
           <a:xfrm>
-            <a:off x="824964" y="1772183"/>
+            <a:off x="824964" y="7487186"/>
             <a:ext cx="8457740" cy="276999"/>
           </a:xfrm>
           <a:prstGeom prst="rect">
@@ -4149,7 +4161,7 @@
         </p:nvSpPr>
         <p:spPr>
           <a:xfrm>
-            <a:off x="531943" y="3143102"/>
+            <a:off x="531943" y="8858102"/>
             <a:ext cx="8881200" cy="360000"/>
           </a:xfrm>
           <a:prstGeom prst="rect">
@@ -4201,7 +4213,7 @@
         </p:nvSpPr>
         <p:spPr>
           <a:xfrm>
-            <a:off x="824964" y="3184603"/>
+            <a:off x="824964" y="8899606"/>
             <a:ext cx="8457740" cy="276999"/>
           </a:xfrm>
           <a:prstGeom prst="rect">
@@ -4247,7 +4259,7 @@
         </p:nvSpPr>
         <p:spPr>
           <a:xfrm>
-            <a:off x="531943" y="3991702"/>
+            <a:off x="531943" y="9706702"/>
             <a:ext cx="8881200" cy="360000"/>
           </a:xfrm>
           <a:prstGeom prst="rect">
@@ -4299,7 +4311,7 @@
         </p:nvSpPr>
         <p:spPr>
           <a:xfrm>
-            <a:off x="824964" y="4033203"/>
+            <a:off x="824964" y="9748206"/>
             <a:ext cx="8457740" cy="276999"/>
           </a:xfrm>
           <a:prstGeom prst="rect">
@@ -4375,7 +4387,7 @@
         </p:nvSpPr>
         <p:spPr>
           <a:xfrm>
-            <a:off x="1694575" y="686997"/>
+            <a:off x="1694578" y="6401997"/>
             <a:ext cx="7869569" cy="1614376"/>
           </a:xfrm>
           <a:prstGeom prst="rect">
@@ -4408,7 +4420,7 @@
           <a:bodyPr rtlCol="0" anchor="ctr"/>
           <a:lstStyle/>
           <a:p>
-            <a:endParaRPr lang="zh-CN" altLang="en-US" sz="1800" dirty="0">
+            <a:endParaRPr lang="zh-CN" altLang="en-US" dirty="0">
               <a:solidFill>
                 <a:schemeClr val="bg1"/>
               </a:solidFill>
@@ -4445,7 +4457,7 @@
         </p:blipFill>
         <p:spPr>
           <a:xfrm>
-            <a:off x="3822057" y="881732"/>
+            <a:off x="3822057" y="6596732"/>
             <a:ext cx="926112" cy="926112"/>
           </a:xfrm>
           <a:prstGeom prst="rect">
@@ -4481,7 +4493,7 @@
         </p:blipFill>
         <p:spPr>
           <a:xfrm>
-            <a:off x="6476297" y="881732"/>
+            <a:off x="6476297" y="6596732"/>
             <a:ext cx="926112" cy="926112"/>
           </a:xfrm>
           <a:prstGeom prst="rect">
@@ -4503,7 +4515,7 @@
         </p:nvSpPr>
         <p:spPr>
           <a:xfrm>
-            <a:off x="4048864" y="1796274"/>
+            <a:off x="4048864" y="7511277"/>
             <a:ext cx="472498" cy="276999"/>
           </a:xfrm>
           <a:prstGeom prst="rect">
@@ -4549,7 +4561,7 @@
         </p:nvSpPr>
         <p:spPr>
           <a:xfrm>
-            <a:off x="6528245" y="1796274"/>
+            <a:off x="6528249" y="7511278"/>
             <a:ext cx="822217" cy="276999"/>
           </a:xfrm>
           <a:prstGeom prst="rect">
@@ -4595,7 +4607,7 @@
         </p:nvSpPr>
         <p:spPr>
           <a:xfrm>
-            <a:off x="4898729" y="2024373"/>
+            <a:off x="4898733" y="7739376"/>
             <a:ext cx="1464231" cy="276999"/>
           </a:xfrm>
           <a:prstGeom prst="rect">
@@ -4666,7 +4678,7 @@
         </p:nvSpPr>
         <p:spPr>
           <a:xfrm>
-            <a:off x="797008" y="2846114"/>
+            <a:off x="797011" y="8561114"/>
             <a:ext cx="8804191" cy="501858"/>
           </a:xfrm>
           <a:prstGeom prst="rect">
@@ -4718,7 +4730,7 @@
         </p:nvSpPr>
         <p:spPr>
           <a:xfrm>
-            <a:off x="931920" y="2927188"/>
+            <a:off x="931923" y="8642191"/>
             <a:ext cx="8879251" cy="307777"/>
           </a:xfrm>
           <a:prstGeom prst="rect">
@@ -4796,7 +4808,7 @@
         </p:blipFill>
         <p:spPr>
           <a:xfrm>
-            <a:off x="8253763" y="2892612"/>
+            <a:off x="8253763" y="8607612"/>
             <a:ext cx="417650" cy="417650"/>
           </a:xfrm>
           <a:prstGeom prst="rect">
@@ -4848,7 +4860,7 @@
         </p:nvSpPr>
         <p:spPr>
           <a:xfrm>
-            <a:off x="797009" y="3706445"/>
+            <a:off x="797012" y="9421445"/>
             <a:ext cx="8804191" cy="501858"/>
           </a:xfrm>
           <a:prstGeom prst="rect">
@@ -4900,7 +4912,7 @@
         </p:nvSpPr>
         <p:spPr>
           <a:xfrm>
-            <a:off x="931920" y="3790612"/>
+            <a:off x="931923" y="9505615"/>
             <a:ext cx="8879251" cy="307777"/>
           </a:xfrm>
           <a:prstGeom prst="rect">
@@ -4960,7 +4972,7 @@
         </p:blipFill>
         <p:spPr>
           <a:xfrm>
-            <a:off x="8246862" y="3732224"/>
+            <a:off x="8246866" y="9447228"/>
             <a:ext cx="424551" cy="424551"/>
           </a:xfrm>
           <a:prstGeom prst="rect">
@@ -4984,7 +4996,7 @@
 <file path=ppt/theme/theme1.xml><?xml version="1.0" encoding="utf-8"?>
 <a:theme xmlns:a="http://schemas.openxmlformats.org/drawingml/2006/main" name="Office 主题​​">
   <a:themeElements>
-    <a:clrScheme name="Office">
+    <a:clrScheme name="Office 主题​​">
       <a:dk1>
         <a:sysClr val="windowText" lastClr="000000"/>
       </a:dk1>
@@ -5022,9 +5034,9 @@
         <a:srgbClr val="954F72"/>
       </a:folHlink>
     </a:clrScheme>
-    <a:fontScheme name="Office">
+    <a:fontScheme name="Office 主题​​">
       <a:majorFont>
-        <a:latin typeface="等线 Light" panose="020F0302020204030204"/>
+        <a:latin typeface="Calibri Light" panose="020F0302020204030204"/>
         <a:ea typeface=""/>
         <a:cs typeface=""/>
         <a:font script="Jpan" typeface="游ゴシック Light"/>
@@ -5057,26 +5069,9 @@
         <a:font script="Viet" typeface="Times New Roman"/>
         <a:font script="Uigh" typeface="Microsoft Uighur"/>
         <a:font script="Geor" typeface="Sylfaen"/>
-        <a:font script="Armn" typeface="Arial"/>
-        <a:font script="Bugi" typeface="Leelawadee UI"/>
-        <a:font script="Bopo" typeface="Microsoft JhengHei"/>
-        <a:font script="Java" typeface="Javanese Text"/>
-        <a:font script="Lisu" typeface="Segoe UI"/>
-        <a:font script="Mymr" typeface="Myanmar Text"/>
-        <a:font script="Nkoo" typeface="Ebrima"/>
-        <a:font script="Olck" typeface="Nirmala UI"/>
-        <a:font script="Osma" typeface="Ebrima"/>
-        <a:font script="Phag" typeface="Phagspa"/>
-        <a:font script="Syrn" typeface="Estrangelo Edessa"/>
-        <a:font script="Syrj" typeface="Estrangelo Edessa"/>
-        <a:font script="Syre" typeface="Estrangelo Edessa"/>
-        <a:font script="Sora" typeface="Nirmala UI"/>
-        <a:font script="Tale" typeface="Microsoft Tai Le"/>
-        <a:font script="Talu" typeface="Microsoft New Tai Lue"/>
-        <a:font script="Tfng" typeface="Ebrima"/>
       </a:majorFont>
       <a:minorFont>
-        <a:latin typeface="等线" panose="020F0502020204030204"/>
+        <a:latin typeface="Calibri" panose="020F0502020204030204"/>
         <a:ea typeface=""/>
         <a:cs typeface=""/>
         <a:font script="Jpan" typeface="游ゴシック"/>
@@ -5109,26 +5104,9 @@
         <a:font script="Viet" typeface="Arial"/>
         <a:font script="Uigh" typeface="Microsoft Uighur"/>
         <a:font script="Geor" typeface="Sylfaen"/>
-        <a:font script="Armn" typeface="Arial"/>
-        <a:font script="Bugi" typeface="Leelawadee UI"/>
-        <a:font script="Bopo" typeface="Microsoft JhengHei"/>
-        <a:font script="Java" typeface="Javanese Text"/>
-        <a:font script="Lisu" typeface="Segoe UI"/>
-        <a:font script="Mymr" typeface="Myanmar Text"/>
-        <a:font script="Nkoo" typeface="Ebrima"/>
-        <a:font script="Olck" typeface="Nirmala UI"/>
-        <a:font script="Osma" typeface="Ebrima"/>
-        <a:font script="Phag" typeface="Phagspa"/>
-        <a:font script="Syrn" typeface="Estrangelo Edessa"/>
-        <a:font script="Syrj" typeface="Estrangelo Edessa"/>
-        <a:font script="Syre" typeface="Estrangelo Edessa"/>
-        <a:font script="Sora" typeface="Nirmala UI"/>
-        <a:font script="Tale" typeface="Microsoft Tai Le"/>
-        <a:font script="Talu" typeface="Microsoft New Tai Lue"/>
-        <a:font script="Tfng" typeface="Ebrima"/>
       </a:minorFont>
     </a:fontScheme>
-    <a:fmtScheme name="Office">
+    <a:fmtScheme name="Office 主题​​">
       <a:fillStyleLst>
         <a:solidFill>
           <a:schemeClr val="phClr"/>

--- a/wspsref_newsletter.pptx
+++ b/wspsref_newsletter.pptx
@@ -3323,7 +3323,7 @@
                 </a:solidFill>
                 <a:latin typeface="Gotham Medium" pitchFamily="50" charset="0"/>
               </a:rPr>
-              <a:t>Add Docking information for all alive ThinkPad Mobile Workstations</a:t>
+              <a:t>Add Docking information to all alive ThinkPad Mobile Workstations</a:t>
             </a:r>
             <a:endParaRPr lang="en-US" altLang="zh-CN" sz="400" dirty="0">
               <a:solidFill>
@@ -3580,7 +3580,7 @@
         <p:spPr>
           <a:xfrm>
             <a:off x="509599" y="5085398"/>
-            <a:ext cx="7941230" cy="1754326"/>
+            <a:ext cx="8245038" cy="1569660"/>
           </a:xfrm>
           <a:prstGeom prst="rect">
             <a:avLst/>
@@ -3782,7 +3782,7 @@
                 </a:solidFill>
                 <a:latin typeface="Gotham Bold" pitchFamily="50" charset="0"/>
               </a:rPr>
-              <a:t>PSREF Development Process </a:t>
+              <a:t>PSREF Development Progress </a:t>
             </a:r>
             <a:r>
               <a:rPr lang="en-US" altLang="zh-CN" sz="1050" i="1" dirty="0">

--- a/wspsref_newsletter.pptx
+++ b/wspsref_newsletter.pptx
@@ -258,7 +258,7 @@
           <a:p>
             <a:fld id="{C9A43F4C-FF5E-49BB-8B0E-1F9E80EBBD5D}" type="datetimeFigureOut">
               <a:rPr lang="zh-CN" altLang="en-US" smtClean="0"/>
-              <a:t>2022/2/16</a:t>
+              <a:t>2022/3/9</a:t>
             </a:fld>
             <a:endParaRPr lang="zh-CN" altLang="en-US"/>
           </a:p>
@@ -428,7 +428,7 @@
           <a:p>
             <a:fld id="{C9A43F4C-FF5E-49BB-8B0E-1F9E80EBBD5D}" type="datetimeFigureOut">
               <a:rPr lang="zh-CN" altLang="en-US" smtClean="0"/>
-              <a:t>2022/2/16</a:t>
+              <a:t>2022/3/9</a:t>
             </a:fld>
             <a:endParaRPr lang="zh-CN" altLang="en-US"/>
           </a:p>
@@ -608,7 +608,7 @@
           <a:p>
             <a:fld id="{C9A43F4C-FF5E-49BB-8B0E-1F9E80EBBD5D}" type="datetimeFigureOut">
               <a:rPr lang="zh-CN" altLang="en-US" smtClean="0"/>
-              <a:t>2022/2/16</a:t>
+              <a:t>2022/3/9</a:t>
             </a:fld>
             <a:endParaRPr lang="zh-CN" altLang="en-US"/>
           </a:p>
@@ -778,7 +778,7 @@
           <a:p>
             <a:fld id="{C9A43F4C-FF5E-49BB-8B0E-1F9E80EBBD5D}" type="datetimeFigureOut">
               <a:rPr lang="zh-CN" altLang="en-US" smtClean="0"/>
-              <a:t>2022/2/16</a:t>
+              <a:t>2022/3/9</a:t>
             </a:fld>
             <a:endParaRPr lang="zh-CN" altLang="en-US"/>
           </a:p>
@@ -1022,7 +1022,7 @@
           <a:p>
             <a:fld id="{C9A43F4C-FF5E-49BB-8B0E-1F9E80EBBD5D}" type="datetimeFigureOut">
               <a:rPr lang="zh-CN" altLang="en-US" smtClean="0"/>
-              <a:t>2022/2/16</a:t>
+              <a:t>2022/3/9</a:t>
             </a:fld>
             <a:endParaRPr lang="zh-CN" altLang="en-US"/>
           </a:p>
@@ -1254,7 +1254,7 @@
           <a:p>
             <a:fld id="{C9A43F4C-FF5E-49BB-8B0E-1F9E80EBBD5D}" type="datetimeFigureOut">
               <a:rPr lang="zh-CN" altLang="en-US" smtClean="0"/>
-              <a:t>2022/2/16</a:t>
+              <a:t>2022/3/9</a:t>
             </a:fld>
             <a:endParaRPr lang="zh-CN" altLang="en-US"/>
           </a:p>
@@ -1621,7 +1621,7 @@
           <a:p>
             <a:fld id="{C9A43F4C-FF5E-49BB-8B0E-1F9E80EBBD5D}" type="datetimeFigureOut">
               <a:rPr lang="zh-CN" altLang="en-US" smtClean="0"/>
-              <a:t>2022/2/16</a:t>
+              <a:t>2022/3/9</a:t>
             </a:fld>
             <a:endParaRPr lang="zh-CN" altLang="en-US"/>
           </a:p>
@@ -1739,7 +1739,7 @@
           <a:p>
             <a:fld id="{C9A43F4C-FF5E-49BB-8B0E-1F9E80EBBD5D}" type="datetimeFigureOut">
               <a:rPr lang="zh-CN" altLang="en-US" smtClean="0"/>
-              <a:t>2022/2/16</a:t>
+              <a:t>2022/3/9</a:t>
             </a:fld>
             <a:endParaRPr lang="zh-CN" altLang="en-US"/>
           </a:p>
@@ -1834,7 +1834,7 @@
           <a:p>
             <a:fld id="{C9A43F4C-FF5E-49BB-8B0E-1F9E80EBBD5D}" type="datetimeFigureOut">
               <a:rPr lang="zh-CN" altLang="en-US" smtClean="0"/>
-              <a:t>2022/2/16</a:t>
+              <a:t>2022/3/9</a:t>
             </a:fld>
             <a:endParaRPr lang="zh-CN" altLang="en-US"/>
           </a:p>
@@ -2111,7 +2111,7 @@
           <a:p>
             <a:fld id="{C9A43F4C-FF5E-49BB-8B0E-1F9E80EBBD5D}" type="datetimeFigureOut">
               <a:rPr lang="zh-CN" altLang="en-US" smtClean="0"/>
-              <a:t>2022/2/16</a:t>
+              <a:t>2022/3/9</a:t>
             </a:fld>
             <a:endParaRPr lang="zh-CN" altLang="en-US"/>
           </a:p>
@@ -2368,7 +2368,7 @@
           <a:p>
             <a:fld id="{C9A43F4C-FF5E-49BB-8B0E-1F9E80EBBD5D}" type="datetimeFigureOut">
               <a:rPr lang="zh-CN" altLang="en-US" smtClean="0"/>
-              <a:t>2022/2/16</a:t>
+              <a:t>2022/3/9</a:t>
             </a:fld>
             <a:endParaRPr lang="zh-CN" altLang="en-US"/>
           </a:p>
@@ -2581,7 +2581,7 @@
           <a:p>
             <a:fld id="{C9A43F4C-FF5E-49BB-8B0E-1F9E80EBBD5D}" type="datetimeFigureOut">
               <a:rPr lang="zh-CN" altLang="en-US" smtClean="0"/>
-              <a:t>2022/2/16</a:t>
+              <a:t>2022/3/9</a:t>
             </a:fld>
             <a:endParaRPr lang="zh-CN" altLang="en-US"/>
           </a:p>
@@ -3155,7 +3155,7 @@
         <p:spPr>
           <a:xfrm>
             <a:off x="511547" y="1327613"/>
-            <a:ext cx="8457740" cy="276999"/>
+            <a:ext cx="8457740" cy="1200329"/>
           </a:xfrm>
           <a:prstGeom prst="rect">
             <a:avLst/>
@@ -3168,6 +3168,10 @@
           </a:bodyPr>
           <a:lstStyle/>
           <a:p>
+            <a:pPr marL="285754" indent="-285754">
+              <a:buFont typeface="Arial" panose="020B0604020202020204" pitchFamily="34" charset="0"/>
+              <a:buChar char="•"/>
+            </a:pPr>
             <a:r>
               <a:rPr lang="en-US" altLang="zh-CN" sz="1200" dirty="0">
                 <a:solidFill>
@@ -3175,9 +3179,87 @@
                 </a:solidFill>
                 <a:latin typeface="Gotham Medium" pitchFamily="50" charset="0"/>
               </a:rPr>
-              <a:t>No Major updates in this release</a:t>
-            </a:r>
-            <a:endParaRPr lang="zh-CN" altLang="en-US" sz="1200" dirty="0">
+              <a:t>Add Windows 11 to ThinkStation P350 Tower</a:t>
+            </a:r>
+            <a:endParaRPr lang="en-US" altLang="zh-CN" sz="100" dirty="0">
+              <a:solidFill>
+                <a:schemeClr val="bg1"/>
+              </a:solidFill>
+              <a:latin typeface="Gotham Medium" pitchFamily="50" charset="0"/>
+            </a:endParaRPr>
+          </a:p>
+          <a:p>
+            <a:pPr marL="285754" indent="-285754">
+              <a:buFont typeface="Arial" panose="020B0604020202020204" pitchFamily="34" charset="0"/>
+              <a:buChar char="•"/>
+            </a:pPr>
+            <a:r>
+              <a:rPr lang="en-US" altLang="zh-CN" sz="1200" dirty="0">
+                <a:solidFill>
+                  <a:schemeClr val="bg1"/>
+                </a:solidFill>
+                <a:latin typeface="Gotham Medium" pitchFamily="50" charset="0"/>
+              </a:rPr>
+              <a:t>Add NVIDIA T400 4GB to ThinkStation P348 Tower / P520c / P520 / P720 / P920</a:t>
+            </a:r>
+            <a:endParaRPr lang="en-US" altLang="zh-CN" sz="100" dirty="0">
+              <a:solidFill>
+                <a:schemeClr val="bg1"/>
+              </a:solidFill>
+              <a:latin typeface="Gotham Medium" pitchFamily="50" charset="0"/>
+            </a:endParaRPr>
+          </a:p>
+          <a:p>
+            <a:pPr marL="285754" indent="-285754">
+              <a:buFont typeface="Arial" panose="020B0604020202020204" pitchFamily="34" charset="0"/>
+              <a:buChar char="•"/>
+            </a:pPr>
+            <a:r>
+              <a:rPr lang="en-US" altLang="zh-CN" sz="1200" dirty="0">
+                <a:solidFill>
+                  <a:schemeClr val="bg1"/>
+                </a:solidFill>
+                <a:latin typeface="Gotham Medium" pitchFamily="50" charset="0"/>
+              </a:rPr>
+              <a:t>Add NVIDIA T1000 8GB to ThinkStation P340 Tiny / P350 Tiny / P348 Tower / P520c / P520 / P720 / P920</a:t>
+            </a:r>
+          </a:p>
+          <a:p>
+            <a:pPr marL="285754" indent="-285754">
+              <a:buFont typeface="Arial" panose="020B0604020202020204" pitchFamily="34" charset="0"/>
+              <a:buChar char="•"/>
+            </a:pPr>
+            <a:r>
+              <a:rPr lang="en-US" altLang="zh-CN" sz="1200" dirty="0">
+                <a:solidFill>
+                  <a:schemeClr val="bg1"/>
+                </a:solidFill>
+                <a:latin typeface="Gotham Medium" pitchFamily="50" charset="0"/>
+              </a:rPr>
+              <a:t>Add NVIDIA RTA A2000 12GB and A4500 20GB to ThinkStation P520c / P520 / P720 / P920</a:t>
+            </a:r>
+            <a:endParaRPr lang="en-US" altLang="zh-CN" sz="100" dirty="0">
+              <a:solidFill>
+                <a:schemeClr val="bg1"/>
+              </a:solidFill>
+              <a:latin typeface="Gotham Medium" pitchFamily="50" charset="0"/>
+            </a:endParaRPr>
+          </a:p>
+          <a:p>
+            <a:pPr marL="285754" indent="-285754">
+              <a:buFont typeface="Arial" panose="020B0604020202020204" pitchFamily="34" charset="0"/>
+              <a:buChar char="•"/>
+            </a:pPr>
+            <a:r>
+              <a:rPr lang="en-US" altLang="zh-CN" sz="1200" dirty="0">
+                <a:solidFill>
+                  <a:schemeClr val="bg1"/>
+                </a:solidFill>
+                <a:latin typeface="Gotham Medium" pitchFamily="50" charset="0"/>
+              </a:rPr>
+              <a:t>Add MT7921 to ThinkStation P348 Tower / P350 Tower / P350 SFF</a:t>
+            </a:r>
+            <a:endParaRPr lang="en-US" altLang="zh-CN" sz="100" dirty="0">
               <a:solidFill>
                 <a:schemeClr val="bg1"/>
               </a:solidFill>
@@ -3299,7 +3381,7 @@
         <p:spPr>
           <a:xfrm>
             <a:off x="509599" y="3130725"/>
-            <a:ext cx="8457740" cy="954107"/>
+            <a:ext cx="8457740" cy="738664"/>
           </a:xfrm>
           <a:prstGeom prst="rect">
             <a:avLst/>
@@ -3323,20 +3405,17 @@
                 </a:solidFill>
                 <a:latin typeface="Gotham Medium" pitchFamily="50" charset="0"/>
               </a:rPr>
-              <a:t>Add Docking information to all alive ThinkPad Mobile Workstations</a:t>
-            </a:r>
-            <a:endParaRPr lang="en-US" altLang="zh-CN" sz="400" dirty="0">
-              <a:solidFill>
-                <a:schemeClr val="bg1"/>
-              </a:solidFill>
-              <a:latin typeface="Gotham Medium" pitchFamily="50" charset="0"/>
-            </a:endParaRPr>
-          </a:p>
-          <a:p>
-            <a:pPr marL="285754" indent="-285754">
-              <a:buFont typeface="Arial" panose="020B0604020202020204" pitchFamily="34" charset="0"/>
-              <a:buChar char="•"/>
-            </a:pPr>
+              <a:t>Add Wired Ethernet with non-side docking port information to ThinkPad P14s Gen 2 (Intel) / P15s Gen</a:t>
+            </a:r>
+            <a:r>
+              <a:rPr lang="zh-CN" altLang="en-US" sz="1400" dirty="0">
+                <a:solidFill>
+                  <a:schemeClr val="bg1"/>
+                </a:solidFill>
+                <a:latin typeface="Gotham Medium" pitchFamily="50" charset="0"/>
+              </a:rPr>
+              <a:t> </a:t>
+            </a:r>
             <a:r>
               <a:rPr lang="en-US" altLang="zh-CN" sz="1400" dirty="0">
                 <a:solidFill>
@@ -3344,10 +3423,8 @@
                 </a:solidFill>
                 <a:latin typeface="Gotham Medium" pitchFamily="50" charset="0"/>
               </a:rPr>
-              <a:t>Update microphone information on ThinkPad P15 Gen 2 / P17 Gen 2 / T15g Gen 2</a:t>
-            </a:r>
-          </a:p>
-          <a:p>
+              <a:t>2</a:t>
+            </a:r>
             <a:endParaRPr lang="zh-CN" altLang="en-US" sz="1400" dirty="0">
               <a:solidFill>
                 <a:schemeClr val="bg1"/>
@@ -3456,7 +3533,7 @@
                 </a:solidFill>
                 <a:latin typeface="Gotham Bold" pitchFamily="50" charset="0"/>
               </a:rPr>
-              <a:t>Window 590, updated as of February 16, 2022</a:t>
+              <a:t>Window 592, updated as of March 9, 2022</a:t>
             </a:r>
             <a:endParaRPr lang="zh-CN" altLang="en-US" sz="1400" dirty="0">
               <a:solidFill>
@@ -3580,7 +3657,7 @@
         <p:spPr>
           <a:xfrm>
             <a:off x="509599" y="5085398"/>
-            <a:ext cx="8245038" cy="1569660"/>
+            <a:ext cx="8245038" cy="1384995"/>
           </a:xfrm>
           <a:prstGeom prst="rect">
             <a:avLst/>
@@ -3604,7 +3681,37 @@
                 </a:solidFill>
                 <a:latin typeface="Gotham Medium" pitchFamily="50" charset="0"/>
               </a:rPr>
-              <a:t>Add Windows 11 to ThinkStation P350 Tower</a:t>
+              <a:t>New product release: ThinkPad P14s Gen 3 / P16s Gen 1 (Intel)</a:t>
+            </a:r>
+          </a:p>
+          <a:p>
+            <a:pPr marL="285754" indent="-285754">
+              <a:buFont typeface="Arial" panose="020B0604020202020204" pitchFamily="34" charset="0"/>
+              <a:buChar char="•"/>
+            </a:pPr>
+            <a:r>
+              <a:rPr lang="en-US" altLang="zh-CN" sz="1200" dirty="0">
+                <a:solidFill>
+                  <a:schemeClr val="bg1"/>
+                </a:solidFill>
+                <a:latin typeface="Gotham Medium" pitchFamily="50" charset="0"/>
+              </a:rPr>
+              <a:t>New product release: ThinkStation P360 Tower / P360 Tiny</a:t>
+            </a:r>
+          </a:p>
+          <a:p>
+            <a:pPr marL="285754" indent="-285754">
+              <a:buFont typeface="Arial" panose="020B0604020202020204" pitchFamily="34" charset="0"/>
+              <a:buChar char="•"/>
+            </a:pPr>
+            <a:r>
+              <a:rPr lang="en-US" altLang="zh-CN" sz="1200" dirty="0">
+                <a:solidFill>
+                  <a:schemeClr val="bg1"/>
+                </a:solidFill>
+                <a:latin typeface="Gotham Medium" pitchFamily="50" charset="0"/>
+              </a:rPr>
+              <a:t>Add AMD Ryzen Threadripper PRO 5000WX Series Processors to ThinkStation P620</a:t>
             </a:r>
             <a:endParaRPr lang="en-US" altLang="zh-CN" sz="100" dirty="0">
               <a:solidFill>
@@ -3625,7 +3732,7 @@
                 </a:solidFill>
                 <a:latin typeface="Gotham Medium" pitchFamily="50" charset="0"/>
               </a:rPr>
-              <a:t>Add NVIDIA T400 4GB to ThinkStation P348 Tower / P520c / P520 / P720 / P920</a:t>
+              <a:t>Add 4TB M.2 2280 PCIe Gen 4x4 Performance NVMe Opal SSD to ThinkStation P620</a:t>
             </a:r>
             <a:endParaRPr lang="en-US" altLang="zh-CN" sz="100" dirty="0">
               <a:solidFill>
@@ -3646,8 +3753,14 @@
                 </a:solidFill>
                 <a:latin typeface="Gotham Medium" pitchFamily="50" charset="0"/>
               </a:rPr>
-              <a:t>Add NVIDIA T1000 8GB to ThinkStation P340 Tiny / P350 Tiny / P348 Tower / P520c / P520 / P720 / P920</a:t>
-            </a:r>
+              <a:t>Add Windows 11 to ThinkStation P340 Tower / P340 SFF / P620</a:t>
+            </a:r>
+            <a:endParaRPr lang="en-US" altLang="zh-CN" sz="100" dirty="0">
+              <a:solidFill>
+                <a:schemeClr val="bg1"/>
+              </a:solidFill>
+              <a:latin typeface="Gotham Medium" pitchFamily="50" charset="0"/>
+            </a:endParaRPr>
           </a:p>
           <a:p>
             <a:pPr marL="285754" indent="-285754">
@@ -3661,7 +3774,7 @@
                 </a:solidFill>
                 <a:latin typeface="Gotham Medium" pitchFamily="50" charset="0"/>
               </a:rPr>
-              <a:t>Add NVIDIA RTA A2000 12GB and A4500 20GB to ThinkStation P520c / P520 / P720 / P920</a:t>
+              <a:t>Add rear 2x USB-C Gen 2 options to ThinkStation P620</a:t>
             </a:r>
             <a:endParaRPr lang="en-US" altLang="zh-CN" sz="100" dirty="0">
               <a:solidFill>
@@ -3682,7 +3795,7 @@
                 </a:solidFill>
                 <a:latin typeface="Gotham Medium" pitchFamily="50" charset="0"/>
               </a:rPr>
-              <a:t>Add MT7921 to ThinkStation P348 Tower / P350 Tower / P350 SFF</a:t>
+              <a:t>Add MT7921 to ThinkStation P340 Tower / P340 SFF</a:t>
             </a:r>
             <a:endParaRPr lang="en-US" altLang="zh-CN" sz="100" dirty="0">
               <a:solidFill>
@@ -3690,60 +3803,6 @@
               </a:solidFill>
               <a:latin typeface="Gotham Medium" pitchFamily="50" charset="0"/>
             </a:endParaRPr>
-          </a:p>
-          <a:p>
-            <a:pPr marL="285754" indent="-285754">
-              <a:buFont typeface="Arial" panose="020B0604020202020204" pitchFamily="34" charset="0"/>
-              <a:buChar char="•"/>
-            </a:pPr>
-            <a:r>
-              <a:rPr lang="en-US" altLang="zh-CN" sz="1200" dirty="0">
-                <a:solidFill>
-                  <a:schemeClr val="bg1"/>
-                </a:solidFill>
-                <a:latin typeface="Gotham Medium" pitchFamily="50" charset="0"/>
-              </a:rPr>
-              <a:t>Add Intel Pentium G6405 to ThinkStation P348 Tower (TBD)</a:t>
-            </a:r>
-            <a:endParaRPr lang="en-US" altLang="zh-CN" sz="100" dirty="0">
-              <a:solidFill>
-                <a:schemeClr val="bg1"/>
-              </a:solidFill>
-              <a:latin typeface="Gotham Medium" pitchFamily="50" charset="0"/>
-            </a:endParaRPr>
-          </a:p>
-          <a:p>
-            <a:pPr marL="285754" indent="-285754">
-              <a:buFont typeface="Arial" panose="020B0604020202020204" pitchFamily="34" charset="0"/>
-              <a:buChar char="•"/>
-            </a:pPr>
-            <a:r>
-              <a:rPr lang="en-US" altLang="zh-CN" sz="1200" dirty="0">
-                <a:solidFill>
-                  <a:schemeClr val="bg1"/>
-                </a:solidFill>
-                <a:latin typeface="Gotham Medium" pitchFamily="50" charset="0"/>
-              </a:rPr>
-              <a:t>Add Wired Ethernet w/o side docking port information to ThinkPad P14s Gen 2 (Intel) / P15s Gen</a:t>
-            </a:r>
-            <a:r>
-              <a:rPr lang="zh-CN" altLang="en-US" sz="1200" dirty="0">
-                <a:solidFill>
-                  <a:schemeClr val="bg1"/>
-                </a:solidFill>
-                <a:latin typeface="Gotham Medium" pitchFamily="50" charset="0"/>
-              </a:rPr>
-              <a:t> </a:t>
-            </a:r>
-            <a:r>
-              <a:rPr lang="en-US" altLang="zh-CN" sz="1200" dirty="0">
-                <a:solidFill>
-                  <a:schemeClr val="bg1"/>
-                </a:solidFill>
-                <a:latin typeface="Gotham Medium" pitchFamily="50" charset="0"/>
-              </a:rPr>
-              <a:t>2</a:t>
-            </a:r>
           </a:p>
         </p:txBody>
       </p:sp>
@@ -3825,77 +3884,6 @@
               </a:solidFill>
               <a:latin typeface="Gotham Bold" pitchFamily="50" charset="0"/>
             </a:endParaRPr>
-          </a:p>
-        </p:txBody>
-      </p:sp>
-      <p:sp>
-        <p:nvSpPr>
-          <p:cNvPr id="28" name="文本框 27">
-            <a:extLst>
-              <a:ext uri="{FF2B5EF4-FFF2-40B4-BE49-F238E27FC236}">
-                <a16:creationId xmlns:a16="http://schemas.microsoft.com/office/drawing/2014/main" id="{9023E085-810C-498A-8034-14A8B015C76E}"/>
-              </a:ext>
-            </a:extLst>
-          </p:cNvPr>
-          <p:cNvSpPr txBox="1"/>
-          <p:nvPr/>
-        </p:nvSpPr>
-        <p:spPr>
-          <a:xfrm>
-            <a:off x="509599" y="7267922"/>
-            <a:ext cx="7941230" cy="507831"/>
-          </a:xfrm>
-          <a:prstGeom prst="rect">
-            <a:avLst/>
-          </a:prstGeom>
-          <a:noFill/>
-        </p:spPr>
-        <p:txBody>
-          <a:bodyPr wrap="square" rtlCol="0">
-            <a:spAutoFit/>
-          </a:bodyPr>
-          <a:lstStyle/>
-          <a:p>
-            <a:pPr marL="285750" indent="-285750">
-              <a:buFont typeface="Arial" panose="020B0604020202020204" pitchFamily="34" charset="0"/>
-              <a:buChar char="•"/>
-            </a:pPr>
-            <a:r>
-              <a:rPr lang="en-US" altLang="zh-CN" sz="1200" dirty="0">
-                <a:solidFill>
-                  <a:schemeClr val="bg1"/>
-                </a:solidFill>
-                <a:latin typeface="Gotham Medium" pitchFamily="50" charset="0"/>
-              </a:rPr>
-              <a:t>ThinkPad P14s Gen 3 and ThinkPad P16s Gen 1 final version will be ready within this week</a:t>
-            </a:r>
-          </a:p>
-          <a:p>
-            <a:pPr marL="171450" indent="-171450">
-              <a:buFont typeface="Arial" panose="020B0604020202020204" pitchFamily="34" charset="0"/>
-              <a:buChar char="•"/>
-            </a:pPr>
-            <a:endParaRPr lang="en-US" altLang="zh-CN" sz="300" dirty="0">
-              <a:solidFill>
-                <a:schemeClr val="bg1"/>
-              </a:solidFill>
-              <a:latin typeface="Gotham Medium" pitchFamily="50" charset="0"/>
-            </a:endParaRPr>
-          </a:p>
-          <a:p>
-            <a:pPr marL="285750" indent="-285750">
-              <a:buFont typeface="Arial" panose="020B0604020202020204" pitchFamily="34" charset="0"/>
-              <a:buChar char="•"/>
-            </a:pPr>
-            <a:r>
-              <a:rPr lang="en-US" altLang="zh-CN" sz="1200" dirty="0">
-                <a:solidFill>
-                  <a:schemeClr val="bg1"/>
-                </a:solidFill>
-                <a:latin typeface="Gotham Medium" pitchFamily="50" charset="0"/>
-              </a:rPr>
-              <a:t>Update Workstation PSREF Plan, add ThinkStation P360 Ultra announcement date</a:t>
-            </a:r>
           </a:p>
         </p:txBody>
       </p:sp>

--- a/wspsref_newsletter.pptx
+++ b/wspsref_newsletter.pptx
@@ -3774,7 +3774,7 @@
                 </a:solidFill>
                 <a:latin typeface="Gotham Medium" pitchFamily="50" charset="0"/>
               </a:rPr>
-              <a:t>Add rear 2x USB-C Gen 2 options to ThinkStation P620</a:t>
+              <a:t>Add rear 2x USB-C Gen 2 option to ThinkStation P620</a:t>
             </a:r>
             <a:endParaRPr lang="en-US" altLang="zh-CN" sz="100" dirty="0">
               <a:solidFill>

--- a/wspsref_newsletter.pptx
+++ b/wspsref_newsletter.pptx
@@ -258,7 +258,7 @@
           <a:p>
             <a:fld id="{C9A43F4C-FF5E-49BB-8B0E-1F9E80EBBD5D}" type="datetimeFigureOut">
               <a:rPr lang="zh-CN" altLang="en-US" smtClean="0"/>
-              <a:t>2022/3/9</a:t>
+              <a:t>2022/3/30</a:t>
             </a:fld>
             <a:endParaRPr lang="zh-CN" altLang="en-US"/>
           </a:p>
@@ -428,7 +428,7 @@
           <a:p>
             <a:fld id="{C9A43F4C-FF5E-49BB-8B0E-1F9E80EBBD5D}" type="datetimeFigureOut">
               <a:rPr lang="zh-CN" altLang="en-US" smtClean="0"/>
-              <a:t>2022/3/9</a:t>
+              <a:t>2022/3/30</a:t>
             </a:fld>
             <a:endParaRPr lang="zh-CN" altLang="en-US"/>
           </a:p>
@@ -608,7 +608,7 @@
           <a:p>
             <a:fld id="{C9A43F4C-FF5E-49BB-8B0E-1F9E80EBBD5D}" type="datetimeFigureOut">
               <a:rPr lang="zh-CN" altLang="en-US" smtClean="0"/>
-              <a:t>2022/3/9</a:t>
+              <a:t>2022/3/30</a:t>
             </a:fld>
             <a:endParaRPr lang="zh-CN" altLang="en-US"/>
           </a:p>
@@ -778,7 +778,7 @@
           <a:p>
             <a:fld id="{C9A43F4C-FF5E-49BB-8B0E-1F9E80EBBD5D}" type="datetimeFigureOut">
               <a:rPr lang="zh-CN" altLang="en-US" smtClean="0"/>
-              <a:t>2022/3/9</a:t>
+              <a:t>2022/3/30</a:t>
             </a:fld>
             <a:endParaRPr lang="zh-CN" altLang="en-US"/>
           </a:p>
@@ -1022,7 +1022,7 @@
           <a:p>
             <a:fld id="{C9A43F4C-FF5E-49BB-8B0E-1F9E80EBBD5D}" type="datetimeFigureOut">
               <a:rPr lang="zh-CN" altLang="en-US" smtClean="0"/>
-              <a:t>2022/3/9</a:t>
+              <a:t>2022/3/30</a:t>
             </a:fld>
             <a:endParaRPr lang="zh-CN" altLang="en-US"/>
           </a:p>
@@ -1254,7 +1254,7 @@
           <a:p>
             <a:fld id="{C9A43F4C-FF5E-49BB-8B0E-1F9E80EBBD5D}" type="datetimeFigureOut">
               <a:rPr lang="zh-CN" altLang="en-US" smtClean="0"/>
-              <a:t>2022/3/9</a:t>
+              <a:t>2022/3/30</a:t>
             </a:fld>
             <a:endParaRPr lang="zh-CN" altLang="en-US"/>
           </a:p>
@@ -1621,7 +1621,7 @@
           <a:p>
             <a:fld id="{C9A43F4C-FF5E-49BB-8B0E-1F9E80EBBD5D}" type="datetimeFigureOut">
               <a:rPr lang="zh-CN" altLang="en-US" smtClean="0"/>
-              <a:t>2022/3/9</a:t>
+              <a:t>2022/3/30</a:t>
             </a:fld>
             <a:endParaRPr lang="zh-CN" altLang="en-US"/>
           </a:p>
@@ -1739,7 +1739,7 @@
           <a:p>
             <a:fld id="{C9A43F4C-FF5E-49BB-8B0E-1F9E80EBBD5D}" type="datetimeFigureOut">
               <a:rPr lang="zh-CN" altLang="en-US" smtClean="0"/>
-              <a:t>2022/3/9</a:t>
+              <a:t>2022/3/30</a:t>
             </a:fld>
             <a:endParaRPr lang="zh-CN" altLang="en-US"/>
           </a:p>
@@ -1834,7 +1834,7 @@
           <a:p>
             <a:fld id="{C9A43F4C-FF5E-49BB-8B0E-1F9E80EBBD5D}" type="datetimeFigureOut">
               <a:rPr lang="zh-CN" altLang="en-US" smtClean="0"/>
-              <a:t>2022/3/9</a:t>
+              <a:t>2022/3/30</a:t>
             </a:fld>
             <a:endParaRPr lang="zh-CN" altLang="en-US"/>
           </a:p>
@@ -2111,7 +2111,7 @@
           <a:p>
             <a:fld id="{C9A43F4C-FF5E-49BB-8B0E-1F9E80EBBD5D}" type="datetimeFigureOut">
               <a:rPr lang="zh-CN" altLang="en-US" smtClean="0"/>
-              <a:t>2022/3/9</a:t>
+              <a:t>2022/3/30</a:t>
             </a:fld>
             <a:endParaRPr lang="zh-CN" altLang="en-US"/>
           </a:p>
@@ -2368,7 +2368,7 @@
           <a:p>
             <a:fld id="{C9A43F4C-FF5E-49BB-8B0E-1F9E80EBBD5D}" type="datetimeFigureOut">
               <a:rPr lang="zh-CN" altLang="en-US" smtClean="0"/>
-              <a:t>2022/3/9</a:t>
+              <a:t>2022/3/30</a:t>
             </a:fld>
             <a:endParaRPr lang="zh-CN" altLang="en-US"/>
           </a:p>
@@ -2581,7 +2581,7 @@
           <a:p>
             <a:fld id="{C9A43F4C-FF5E-49BB-8B0E-1F9E80EBBD5D}" type="datetimeFigureOut">
               <a:rPr lang="zh-CN" altLang="en-US" smtClean="0"/>
-              <a:t>2022/3/9</a:t>
+              <a:t>2022/3/30</a:t>
             </a:fld>
             <a:endParaRPr lang="zh-CN" altLang="en-US"/>
           </a:p>
@@ -3155,7 +3155,7 @@
         <p:spPr>
           <a:xfrm>
             <a:off x="511547" y="1327613"/>
-            <a:ext cx="8457740" cy="1200329"/>
+            <a:ext cx="8457740" cy="1384995"/>
           </a:xfrm>
           <a:prstGeom prst="rect">
             <a:avLst/>
@@ -3179,7 +3179,67 @@
                 </a:solidFill>
                 <a:latin typeface="Gotham Medium" pitchFamily="50" charset="0"/>
               </a:rPr>
-              <a:t>Add Windows 11 to ThinkStation P350 Tower</a:t>
+              <a:t>New product release: ThinkStation P360 Tower / P360 Tiny</a:t>
+            </a:r>
+          </a:p>
+          <a:p>
+            <a:pPr marL="285754" indent="-285754">
+              <a:buFont typeface="Arial" panose="020B0604020202020204" pitchFamily="34" charset="0"/>
+              <a:buChar char="•"/>
+            </a:pPr>
+            <a:r>
+              <a:rPr lang="en-US" altLang="zh-CN" sz="1200" dirty="0">
+                <a:solidFill>
+                  <a:schemeClr val="bg1"/>
+                </a:solidFill>
+                <a:latin typeface="Gotham Medium" pitchFamily="50" charset="0"/>
+              </a:rPr>
+              <a:t>Add NVIDIA T400 2GB / T400 4GB / T600 / T1000 4GB / T1000 8GB to ThinkStation P340 Tower / SFF</a:t>
+            </a:r>
+          </a:p>
+          <a:p>
+            <a:pPr marL="285754" indent="-285754">
+              <a:buFont typeface="Arial" panose="020B0604020202020204" pitchFamily="34" charset="0"/>
+              <a:buChar char="•"/>
+            </a:pPr>
+            <a:r>
+              <a:rPr lang="en-US" altLang="zh-CN" sz="1200" dirty="0">
+                <a:solidFill>
+                  <a:schemeClr val="bg1"/>
+                </a:solidFill>
+                <a:latin typeface="Gotham Medium" pitchFamily="50" charset="0"/>
+              </a:rPr>
+              <a:t>Add NVIDIA RTX A2000 to ThinkStation P340 Tower / P520c / P920</a:t>
+            </a:r>
+          </a:p>
+          <a:p>
+            <a:pPr marL="285754" indent="-285754">
+              <a:buFont typeface="Arial" panose="020B0604020202020204" pitchFamily="34" charset="0"/>
+              <a:buChar char="•"/>
+            </a:pPr>
+            <a:r>
+              <a:rPr lang="en-US" altLang="zh-CN" sz="1200" dirty="0">
+                <a:solidFill>
+                  <a:schemeClr val="bg1"/>
+                </a:solidFill>
+                <a:latin typeface="Gotham Medium" pitchFamily="50" charset="0"/>
+              </a:rPr>
+              <a:t>Add NVIDIA RTX A4500 to P520c / P520 / P720 / P920</a:t>
+            </a:r>
+          </a:p>
+          <a:p>
+            <a:pPr marL="285754" indent="-285754">
+              <a:buFont typeface="Arial" panose="020B0604020202020204" pitchFamily="34" charset="0"/>
+              <a:buChar char="•"/>
+            </a:pPr>
+            <a:r>
+              <a:rPr lang="en-US" altLang="zh-CN" sz="1200" dirty="0">
+                <a:solidFill>
+                  <a:schemeClr val="bg1"/>
+                </a:solidFill>
+                <a:latin typeface="Gotham Medium" pitchFamily="50" charset="0"/>
+              </a:rPr>
+              <a:t>Add Windows 11 to ThinkStation P340 Tower / P340 SFF</a:t>
             </a:r>
             <a:endParaRPr lang="en-US" altLang="zh-CN" sz="100" dirty="0">
               <a:solidFill>
@@ -3200,64 +3260,7 @@
                 </a:solidFill>
                 <a:latin typeface="Gotham Medium" pitchFamily="50" charset="0"/>
               </a:rPr>
-              <a:t>Add NVIDIA T400 4GB to ThinkStation P348 Tower / P520c / P520 / P720 / P920</a:t>
-            </a:r>
-            <a:endParaRPr lang="en-US" altLang="zh-CN" sz="100" dirty="0">
-              <a:solidFill>
-                <a:schemeClr val="bg1"/>
-              </a:solidFill>
-              <a:latin typeface="Gotham Medium" pitchFamily="50" charset="0"/>
-            </a:endParaRPr>
-          </a:p>
-          <a:p>
-            <a:pPr marL="285754" indent="-285754">
-              <a:buFont typeface="Arial" panose="020B0604020202020204" pitchFamily="34" charset="0"/>
-              <a:buChar char="•"/>
-            </a:pPr>
-            <a:r>
-              <a:rPr lang="en-US" altLang="zh-CN" sz="1200" dirty="0">
-                <a:solidFill>
-                  <a:schemeClr val="bg1"/>
-                </a:solidFill>
-                <a:latin typeface="Gotham Medium" pitchFamily="50" charset="0"/>
-              </a:rPr>
-              <a:t>Add NVIDIA T1000 8GB to ThinkStation P340 Tiny / P350 Tiny / P348 Tower / P520c / P520 / P720 / P920</a:t>
-            </a:r>
-          </a:p>
-          <a:p>
-            <a:pPr marL="285754" indent="-285754">
-              <a:buFont typeface="Arial" panose="020B0604020202020204" pitchFamily="34" charset="0"/>
-              <a:buChar char="•"/>
-            </a:pPr>
-            <a:r>
-              <a:rPr lang="en-US" altLang="zh-CN" sz="1200" dirty="0">
-                <a:solidFill>
-                  <a:schemeClr val="bg1"/>
-                </a:solidFill>
-                <a:latin typeface="Gotham Medium" pitchFamily="50" charset="0"/>
-              </a:rPr>
-              <a:t>Add NVIDIA RTA A2000 12GB and A4500 20GB to ThinkStation P520c / P520 / P720 / P920</a:t>
-            </a:r>
-            <a:endParaRPr lang="en-US" altLang="zh-CN" sz="100" dirty="0">
-              <a:solidFill>
-                <a:schemeClr val="bg1"/>
-              </a:solidFill>
-              <a:latin typeface="Gotham Medium" pitchFamily="50" charset="0"/>
-            </a:endParaRPr>
-          </a:p>
-          <a:p>
-            <a:pPr marL="285754" indent="-285754">
-              <a:buFont typeface="Arial" panose="020B0604020202020204" pitchFamily="34" charset="0"/>
-              <a:buChar char="•"/>
-            </a:pPr>
-            <a:r>
-              <a:rPr lang="en-US" altLang="zh-CN" sz="1200" dirty="0">
-                <a:solidFill>
-                  <a:schemeClr val="bg1"/>
-                </a:solidFill>
-                <a:latin typeface="Gotham Medium" pitchFamily="50" charset="0"/>
-              </a:rPr>
-              <a:t>Add MT7921 to ThinkStation P348 Tower / P350 Tower / P350 SFF</a:t>
+              <a:t>Add MT7921 to ThinkStation P340 Tower / P340 SFF</a:t>
             </a:r>
             <a:endParaRPr lang="en-US" altLang="zh-CN" sz="100" dirty="0">
               <a:solidFill>
@@ -3381,7 +3384,7 @@
         <p:spPr>
           <a:xfrm>
             <a:off x="509599" y="3130725"/>
-            <a:ext cx="8457740" cy="738664"/>
+            <a:ext cx="8457740" cy="492443"/>
           </a:xfrm>
           <a:prstGeom prst="rect">
             <a:avLst/>
@@ -3399,33 +3402,15 @@
               <a:buChar char="•"/>
             </a:pPr>
             <a:r>
-              <a:rPr lang="en-US" altLang="zh-CN" sz="1400" dirty="0">
+              <a:rPr lang="en-US" altLang="zh-CN" sz="1200" dirty="0">
                 <a:solidFill>
                   <a:schemeClr val="bg1"/>
                 </a:solidFill>
                 <a:latin typeface="Gotham Medium" pitchFamily="50" charset="0"/>
               </a:rPr>
-              <a:t>Add Wired Ethernet with non-side docking port information to ThinkPad P14s Gen 2 (Intel) / P15s Gen</a:t>
-            </a:r>
-            <a:r>
-              <a:rPr lang="zh-CN" altLang="en-US" sz="1400" dirty="0">
-                <a:solidFill>
-                  <a:schemeClr val="bg1"/>
-                </a:solidFill>
-                <a:latin typeface="Gotham Medium" pitchFamily="50" charset="0"/>
-              </a:rPr>
-              <a:t> </a:t>
-            </a:r>
-            <a:r>
-              <a:rPr lang="en-US" altLang="zh-CN" sz="1400" dirty="0">
-                <a:solidFill>
-                  <a:schemeClr val="bg1"/>
-                </a:solidFill>
-                <a:latin typeface="Gotham Medium" pitchFamily="50" charset="0"/>
-              </a:rPr>
-              <a:t>2</a:t>
-            </a:r>
-            <a:endParaRPr lang="zh-CN" altLang="en-US" sz="1400" dirty="0">
+              <a:t>No major update in this release</a:t>
+            </a:r>
+            <a:endParaRPr lang="zh-CN" altLang="en-US" sz="1200" dirty="0">
               <a:solidFill>
                 <a:schemeClr val="bg1"/>
               </a:solidFill>
@@ -3533,7 +3518,7 @@
                 </a:solidFill>
                 <a:latin typeface="Gotham Bold" pitchFamily="50" charset="0"/>
               </a:rPr>
-              <a:t>Window 592, updated as of March 9, 2022</a:t>
+              <a:t>Window 592, updated as of March 30, 2022</a:t>
             </a:r>
             <a:endParaRPr lang="zh-CN" altLang="en-US" sz="1400" dirty="0">
               <a:solidFill>
@@ -3657,7 +3642,7 @@
         <p:spPr>
           <a:xfrm>
             <a:off x="509599" y="5085398"/>
-            <a:ext cx="8245038" cy="1384995"/>
+            <a:ext cx="8245038" cy="1400383"/>
           </a:xfrm>
           <a:prstGeom prst="rect">
             <a:avLst/>
@@ -3681,22 +3666,7 @@
                 </a:solidFill>
                 <a:latin typeface="Gotham Medium" pitchFamily="50" charset="0"/>
               </a:rPr>
-              <a:t>New product release: ThinkPad P14s Gen 3 / P16s Gen 1 (Intel)</a:t>
-            </a:r>
-          </a:p>
-          <a:p>
-            <a:pPr marL="285754" indent="-285754">
-              <a:buFont typeface="Arial" panose="020B0604020202020204" pitchFamily="34" charset="0"/>
-              <a:buChar char="•"/>
-            </a:pPr>
-            <a:r>
-              <a:rPr lang="en-US" altLang="zh-CN" sz="1200" dirty="0">
-                <a:solidFill>
-                  <a:schemeClr val="bg1"/>
-                </a:solidFill>
-                <a:latin typeface="Gotham Medium" pitchFamily="50" charset="0"/>
-              </a:rPr>
-              <a:t>New product release: ThinkStation P360 Tower / P360 Tiny</a:t>
+              <a:t>Add NVIDIA T400 / T600 / T1000 / RTX A2000 to ThinkStation P350 Tower / P620</a:t>
             </a:r>
           </a:p>
           <a:p>
@@ -3734,6 +3704,36 @@
               </a:rPr>
               <a:t>Add 4TB M.2 2280 PCIe Gen 4x4 Performance NVMe Opal SSD to ThinkStation P620</a:t>
             </a:r>
+          </a:p>
+          <a:p>
+            <a:pPr marL="285754" indent="-285754">
+              <a:buFont typeface="Arial" panose="020B0604020202020204" pitchFamily="34" charset="0"/>
+              <a:buChar char="•"/>
+            </a:pPr>
+            <a:r>
+              <a:rPr lang="en-US" altLang="zh-CN" sz="1200" dirty="0">
+                <a:solidFill>
+                  <a:schemeClr val="bg1"/>
+                </a:solidFill>
+                <a:latin typeface="Gotham Medium" pitchFamily="50" charset="0"/>
+              </a:rPr>
+              <a:t>Add NVIDIA RTX A4500 to ThinkStation P620</a:t>
+            </a:r>
+          </a:p>
+          <a:p>
+            <a:pPr marL="285754" indent="-285754">
+              <a:buFont typeface="Arial" panose="020B0604020202020204" pitchFamily="34" charset="0"/>
+              <a:buChar char="•"/>
+            </a:pPr>
+            <a:r>
+              <a:rPr lang="en-US" altLang="zh-CN" sz="1200" dirty="0">
+                <a:solidFill>
+                  <a:schemeClr val="bg1"/>
+                </a:solidFill>
+                <a:latin typeface="Gotham Medium" pitchFamily="50" charset="0"/>
+              </a:rPr>
+              <a:t>Add rear 2x USB-C 3.2 Gen 2 option to ThinkStation P620</a:t>
+            </a:r>
             <a:endParaRPr lang="en-US" altLang="zh-CN" sz="100" dirty="0">
               <a:solidFill>
                 <a:schemeClr val="bg1"/>
@@ -3753,8 +3753,14 @@
                 </a:solidFill>
                 <a:latin typeface="Gotham Medium" pitchFamily="50" charset="0"/>
               </a:rPr>
-              <a:t>Add Windows 11 to ThinkStation P340 Tower / P340 SFF / P620</a:t>
-            </a:r>
+              <a:t>Add rear Thunderbolt 4 option to ThinkStation P350 Tiny / P350 Tower / P350 SFF </a:t>
+            </a:r>
+          </a:p>
+          <a:p>
+            <a:pPr marL="285754" indent="-285754">
+              <a:buFont typeface="Arial" panose="020B0604020202020204" pitchFamily="34" charset="0"/>
+              <a:buChar char="•"/>
+            </a:pPr>
             <a:endParaRPr lang="en-US" altLang="zh-CN" sz="100" dirty="0">
               <a:solidFill>
                 <a:schemeClr val="bg1"/>
@@ -3774,28 +3780,7 @@
                 </a:solidFill>
                 <a:latin typeface="Gotham Medium" pitchFamily="50" charset="0"/>
               </a:rPr>
-              <a:t>Add rear 2x USB-C Gen 2 option to ThinkStation P620</a:t>
-            </a:r>
-            <a:endParaRPr lang="en-US" altLang="zh-CN" sz="100" dirty="0">
-              <a:solidFill>
-                <a:schemeClr val="bg1"/>
-              </a:solidFill>
-              <a:latin typeface="Gotham Medium" pitchFamily="50" charset="0"/>
-            </a:endParaRPr>
-          </a:p>
-          <a:p>
-            <a:pPr marL="285754" indent="-285754">
-              <a:buFont typeface="Arial" panose="020B0604020202020204" pitchFamily="34" charset="0"/>
-              <a:buChar char="•"/>
-            </a:pPr>
-            <a:r>
-              <a:rPr lang="en-US" altLang="zh-CN" sz="1200" dirty="0">
-                <a:solidFill>
-                  <a:schemeClr val="bg1"/>
-                </a:solidFill>
-                <a:latin typeface="Gotham Medium" pitchFamily="50" charset="0"/>
-              </a:rPr>
-              <a:t>Add MT7921 to ThinkStation P340 Tower / P340 SFF</a:t>
+              <a:t>Add Windows 11 to ThinkStation P520c / P520 / /P620 / P720 / P920</a:t>
             </a:r>
             <a:endParaRPr lang="en-US" altLang="zh-CN" sz="100" dirty="0">
               <a:solidFill>
@@ -3821,7 +3806,7 @@
         <p:spPr>
           <a:xfrm>
             <a:off x="296897" y="6860832"/>
-            <a:ext cx="8457740" cy="707886"/>
+            <a:ext cx="8457740" cy="769441"/>
           </a:xfrm>
           <a:prstGeom prst="rect">
             <a:avLst/>
@@ -3878,12 +3863,34 @@
             </a:endParaRPr>
           </a:p>
           <a:p>
-            <a:endParaRPr lang="en-US" altLang="zh-CN" sz="2000" dirty="0">
-              <a:solidFill>
-                <a:schemeClr val="bg1"/>
-              </a:solidFill>
-              <a:latin typeface="Gotham Bold" pitchFamily="50" charset="0"/>
-            </a:endParaRPr>
+            <a:pPr marL="285754" indent="-285754">
+              <a:buFont typeface="Arial" panose="020B0604020202020204" pitchFamily="34" charset="0"/>
+              <a:buChar char="•"/>
+            </a:pPr>
+            <a:r>
+              <a:rPr lang="en-US" altLang="zh-CN" sz="1200" dirty="0">
+                <a:solidFill>
+                  <a:schemeClr val="bg1"/>
+                </a:solidFill>
+                <a:latin typeface="Gotham Medium" pitchFamily="50" charset="0"/>
+              </a:rPr>
+              <a:t>Finish draft version of PSREF spec for ThinkPad P15v Gen 3 / T15p Gen 3 in early April</a:t>
+            </a:r>
+          </a:p>
+          <a:p>
+            <a:pPr marL="285754" indent="-285754">
+              <a:buFont typeface="Arial" panose="020B0604020202020204" pitchFamily="34" charset="0"/>
+              <a:buChar char="•"/>
+            </a:pPr>
+            <a:r>
+              <a:rPr lang="en-US" altLang="zh-CN" sz="1200" dirty="0">
+                <a:solidFill>
+                  <a:schemeClr val="bg1"/>
+                </a:solidFill>
+                <a:latin typeface="Gotham Medium" pitchFamily="50" charset="0"/>
+              </a:rPr>
+              <a:t>Finish draft version of PSREF spec for ThinkPad P1 Gen 5 in the middle of April</a:t>
+            </a:r>
           </a:p>
         </p:txBody>
       </p:sp>

--- a/wspsref_newsletter.pptx
+++ b/wspsref_newsletter.pptx
@@ -258,7 +258,7 @@
           <a:p>
             <a:fld id="{C9A43F4C-FF5E-49BB-8B0E-1F9E80EBBD5D}" type="datetimeFigureOut">
               <a:rPr lang="zh-CN" altLang="en-US" smtClean="0"/>
-              <a:t>2022/3/30</a:t>
+              <a:t>2022/4/20</a:t>
             </a:fld>
             <a:endParaRPr lang="zh-CN" altLang="en-US"/>
           </a:p>
@@ -428,7 +428,7 @@
           <a:p>
             <a:fld id="{C9A43F4C-FF5E-49BB-8B0E-1F9E80EBBD5D}" type="datetimeFigureOut">
               <a:rPr lang="zh-CN" altLang="en-US" smtClean="0"/>
-              <a:t>2022/3/30</a:t>
+              <a:t>2022/4/20</a:t>
             </a:fld>
             <a:endParaRPr lang="zh-CN" altLang="en-US"/>
           </a:p>
@@ -608,7 +608,7 @@
           <a:p>
             <a:fld id="{C9A43F4C-FF5E-49BB-8B0E-1F9E80EBBD5D}" type="datetimeFigureOut">
               <a:rPr lang="zh-CN" altLang="en-US" smtClean="0"/>
-              <a:t>2022/3/30</a:t>
+              <a:t>2022/4/20</a:t>
             </a:fld>
             <a:endParaRPr lang="zh-CN" altLang="en-US"/>
           </a:p>
@@ -778,7 +778,7 @@
           <a:p>
             <a:fld id="{C9A43F4C-FF5E-49BB-8B0E-1F9E80EBBD5D}" type="datetimeFigureOut">
               <a:rPr lang="zh-CN" altLang="en-US" smtClean="0"/>
-              <a:t>2022/3/30</a:t>
+              <a:t>2022/4/20</a:t>
             </a:fld>
             <a:endParaRPr lang="zh-CN" altLang="en-US"/>
           </a:p>
@@ -1022,7 +1022,7 @@
           <a:p>
             <a:fld id="{C9A43F4C-FF5E-49BB-8B0E-1F9E80EBBD5D}" type="datetimeFigureOut">
               <a:rPr lang="zh-CN" altLang="en-US" smtClean="0"/>
-              <a:t>2022/3/30</a:t>
+              <a:t>2022/4/20</a:t>
             </a:fld>
             <a:endParaRPr lang="zh-CN" altLang="en-US"/>
           </a:p>
@@ -1254,7 +1254,7 @@
           <a:p>
             <a:fld id="{C9A43F4C-FF5E-49BB-8B0E-1F9E80EBBD5D}" type="datetimeFigureOut">
               <a:rPr lang="zh-CN" altLang="en-US" smtClean="0"/>
-              <a:t>2022/3/30</a:t>
+              <a:t>2022/4/20</a:t>
             </a:fld>
             <a:endParaRPr lang="zh-CN" altLang="en-US"/>
           </a:p>
@@ -1621,7 +1621,7 @@
           <a:p>
             <a:fld id="{C9A43F4C-FF5E-49BB-8B0E-1F9E80EBBD5D}" type="datetimeFigureOut">
               <a:rPr lang="zh-CN" altLang="en-US" smtClean="0"/>
-              <a:t>2022/3/30</a:t>
+              <a:t>2022/4/20</a:t>
             </a:fld>
             <a:endParaRPr lang="zh-CN" altLang="en-US"/>
           </a:p>
@@ -1739,7 +1739,7 @@
           <a:p>
             <a:fld id="{C9A43F4C-FF5E-49BB-8B0E-1F9E80EBBD5D}" type="datetimeFigureOut">
               <a:rPr lang="zh-CN" altLang="en-US" smtClean="0"/>
-              <a:t>2022/3/30</a:t>
+              <a:t>2022/4/20</a:t>
             </a:fld>
             <a:endParaRPr lang="zh-CN" altLang="en-US"/>
           </a:p>
@@ -1834,7 +1834,7 @@
           <a:p>
             <a:fld id="{C9A43F4C-FF5E-49BB-8B0E-1F9E80EBBD5D}" type="datetimeFigureOut">
               <a:rPr lang="zh-CN" altLang="en-US" smtClean="0"/>
-              <a:t>2022/3/30</a:t>
+              <a:t>2022/4/20</a:t>
             </a:fld>
             <a:endParaRPr lang="zh-CN" altLang="en-US"/>
           </a:p>
@@ -2111,7 +2111,7 @@
           <a:p>
             <a:fld id="{C9A43F4C-FF5E-49BB-8B0E-1F9E80EBBD5D}" type="datetimeFigureOut">
               <a:rPr lang="zh-CN" altLang="en-US" smtClean="0"/>
-              <a:t>2022/3/30</a:t>
+              <a:t>2022/4/20</a:t>
             </a:fld>
             <a:endParaRPr lang="zh-CN" altLang="en-US"/>
           </a:p>
@@ -2368,7 +2368,7 @@
           <a:p>
             <a:fld id="{C9A43F4C-FF5E-49BB-8B0E-1F9E80EBBD5D}" type="datetimeFigureOut">
               <a:rPr lang="zh-CN" altLang="en-US" smtClean="0"/>
-              <a:t>2022/3/30</a:t>
+              <a:t>2022/4/20</a:t>
             </a:fld>
             <a:endParaRPr lang="zh-CN" altLang="en-US"/>
           </a:p>
@@ -2581,7 +2581,7 @@
           <a:p>
             <a:fld id="{C9A43F4C-FF5E-49BB-8B0E-1F9E80EBBD5D}" type="datetimeFigureOut">
               <a:rPr lang="zh-CN" altLang="en-US" smtClean="0"/>
-              <a:t>2022/3/30</a:t>
+              <a:t>2022/4/20</a:t>
             </a:fld>
             <a:endParaRPr lang="zh-CN" altLang="en-US"/>
           </a:p>
@@ -3057,7 +3057,7 @@
         <p:spPr>
           <a:xfrm>
             <a:off x="216578" y="1017794"/>
-            <a:ext cx="8640000" cy="1800000"/>
+            <a:ext cx="8640000" cy="1876200"/>
           </a:xfrm>
           <a:prstGeom prst="rect">
             <a:avLst/>
@@ -3155,7 +3155,7 @@
         <p:spPr>
           <a:xfrm>
             <a:off x="511547" y="1327613"/>
-            <a:ext cx="8457740" cy="1384995"/>
+            <a:ext cx="8457740" cy="1585049"/>
           </a:xfrm>
           <a:prstGeom prst="rect">
             <a:avLst/>
@@ -3179,7 +3179,67 @@
                 </a:solidFill>
                 <a:latin typeface="Gotham Medium" pitchFamily="50" charset="0"/>
               </a:rPr>
-              <a:t>New product release: ThinkStation P360 Tower / P360 Tiny</a:t>
+              <a:t>Add ThinkStation P620 Refresh 4.0</a:t>
+            </a:r>
+          </a:p>
+          <a:p>
+            <a:pPr marL="742954" lvl="1" indent="-285754">
+              <a:buFont typeface="Arial" panose="020B0604020202020204" pitchFamily="34" charset="0"/>
+              <a:buChar char="•"/>
+            </a:pPr>
+            <a:r>
+              <a:rPr lang="en-US" altLang="zh-CN" sz="1200" dirty="0">
+                <a:solidFill>
+                  <a:schemeClr val="bg1"/>
+                </a:solidFill>
+                <a:latin typeface="Gotham Medium" pitchFamily="50" charset="0"/>
+              </a:rPr>
+              <a:t>AMD Ryzen Threadripper PRO 5000 Series processors</a:t>
+            </a:r>
+          </a:p>
+          <a:p>
+            <a:pPr marL="742954" lvl="1" indent="-285754">
+              <a:buFont typeface="Arial" panose="020B0604020202020204" pitchFamily="34" charset="0"/>
+              <a:buChar char="•"/>
+            </a:pPr>
+            <a:r>
+              <a:rPr lang="en-US" altLang="zh-CN" sz="1200" dirty="0">
+                <a:solidFill>
+                  <a:schemeClr val="bg1"/>
+                </a:solidFill>
+                <a:latin typeface="Gotham Medium" pitchFamily="50" charset="0"/>
+              </a:rPr>
+              <a:t>Windows 11</a:t>
+            </a:r>
+          </a:p>
+          <a:p>
+            <a:pPr marL="742954" lvl="1" indent="-285754">
+              <a:buFont typeface="Arial" panose="020B0604020202020204" pitchFamily="34" charset="0"/>
+              <a:buChar char="•"/>
+            </a:pPr>
+            <a:r>
+              <a:rPr lang="en-US" altLang="zh-CN" sz="1200" dirty="0">
+                <a:solidFill>
+                  <a:schemeClr val="bg1"/>
+                </a:solidFill>
+                <a:latin typeface="Gotham Medium" pitchFamily="50" charset="0"/>
+              </a:rPr>
+              <a:t>NVIDIA T400 4GB / T1000 8GB / RTX A2000 12GB / RTX A4500</a:t>
+            </a:r>
+          </a:p>
+          <a:p>
+            <a:pPr marL="742954" lvl="1" indent="-285754">
+              <a:buFont typeface="Arial" panose="020B0604020202020204" pitchFamily="34" charset="0"/>
+              <a:buChar char="•"/>
+            </a:pPr>
+            <a:r>
+              <a:rPr lang="en-US" altLang="zh-CN" sz="1200" dirty="0">
+                <a:solidFill>
+                  <a:schemeClr val="bg1"/>
+                </a:solidFill>
+                <a:latin typeface="Gotham Medium" pitchFamily="50" charset="0"/>
+              </a:rPr>
+              <a:t>4TB M.2 SSD for onboard M.2 slots</a:t>
             </a:r>
           </a:p>
           <a:p>
@@ -3194,7 +3254,7 @@
                 </a:solidFill>
                 <a:latin typeface="Gotham Medium" pitchFamily="50" charset="0"/>
               </a:rPr>
-              <a:t>Add NVIDIA T400 2GB / T400 4GB / T600 / T1000 4GB / T1000 8GB to ThinkStation P340 Tower / SFF</a:t>
+              <a:t>Add NVIDIA T400 4GB / T1000 8GB / RTX A2000 12GB to ThinkStation P350 Tower / P350 SFF </a:t>
             </a:r>
           </a:p>
           <a:p>
@@ -3209,7 +3269,7 @@
                 </a:solidFill>
                 <a:latin typeface="Gotham Medium" pitchFamily="50" charset="0"/>
               </a:rPr>
-              <a:t>Add NVIDIA RTX A2000 to ThinkStation P340 Tower / P520c / P920</a:t>
+              <a:t>Add rear Thunderbolt 4 option to ThinkStation P350 Tiny / P350 Tower / P350 SFF </a:t>
             </a:r>
           </a:p>
           <a:p>
@@ -3217,30 +3277,6 @@
               <a:buFont typeface="Arial" panose="020B0604020202020204" pitchFamily="34" charset="0"/>
               <a:buChar char="•"/>
             </a:pPr>
-            <a:r>
-              <a:rPr lang="en-US" altLang="zh-CN" sz="1200" dirty="0">
-                <a:solidFill>
-                  <a:schemeClr val="bg1"/>
-                </a:solidFill>
-                <a:latin typeface="Gotham Medium" pitchFamily="50" charset="0"/>
-              </a:rPr>
-              <a:t>Add NVIDIA RTX A4500 to P520c / P520 / P720 / P920</a:t>
-            </a:r>
-          </a:p>
-          <a:p>
-            <a:pPr marL="285754" indent="-285754">
-              <a:buFont typeface="Arial" panose="020B0604020202020204" pitchFamily="34" charset="0"/>
-              <a:buChar char="•"/>
-            </a:pPr>
-            <a:r>
-              <a:rPr lang="en-US" altLang="zh-CN" sz="1200" dirty="0">
-                <a:solidFill>
-                  <a:schemeClr val="bg1"/>
-                </a:solidFill>
-                <a:latin typeface="Gotham Medium" pitchFamily="50" charset="0"/>
-              </a:rPr>
-              <a:t>Add Windows 11 to ThinkStation P340 Tower / P340 SFF</a:t>
-            </a:r>
             <a:endParaRPr lang="en-US" altLang="zh-CN" sz="100" dirty="0">
               <a:solidFill>
                 <a:schemeClr val="bg1"/>
@@ -3260,7 +3296,7 @@
                 </a:solidFill>
                 <a:latin typeface="Gotham Medium" pitchFamily="50" charset="0"/>
               </a:rPr>
-              <a:t>Add MT7921 to ThinkStation P340 Tower / P340 SFF</a:t>
+              <a:t>Add Windows 11 to ThinkStation P520c / P520 / P720 / P920</a:t>
             </a:r>
             <a:endParaRPr lang="en-US" altLang="zh-CN" sz="100" dirty="0">
               <a:solidFill>
@@ -3285,7 +3321,7 @@
         </p:nvSpPr>
         <p:spPr>
           <a:xfrm>
-            <a:off x="216578" y="2817794"/>
+            <a:off x="216578" y="2893994"/>
             <a:ext cx="8640000" cy="1800000"/>
           </a:xfrm>
           <a:prstGeom prst="rect">
@@ -3337,7 +3373,7 @@
         </p:nvSpPr>
         <p:spPr>
           <a:xfrm>
-            <a:off x="296897" y="2786672"/>
+            <a:off x="296897" y="2862872"/>
             <a:ext cx="8457740" cy="400110"/>
           </a:xfrm>
           <a:prstGeom prst="rect">
@@ -3383,8 +3419,8 @@
         </p:nvSpPr>
         <p:spPr>
           <a:xfrm>
-            <a:off x="509599" y="3130725"/>
-            <a:ext cx="8457740" cy="492443"/>
+            <a:off x="509599" y="3206925"/>
+            <a:ext cx="8457740" cy="861774"/>
           </a:xfrm>
           <a:prstGeom prst="rect">
             <a:avLst/>
@@ -3408,7 +3444,37 @@
                 </a:solidFill>
                 <a:latin typeface="Gotham Medium" pitchFamily="50" charset="0"/>
               </a:rPr>
-              <a:t>No major update in this release</a:t>
+              <a:t>New product release</a:t>
+            </a:r>
+          </a:p>
+          <a:p>
+            <a:pPr marL="742954" lvl="1" indent="-285754">
+              <a:buFont typeface="Arial" panose="020B0604020202020204" pitchFamily="34" charset="0"/>
+              <a:buChar char="•"/>
+            </a:pPr>
+            <a:r>
+              <a:rPr lang="en-US" altLang="zh-CN" sz="1200" dirty="0">
+                <a:solidFill>
+                  <a:schemeClr val="bg1"/>
+                </a:solidFill>
+                <a:latin typeface="Gotham Medium" pitchFamily="50" charset="0"/>
+              </a:rPr>
+              <a:t>ThinkPad P14s Gen 3 </a:t>
+            </a:r>
+          </a:p>
+          <a:p>
+            <a:pPr marL="742954" lvl="1" indent="-285754">
+              <a:buFont typeface="Arial" panose="020B0604020202020204" pitchFamily="34" charset="0"/>
+              <a:buChar char="•"/>
+            </a:pPr>
+            <a:r>
+              <a:rPr lang="en-US" altLang="zh-CN" sz="1200" dirty="0">
+                <a:solidFill>
+                  <a:schemeClr val="bg1"/>
+                </a:solidFill>
+                <a:latin typeface="Gotham Medium" pitchFamily="50" charset="0"/>
+              </a:rPr>
+              <a:t>ThinkPad P16s Gen 1 (Intel)</a:t>
             </a:r>
             <a:endParaRPr lang="zh-CN" altLang="en-US" sz="1200" dirty="0">
               <a:solidFill>
@@ -3518,7 +3584,7 @@
                 </a:solidFill>
                 <a:latin typeface="Gotham Bold" pitchFamily="50" charset="0"/>
               </a:rPr>
-              <a:t>Window 592, updated as of March 30, 2022</a:t>
+              <a:t>Window 593, updated as of April 20, 2022</a:t>
             </a:r>
             <a:endParaRPr lang="zh-CN" altLang="en-US" sz="1400" dirty="0">
               <a:solidFill>
@@ -3616,7 +3682,7 @@
                 </a:solidFill>
                 <a:latin typeface="Gotham Bold" pitchFamily="50" charset="0"/>
               </a:rPr>
-              <a:t>Planed Updates in Next Release</a:t>
+              <a:t>Planed Updates in Next Release </a:t>
             </a:r>
             <a:endParaRPr lang="zh-CN" altLang="en-US" sz="2000" dirty="0">
               <a:solidFill>
@@ -3642,7 +3708,7 @@
         <p:spPr>
           <a:xfrm>
             <a:off x="509599" y="5085398"/>
-            <a:ext cx="8245038" cy="1400383"/>
+            <a:ext cx="8245038" cy="1769715"/>
           </a:xfrm>
           <a:prstGeom prst="rect">
             <a:avLst/>
@@ -3666,7 +3732,7 @@
                 </a:solidFill>
                 <a:latin typeface="Gotham Medium" pitchFamily="50" charset="0"/>
               </a:rPr>
-              <a:t>Add NVIDIA T400 / T600 / T1000 / RTX A2000 to ThinkStation P350 Tower / P620</a:t>
+              <a:t>New options for workstation PSREF please visit Workstation PSREF Teams</a:t>
             </a:r>
           </a:p>
           <a:p>
@@ -3681,9 +3747,141 @@
                 </a:solidFill>
                 <a:latin typeface="Gotham Medium" pitchFamily="50" charset="0"/>
               </a:rPr>
-              <a:t>Add AMD Ryzen Threadripper PRO 5000WX Series Processors to ThinkStation P620</a:t>
-            </a:r>
-            <a:endParaRPr lang="en-US" altLang="zh-CN" sz="100" dirty="0">
+              <a:t>New product release</a:t>
+            </a:r>
+          </a:p>
+          <a:p>
+            <a:pPr marL="742954" lvl="1" indent="-285754">
+              <a:buFont typeface="Arial" panose="020B0604020202020204" pitchFamily="34" charset="0"/>
+              <a:buChar char="•"/>
+            </a:pPr>
+            <a:r>
+              <a:rPr lang="en-US" altLang="zh-CN" sz="1200" dirty="0">
+                <a:solidFill>
+                  <a:schemeClr val="bg1"/>
+                </a:solidFill>
+                <a:latin typeface="Gotham Medium" pitchFamily="50" charset="0"/>
+              </a:rPr>
+              <a:t>ThinkStation P360 Ultra</a:t>
+            </a:r>
+          </a:p>
+          <a:p>
+            <a:pPr marL="742954" lvl="1" indent="-285754">
+              <a:buFont typeface="Arial" panose="020B0604020202020204" pitchFamily="34" charset="0"/>
+              <a:buChar char="•"/>
+            </a:pPr>
+            <a:r>
+              <a:rPr lang="en-US" altLang="zh-CN" sz="1200" dirty="0">
+                <a:solidFill>
+                  <a:schemeClr val="bg1"/>
+                </a:solidFill>
+                <a:latin typeface="Gotham Medium" pitchFamily="50" charset="0"/>
+              </a:rPr>
+              <a:t>ThinkPad P1 Gen 5</a:t>
+            </a:r>
+          </a:p>
+          <a:p>
+            <a:pPr marL="742954" lvl="1" indent="-285754">
+              <a:buFont typeface="Arial" panose="020B0604020202020204" pitchFamily="34" charset="0"/>
+              <a:buChar char="•"/>
+            </a:pPr>
+            <a:r>
+              <a:rPr lang="en-US" altLang="zh-CN" sz="1200" dirty="0">
+                <a:solidFill>
+                  <a:schemeClr val="bg1"/>
+                </a:solidFill>
+                <a:latin typeface="Gotham Medium" pitchFamily="50" charset="0"/>
+              </a:rPr>
+              <a:t>ThinkPad P15v Gen 3 (Intel)</a:t>
+            </a:r>
+          </a:p>
+          <a:p>
+            <a:pPr marL="742954" lvl="1" indent="-285754">
+              <a:buFont typeface="Arial" panose="020B0604020202020204" pitchFamily="34" charset="0"/>
+              <a:buChar char="•"/>
+            </a:pPr>
+            <a:r>
+              <a:rPr lang="en-US" altLang="zh-CN" sz="1200" dirty="0">
+                <a:solidFill>
+                  <a:schemeClr val="bg1"/>
+                </a:solidFill>
+                <a:latin typeface="Gotham Medium" pitchFamily="50" charset="0"/>
+              </a:rPr>
+              <a:t>ThinkPad T15p Gen 3</a:t>
+            </a:r>
+          </a:p>
+          <a:p>
+            <a:pPr marL="742954" lvl="1" indent="-285754">
+              <a:buFont typeface="Arial" panose="020B0604020202020204" pitchFamily="34" charset="0"/>
+              <a:buChar char="•"/>
+            </a:pPr>
+            <a:r>
+              <a:rPr lang="en-US" altLang="zh-CN" sz="1200" dirty="0">
+                <a:solidFill>
+                  <a:schemeClr val="bg1"/>
+                </a:solidFill>
+                <a:latin typeface="Gotham Medium" pitchFamily="50" charset="0"/>
+              </a:rPr>
+              <a:t>ThinkPad P16s</a:t>
+            </a:r>
+            <a:r>
+              <a:rPr lang="zh-CN" altLang="en-US" sz="1200" dirty="0">
+                <a:solidFill>
+                  <a:schemeClr val="bg1"/>
+                </a:solidFill>
+                <a:latin typeface="Gotham Medium" pitchFamily="50" charset="0"/>
+              </a:rPr>
+              <a:t> </a:t>
+            </a:r>
+            <a:r>
+              <a:rPr lang="en-US" altLang="zh-CN" sz="1200" dirty="0">
+                <a:solidFill>
+                  <a:schemeClr val="bg1"/>
+                </a:solidFill>
+                <a:latin typeface="Gotham Medium" pitchFamily="50" charset="0"/>
+              </a:rPr>
+              <a:t>Gen</a:t>
+            </a:r>
+            <a:r>
+              <a:rPr lang="zh-CN" altLang="en-US" sz="1200" dirty="0">
+                <a:solidFill>
+                  <a:schemeClr val="bg1"/>
+                </a:solidFill>
+                <a:latin typeface="Gotham Medium" pitchFamily="50" charset="0"/>
+              </a:rPr>
+              <a:t> </a:t>
+            </a:r>
+            <a:r>
+              <a:rPr lang="en-US" altLang="zh-CN" sz="1200" dirty="0">
+                <a:solidFill>
+                  <a:schemeClr val="bg1"/>
+                </a:solidFill>
+                <a:latin typeface="Gotham Medium" pitchFamily="50" charset="0"/>
+              </a:rPr>
+              <a:t>1</a:t>
+            </a:r>
+            <a:r>
+              <a:rPr lang="zh-CN" altLang="en-US" sz="1200" dirty="0">
+                <a:solidFill>
+                  <a:schemeClr val="bg1"/>
+                </a:solidFill>
+                <a:latin typeface="Gotham Medium" pitchFamily="50" charset="0"/>
+              </a:rPr>
+              <a:t> </a:t>
+            </a:r>
+            <a:r>
+              <a:rPr lang="en-US" altLang="zh-CN" sz="1200" dirty="0">
+                <a:solidFill>
+                  <a:schemeClr val="bg1"/>
+                </a:solidFill>
+                <a:latin typeface="Gotham Medium" pitchFamily="50" charset="0"/>
+              </a:rPr>
+              <a:t>(AMD)</a:t>
+            </a:r>
+          </a:p>
+          <a:p>
+            <a:pPr lvl="1"/>
+            <a:endParaRPr lang="en-US" altLang="zh-CN" sz="1200" dirty="0">
               <a:solidFill>
                 <a:schemeClr val="bg1"/>
               </a:solidFill>
@@ -3691,50 +3889,11 @@
             </a:endParaRPr>
           </a:p>
           <a:p>
-            <a:pPr marL="285754" indent="-285754">
+            <a:pPr marL="628650" lvl="1" indent="-171450">
               <a:buFont typeface="Arial" panose="020B0604020202020204" pitchFamily="34" charset="0"/>
               <a:buChar char="•"/>
             </a:pPr>
-            <a:r>
-              <a:rPr lang="en-US" altLang="zh-CN" sz="1200" dirty="0">
-                <a:solidFill>
-                  <a:schemeClr val="bg1"/>
-                </a:solidFill>
-                <a:latin typeface="Gotham Medium" pitchFamily="50" charset="0"/>
-              </a:rPr>
-              <a:t>Add 4TB M.2 2280 PCIe Gen 4x4 Performance NVMe Opal SSD to ThinkStation P620</a:t>
-            </a:r>
-          </a:p>
-          <a:p>
-            <a:pPr marL="285754" indent="-285754">
-              <a:buFont typeface="Arial" panose="020B0604020202020204" pitchFamily="34" charset="0"/>
-              <a:buChar char="•"/>
-            </a:pPr>
-            <a:r>
-              <a:rPr lang="en-US" altLang="zh-CN" sz="1200" dirty="0">
-                <a:solidFill>
-                  <a:schemeClr val="bg1"/>
-                </a:solidFill>
-                <a:latin typeface="Gotham Medium" pitchFamily="50" charset="0"/>
-              </a:rPr>
-              <a:t>Add NVIDIA RTX A4500 to ThinkStation P620</a:t>
-            </a:r>
-          </a:p>
-          <a:p>
-            <a:pPr marL="285754" indent="-285754">
-              <a:buFont typeface="Arial" panose="020B0604020202020204" pitchFamily="34" charset="0"/>
-              <a:buChar char="•"/>
-            </a:pPr>
-            <a:r>
-              <a:rPr lang="en-US" altLang="zh-CN" sz="1200" dirty="0">
-                <a:solidFill>
-                  <a:schemeClr val="bg1"/>
-                </a:solidFill>
-                <a:latin typeface="Gotham Medium" pitchFamily="50" charset="0"/>
-              </a:rPr>
-              <a:t>Add rear 2x USB-C 3.2 Gen 2 option to ThinkStation P620</a:t>
-            </a:r>
-            <a:endParaRPr lang="en-US" altLang="zh-CN" sz="100" dirty="0">
+            <a:endParaRPr lang="en-US" altLang="zh-CN" sz="1200" dirty="0">
               <a:solidFill>
                 <a:schemeClr val="bg1"/>
               </a:solidFill>
@@ -3742,22 +3901,7 @@
             </a:endParaRPr>
           </a:p>
           <a:p>
-            <a:pPr marL="285754" indent="-285754">
-              <a:buFont typeface="Arial" panose="020B0604020202020204" pitchFamily="34" charset="0"/>
-              <a:buChar char="•"/>
-            </a:pPr>
-            <a:r>
-              <a:rPr lang="en-US" altLang="zh-CN" sz="1200" dirty="0">
-                <a:solidFill>
-                  <a:schemeClr val="bg1"/>
-                </a:solidFill>
-                <a:latin typeface="Gotham Medium" pitchFamily="50" charset="0"/>
-              </a:rPr>
-              <a:t>Add rear Thunderbolt 4 option to ThinkStation P350 Tiny / P350 Tower / P350 SFF </a:t>
-            </a:r>
-          </a:p>
-          <a:p>
-            <a:pPr marL="285754" indent="-285754">
+            <a:pPr marL="742954" lvl="1" indent="-285754">
               <a:buFont typeface="Arial" panose="020B0604020202020204" pitchFamily="34" charset="0"/>
               <a:buChar char="•"/>
             </a:pPr>
@@ -3768,27 +3912,6 @@
               <a:latin typeface="Gotham Medium" pitchFamily="50" charset="0"/>
             </a:endParaRPr>
           </a:p>
-          <a:p>
-            <a:pPr marL="285754" indent="-285754">
-              <a:buFont typeface="Arial" panose="020B0604020202020204" pitchFamily="34" charset="0"/>
-              <a:buChar char="•"/>
-            </a:pPr>
-            <a:r>
-              <a:rPr lang="en-US" altLang="zh-CN" sz="1200" dirty="0">
-                <a:solidFill>
-                  <a:schemeClr val="bg1"/>
-                </a:solidFill>
-                <a:latin typeface="Gotham Medium" pitchFamily="50" charset="0"/>
-              </a:rPr>
-              <a:t>Add Windows 11 to ThinkStation P520c / P520 / /P620 / P720 / P920</a:t>
-            </a:r>
-            <a:endParaRPr lang="en-US" altLang="zh-CN" sz="100" dirty="0">
-              <a:solidFill>
-                <a:schemeClr val="bg1"/>
-              </a:solidFill>
-              <a:latin typeface="Gotham Medium" pitchFamily="50" charset="0"/>
-            </a:endParaRPr>
-          </a:p>
         </p:txBody>
       </p:sp>
       <p:sp>
@@ -3806,7 +3929,7 @@
         <p:spPr>
           <a:xfrm>
             <a:off x="296897" y="6860832"/>
-            <a:ext cx="8457740" cy="769441"/>
+            <a:ext cx="8457740" cy="954107"/>
           </a:xfrm>
           <a:prstGeom prst="rect">
             <a:avLst/>
@@ -3874,7 +3997,7 @@
                 </a:solidFill>
                 <a:latin typeface="Gotham Medium" pitchFamily="50" charset="0"/>
               </a:rPr>
-              <a:t>Finish draft version of PSREF spec for ThinkPad P15v Gen 3 / T15p Gen 3 in early April</a:t>
+              <a:t>Final version of ThinkPad P16s Gen 1 (AMD) PSREF spec has been ready</a:t>
             </a:r>
           </a:p>
           <a:p>
@@ -3889,7 +4012,22 @@
                 </a:solidFill>
                 <a:latin typeface="Gotham Medium" pitchFamily="50" charset="0"/>
               </a:rPr>
-              <a:t>Finish draft version of PSREF spec for ThinkPad P1 Gen 5 in the middle of April</a:t>
+              <a:t>Finish final version of PSREF spec for ThinkPad P1 Gen 5 / P15v Gen 3 / T15p Gen 3 within this week</a:t>
+            </a:r>
+          </a:p>
+          <a:p>
+            <a:pPr marL="285754" indent="-285754">
+              <a:buFont typeface="Arial" panose="020B0604020202020204" pitchFamily="34" charset="0"/>
+              <a:buChar char="•"/>
+            </a:pPr>
+            <a:r>
+              <a:rPr lang="en-US" altLang="zh-CN" sz="1200" dirty="0">
+                <a:solidFill>
+                  <a:schemeClr val="bg1"/>
+                </a:solidFill>
+                <a:latin typeface="Gotham Medium" pitchFamily="50" charset="0"/>
+              </a:rPr>
+              <a:t>Finish draft version of PSREF spec for ThinkStation P360 Ultra before April 27</a:t>
             </a:r>
           </a:p>
         </p:txBody>

--- a/wspsref_newsletter.pptx
+++ b/wspsref_newsletter.pptx
@@ -3929,7 +3929,7 @@
         <p:spPr>
           <a:xfrm>
             <a:off x="296897" y="6860832"/>
-            <a:ext cx="8457740" cy="954107"/>
+            <a:ext cx="8457740" cy="400110"/>
           </a:xfrm>
           <a:prstGeom prst="rect">
             <a:avLst/>
@@ -3985,6 +3985,35 @@
               <a:latin typeface="Gotham Medium" pitchFamily="50" charset="0"/>
             </a:endParaRPr>
           </a:p>
+        </p:txBody>
+      </p:sp>
+      <p:sp>
+        <p:nvSpPr>
+          <p:cNvPr id="23" name="文本框 22">
+            <a:extLst>
+              <a:ext uri="{FF2B5EF4-FFF2-40B4-BE49-F238E27FC236}">
+                <a16:creationId xmlns:a16="http://schemas.microsoft.com/office/drawing/2014/main" id="{671BE805-8E94-45BA-B2AF-38EAE3AE7203}"/>
+              </a:ext>
+            </a:extLst>
+          </p:cNvPr>
+          <p:cNvSpPr txBox="1"/>
+          <p:nvPr/>
+        </p:nvSpPr>
+        <p:spPr>
+          <a:xfrm>
+            <a:off x="509599" y="7297064"/>
+            <a:ext cx="8538059" cy="646331"/>
+          </a:xfrm>
+          <a:prstGeom prst="rect">
+            <a:avLst/>
+          </a:prstGeom>
+          <a:noFill/>
+        </p:spPr>
+        <p:txBody>
+          <a:bodyPr wrap="square">
+            <a:spAutoFit/>
+          </a:bodyPr>
+          <a:lstStyle/>
           <a:p>
             <a:pPr marL="285754" indent="-285754">
               <a:buFont typeface="Arial" panose="020B0604020202020204" pitchFamily="34" charset="0"/>
